--- a/imgs/prompts.pptx
+++ b/imgs/prompts.pptx
@@ -2,13 +2,12 @@
 <file path=ppt/presentation.xml><?xml version="1.0" encoding="utf-8"?>
 <p:presentation xmlns:a="http://schemas.openxmlformats.org/drawingml/2006/main" xmlns:r="http://schemas.openxmlformats.org/officeDocument/2006/relationships" xmlns:p="http://schemas.openxmlformats.org/presentationml/2006/main" saveSubsetFonts="1">
   <p:sldMasterIdLst>
-    <p:sldMasterId id="2147483744" r:id="rId1"/>
+    <p:sldMasterId id="2147483768" r:id="rId1"/>
   </p:sldMasterIdLst>
   <p:sldIdLst>
     <p:sldId id="256" r:id="rId2"/>
-    <p:sldId id="257" r:id="rId3"/>
   </p:sldIdLst>
-  <p:sldSz cx="21031200" cy="22860000"/>
+  <p:sldSz cx="21031200" cy="19202400"/>
   <p:notesSz cx="6858000" cy="9144000"/>
   <p:defaultTextStyle>
     <a:defPPr>
@@ -105,11 +104,16 @@
       </a:defRPr>
     </a:lvl9pPr>
   </p:defaultTextStyle>
+  <p:extLst>
+    <p:ext uri="{EFAFB233-063F-42B5-8137-9DF3F51BA10A}">
+      <p15:sldGuideLst xmlns:p15="http://schemas.microsoft.com/office/powerpoint/2012/main"/>
+    </p:ext>
+  </p:extLst>
 </p:presentation>
 </file>
 
 <file path=ppt/slideLayouts/slideLayout1.xml><?xml version="1.0" encoding="utf-8"?>
-<p:sldLayout xmlns:a="http://schemas.openxmlformats.org/drawingml/2006/main" xmlns:r="http://schemas.openxmlformats.org/officeDocument/2006/relationships" xmlns:p="http://schemas.openxmlformats.org/presentationml/2006/main" showMasterSp="0" type="title" preserve="1">
+<p:sldLayout xmlns:a="http://schemas.openxmlformats.org/drawingml/2006/main" xmlns:r="http://schemas.openxmlformats.org/officeDocument/2006/relationships" xmlns:p="http://schemas.openxmlformats.org/presentationml/2006/main" type="title" preserve="1">
   <p:cSld name="Title Slide">
     <p:spTree>
       <p:nvGrpSpPr>
@@ -127,82 +131,6 @@
       </p:grpSpPr>
       <p:sp>
         <p:nvSpPr>
-          <p:cNvPr id="7" name="Rectangle 6"/>
-          <p:cNvSpPr/>
-          <p:nvPr/>
-        </p:nvSpPr>
-        <p:spPr>
-          <a:xfrm>
-            <a:off x="5480" y="21336000"/>
-            <a:ext cx="21025724" cy="1524000"/>
-          </a:xfrm>
-          <a:prstGeom prst="rect">
-            <a:avLst/>
-          </a:prstGeom>
-          <a:solidFill>
-            <a:schemeClr val="accent2"/>
-          </a:solidFill>
-          <a:ln>
-            <a:noFill/>
-          </a:ln>
-        </p:spPr>
-        <p:style>
-          <a:lnRef idx="2">
-            <a:schemeClr val="accent1">
-              <a:shade val="50000"/>
-            </a:schemeClr>
-          </a:lnRef>
-          <a:fillRef idx="1">
-            <a:schemeClr val="accent1"/>
-          </a:fillRef>
-          <a:effectRef idx="0">
-            <a:schemeClr val="accent1"/>
-          </a:effectRef>
-          <a:fontRef idx="minor">
-            <a:schemeClr val="lt1"/>
-          </a:fontRef>
-        </p:style>
-      </p:sp>
-      <p:sp>
-        <p:nvSpPr>
-          <p:cNvPr id="8" name="Rectangle 7"/>
-          <p:cNvSpPr/>
-          <p:nvPr/>
-        </p:nvSpPr>
-        <p:spPr>
-          <a:xfrm>
-            <a:off x="29" y="21114387"/>
-            <a:ext cx="21025724" cy="213360"/>
-          </a:xfrm>
-          <a:prstGeom prst="rect">
-            <a:avLst/>
-          </a:prstGeom>
-          <a:solidFill>
-            <a:schemeClr val="accent1"/>
-          </a:solidFill>
-          <a:ln>
-            <a:noFill/>
-          </a:ln>
-        </p:spPr>
-        <p:style>
-          <a:lnRef idx="2">
-            <a:schemeClr val="accent1">
-              <a:shade val="50000"/>
-            </a:schemeClr>
-          </a:lnRef>
-          <a:fillRef idx="1">
-            <a:schemeClr val="accent1"/>
-          </a:fillRef>
-          <a:effectRef idx="0">
-            <a:schemeClr val="accent1"/>
-          </a:effectRef>
-          <a:fontRef idx="minor">
-            <a:schemeClr val="lt1"/>
-          </a:fontRef>
-        </p:style>
-      </p:sp>
-      <p:sp>
-        <p:nvSpPr>
           <p:cNvPr id="2" name="Title 1"/>
           <p:cNvSpPr>
             <a:spLocks noGrp="1"/>
@@ -213,27 +141,15 @@
         </p:nvSpPr>
         <p:spPr>
           <a:xfrm>
-            <a:off x="1892808" y="2529840"/>
-            <a:ext cx="17350740" cy="11887200"/>
+            <a:off x="1577340" y="3142616"/>
+            <a:ext cx="17876520" cy="6685280"/>
           </a:xfrm>
         </p:spPr>
         <p:txBody>
-          <a:bodyPr anchor="b">
-            <a:normAutofit/>
-          </a:bodyPr>
+          <a:bodyPr anchor="b"/>
           <a:lstStyle>
-            <a:lvl1pPr algn="l">
-              <a:lnSpc>
-                <a:spcPct val="85000"/>
-              </a:lnSpc>
-              <a:defRPr sz="18400" spc="-115" baseline="0">
-                <a:solidFill>
-                  <a:schemeClr val="tx1">
-                    <a:lumMod val="85000"/>
-                    <a:lumOff val="15000"/>
-                  </a:schemeClr>
-                </a:solidFill>
-              </a:defRPr>
+            <a:lvl1pPr algn="ctr">
+              <a:defRPr sz="13800"/>
             </a:lvl1pPr>
           </a:lstStyle>
           <a:p>
@@ -257,55 +173,48 @@
         </p:nvSpPr>
         <p:spPr>
           <a:xfrm>
-            <a:off x="1897587" y="14852070"/>
-            <a:ext cx="17350740" cy="3810000"/>
+            <a:off x="2628900" y="10085706"/>
+            <a:ext cx="15773400" cy="4636134"/>
           </a:xfrm>
         </p:spPr>
         <p:txBody>
-          <a:bodyPr lIns="91440" rIns="91440">
-            <a:normAutofit/>
-          </a:bodyPr>
+          <a:bodyPr/>
           <a:lstStyle>
-            <a:lvl1pPr marL="0" indent="0" algn="l">
+            <a:lvl1pPr marL="0" indent="0" algn="ctr">
               <a:buNone/>
-              <a:defRPr sz="5520" cap="all" spc="460" baseline="0">
-                <a:solidFill>
-                  <a:schemeClr val="tx2"/>
-                </a:solidFill>
-                <a:latin typeface="+mj-lt"/>
-              </a:defRPr>
+              <a:defRPr sz="5520"/>
             </a:lvl1pPr>
             <a:lvl2pPr marL="1051560" indent="0" algn="ctr">
               <a:buNone/>
-              <a:defRPr sz="5520"/>
+              <a:defRPr sz="4600"/>
             </a:lvl2pPr>
             <a:lvl3pPr marL="2103120" indent="0" algn="ctr">
               <a:buNone/>
-              <a:defRPr sz="5520"/>
+              <a:defRPr sz="4140"/>
             </a:lvl3pPr>
             <a:lvl4pPr marL="3154680" indent="0" algn="ctr">
               <a:buNone/>
-              <a:defRPr sz="4600"/>
+              <a:defRPr sz="3680"/>
             </a:lvl4pPr>
             <a:lvl5pPr marL="4206240" indent="0" algn="ctr">
               <a:buNone/>
-              <a:defRPr sz="4600"/>
+              <a:defRPr sz="3680"/>
             </a:lvl5pPr>
             <a:lvl6pPr marL="5257800" indent="0" algn="ctr">
               <a:buNone/>
-              <a:defRPr sz="4600"/>
+              <a:defRPr sz="3680"/>
             </a:lvl6pPr>
             <a:lvl7pPr marL="6309360" indent="0" algn="ctr">
               <a:buNone/>
-              <a:defRPr sz="4600"/>
+              <a:defRPr sz="3680"/>
             </a:lvl7pPr>
             <a:lvl8pPr marL="7360920" indent="0" algn="ctr">
               <a:buNone/>
-              <a:defRPr sz="4600"/>
+              <a:defRPr sz="3680"/>
             </a:lvl8pPr>
             <a:lvl9pPr marL="8412480" indent="0" algn="ctr">
               <a:buNone/>
-              <a:defRPr sz="4600"/>
+              <a:defRPr sz="3680"/>
             </a:lvl9pPr>
           </a:lstStyle>
           <a:p>
@@ -334,7 +243,7 @@
           <a:p>
             <a:fld id="{1501E202-5B1B-4651-BAA7-D27A6FB17850}" type="datetimeFigureOut">
               <a:rPr lang="en-US" smtClean="0"/>
-              <a:t>5/10/2023</a:t>
+              <a:t>5/16/2023</a:t>
             </a:fld>
             <a:endParaRPr lang="en-US" dirty="0"/>
           </a:p>
@@ -382,48 +291,10 @@
           </a:p>
         </p:txBody>
       </p:sp>
-      <p:cxnSp>
-        <p:nvCxnSpPr>
-          <p:cNvPr id="9" name="Straight Connector 8"/>
-          <p:cNvCxnSpPr/>
-          <p:nvPr/>
-        </p:nvCxnSpPr>
-        <p:spPr>
-          <a:xfrm>
-            <a:off x="2083211" y="14478000"/>
-            <a:ext cx="17035272" cy="0"/>
-          </a:xfrm>
-          <a:prstGeom prst="line">
-            <a:avLst/>
-          </a:prstGeom>
-          <a:ln w="6350">
-            <a:solidFill>
-              <a:schemeClr val="tx1">
-                <a:lumMod val="50000"/>
-                <a:lumOff val="50000"/>
-              </a:schemeClr>
-            </a:solidFill>
-          </a:ln>
-        </p:spPr>
-        <p:style>
-          <a:lnRef idx="1">
-            <a:schemeClr val="accent1"/>
-          </a:lnRef>
-          <a:fillRef idx="0">
-            <a:schemeClr val="accent1"/>
-          </a:fillRef>
-          <a:effectRef idx="0">
-            <a:schemeClr val="accent1"/>
-          </a:effectRef>
-          <a:fontRef idx="minor">
-            <a:schemeClr val="tx1"/>
-          </a:fontRef>
-        </p:style>
-      </p:cxnSp>
     </p:spTree>
     <p:extLst>
       <p:ext uri="{BB962C8B-B14F-4D97-AF65-F5344CB8AC3E}">
-        <p14:creationId xmlns:p14="http://schemas.microsoft.com/office/powerpoint/2010/main" val="484473002"/>
+        <p14:creationId xmlns:p14="http://schemas.microsoft.com/office/powerpoint/2010/main" val="736084751"/>
       </p:ext>
     </p:extLst>
   </p:cSld>
@@ -485,7 +356,7 @@
         </p:nvSpPr>
         <p:spPr/>
         <p:txBody>
-          <a:bodyPr vert="eaVert" lIns="45720" tIns="0" rIns="45720" bIns="0"/>
+          <a:bodyPr vert="eaVert"/>
           <a:lstStyle/>
           <a:p>
             <a:pPr lvl="0"/>
@@ -542,7 +413,7 @@
           <a:p>
             <a:fld id="{1501E202-5B1B-4651-BAA7-D27A6FB17850}" type="datetimeFigureOut">
               <a:rPr lang="en-US" smtClean="0"/>
-              <a:t>5/10/2023</a:t>
+              <a:t>5/16/2023</a:t>
             </a:fld>
             <a:endParaRPr lang="en-US" dirty="0"/>
           </a:p>
@@ -593,7 +464,7 @@
     </p:spTree>
     <p:extLst>
       <p:ext uri="{BB962C8B-B14F-4D97-AF65-F5344CB8AC3E}">
-        <p14:creationId xmlns:p14="http://schemas.microsoft.com/office/powerpoint/2010/main" val="4095492117"/>
+        <p14:creationId xmlns:p14="http://schemas.microsoft.com/office/powerpoint/2010/main" val="174316526"/>
       </p:ext>
     </p:extLst>
   </p:cSld>
@@ -604,7 +475,7 @@
 </file>
 
 <file path=ppt/slideLayouts/slideLayout11.xml><?xml version="1.0" encoding="utf-8"?>
-<p:sldLayout xmlns:a="http://schemas.openxmlformats.org/drawingml/2006/main" xmlns:r="http://schemas.openxmlformats.org/officeDocument/2006/relationships" xmlns:p="http://schemas.openxmlformats.org/presentationml/2006/main" showMasterSp="0" type="vertTitleAndTx" preserve="1">
+<p:sldLayout xmlns:a="http://schemas.openxmlformats.org/drawingml/2006/main" xmlns:r="http://schemas.openxmlformats.org/officeDocument/2006/relationships" xmlns:p="http://schemas.openxmlformats.org/presentationml/2006/main" type="vertTitleAndTx" preserve="1">
   <p:cSld name="Vertical Title and Text">
     <p:spTree>
       <p:nvGrpSpPr>
@@ -622,82 +493,6 @@
       </p:grpSpPr>
       <p:sp>
         <p:nvSpPr>
-          <p:cNvPr id="7" name="Rectangle 6"/>
-          <p:cNvSpPr/>
-          <p:nvPr/>
-        </p:nvSpPr>
-        <p:spPr>
-          <a:xfrm>
-            <a:off x="5480" y="21336000"/>
-            <a:ext cx="21025724" cy="1524000"/>
-          </a:xfrm>
-          <a:prstGeom prst="rect">
-            <a:avLst/>
-          </a:prstGeom>
-          <a:solidFill>
-            <a:schemeClr val="accent2"/>
-          </a:solidFill>
-          <a:ln>
-            <a:noFill/>
-          </a:ln>
-        </p:spPr>
-        <p:style>
-          <a:lnRef idx="2">
-            <a:schemeClr val="accent1">
-              <a:shade val="50000"/>
-            </a:schemeClr>
-          </a:lnRef>
-          <a:fillRef idx="1">
-            <a:schemeClr val="accent1"/>
-          </a:fillRef>
-          <a:effectRef idx="0">
-            <a:schemeClr val="accent1"/>
-          </a:effectRef>
-          <a:fontRef idx="minor">
-            <a:schemeClr val="lt1"/>
-          </a:fontRef>
-        </p:style>
-      </p:sp>
-      <p:sp>
-        <p:nvSpPr>
-          <p:cNvPr id="8" name="Rectangle 7"/>
-          <p:cNvSpPr/>
-          <p:nvPr/>
-        </p:nvSpPr>
-        <p:spPr>
-          <a:xfrm>
-            <a:off x="29" y="21114387"/>
-            <a:ext cx="21025724" cy="213360"/>
-          </a:xfrm>
-          <a:prstGeom prst="rect">
-            <a:avLst/>
-          </a:prstGeom>
-          <a:solidFill>
-            <a:schemeClr val="accent1"/>
-          </a:solidFill>
-          <a:ln>
-            <a:noFill/>
-          </a:ln>
-        </p:spPr>
-        <p:style>
-          <a:lnRef idx="2">
-            <a:schemeClr val="accent1">
-              <a:shade val="50000"/>
-            </a:schemeClr>
-          </a:lnRef>
-          <a:fillRef idx="1">
-            <a:schemeClr val="accent1"/>
-          </a:fillRef>
-          <a:effectRef idx="0">
-            <a:schemeClr val="accent1"/>
-          </a:effectRef>
-          <a:fontRef idx="minor">
-            <a:schemeClr val="lt1"/>
-          </a:fontRef>
-        </p:style>
-      </p:sp>
-      <p:sp>
-        <p:nvSpPr>
           <p:cNvPr id="2" name="Vertical Title 1"/>
           <p:cNvSpPr>
             <a:spLocks noGrp="1"/>
@@ -708,8 +503,8 @@
         </p:nvSpPr>
         <p:spPr>
           <a:xfrm>
-            <a:off x="15050453" y="1382599"/>
-            <a:ext cx="4534853" cy="19191403"/>
+            <a:off x="15050453" y="1022350"/>
+            <a:ext cx="4534853" cy="16273146"/>
           </a:xfrm>
         </p:spPr>
         <p:txBody>
@@ -736,12 +531,12 @@
         </p:nvSpPr>
         <p:spPr>
           <a:xfrm>
-            <a:off x="1445896" y="1382597"/>
-            <a:ext cx="13341668" cy="19191400"/>
+            <a:off x="1445896" y="1022350"/>
+            <a:ext cx="13341668" cy="16273146"/>
           </a:xfrm>
         </p:spPr>
         <p:txBody>
-          <a:bodyPr vert="eaVert" lIns="45720" tIns="0" rIns="45720" bIns="0"/>
+          <a:bodyPr vert="eaVert"/>
           <a:lstStyle/>
           <a:p>
             <a:pPr lvl="0"/>
@@ -798,7 +593,7 @@
           <a:p>
             <a:fld id="{1501E202-5B1B-4651-BAA7-D27A6FB17850}" type="datetimeFigureOut">
               <a:rPr lang="en-US" smtClean="0"/>
-              <a:t>5/10/2023</a:t>
+              <a:t>5/16/2023</a:t>
             </a:fld>
             <a:endParaRPr lang="en-US" dirty="0"/>
           </a:p>
@@ -849,7 +644,7 @@
     </p:spTree>
     <p:extLst>
       <p:ext uri="{BB962C8B-B14F-4D97-AF65-F5344CB8AC3E}">
-        <p14:creationId xmlns:p14="http://schemas.microsoft.com/office/powerpoint/2010/main" val="2333892437"/>
+        <p14:creationId xmlns:p14="http://schemas.microsoft.com/office/powerpoint/2010/main" val="2043314101"/>
       </p:ext>
     </p:extLst>
   </p:cSld>
@@ -968,7 +763,7 @@
           <a:p>
             <a:fld id="{1501E202-5B1B-4651-BAA7-D27A6FB17850}" type="datetimeFigureOut">
               <a:rPr lang="en-US" smtClean="0"/>
-              <a:t>5/10/2023</a:t>
+              <a:t>5/16/2023</a:t>
             </a:fld>
             <a:endParaRPr lang="en-US" dirty="0"/>
           </a:p>
@@ -1019,7 +814,7 @@
     </p:spTree>
     <p:extLst>
       <p:ext uri="{BB962C8B-B14F-4D97-AF65-F5344CB8AC3E}">
-        <p14:creationId xmlns:p14="http://schemas.microsoft.com/office/powerpoint/2010/main" val="2237138823"/>
+        <p14:creationId xmlns:p14="http://schemas.microsoft.com/office/powerpoint/2010/main" val="2001044316"/>
       </p:ext>
     </p:extLst>
   </p:cSld>
@@ -1030,16 +825,8 @@
 </file>
 
 <file path=ppt/slideLayouts/slideLayout3.xml><?xml version="1.0" encoding="utf-8"?>
-<p:sldLayout xmlns:a="http://schemas.openxmlformats.org/drawingml/2006/main" xmlns:r="http://schemas.openxmlformats.org/officeDocument/2006/relationships" xmlns:p="http://schemas.openxmlformats.org/presentationml/2006/main" showMasterSp="0" type="secHead" preserve="1">
+<p:sldLayout xmlns:a="http://schemas.openxmlformats.org/drawingml/2006/main" xmlns:r="http://schemas.openxmlformats.org/officeDocument/2006/relationships" xmlns:p="http://schemas.openxmlformats.org/presentationml/2006/main" type="secHead" preserve="1">
   <p:cSld name="Section Header">
-    <p:bg>
-      <p:bgPr>
-        <a:solidFill>
-          <a:schemeClr val="bg1"/>
-        </a:solidFill>
-        <a:effectLst/>
-      </p:bgPr>
-    </p:bg>
     <p:spTree>
       <p:nvGrpSpPr>
         <p:cNvPr id="1" name=""/>
@@ -1056,82 +843,6 @@
       </p:grpSpPr>
       <p:sp>
         <p:nvSpPr>
-          <p:cNvPr id="7" name="Rectangle 6"/>
-          <p:cNvSpPr/>
-          <p:nvPr/>
-        </p:nvSpPr>
-        <p:spPr>
-          <a:xfrm>
-            <a:off x="5480" y="21336000"/>
-            <a:ext cx="21025724" cy="1524000"/>
-          </a:xfrm>
-          <a:prstGeom prst="rect">
-            <a:avLst/>
-          </a:prstGeom>
-          <a:solidFill>
-            <a:schemeClr val="accent2"/>
-          </a:solidFill>
-          <a:ln>
-            <a:noFill/>
-          </a:ln>
-        </p:spPr>
-        <p:style>
-          <a:lnRef idx="2">
-            <a:schemeClr val="accent1">
-              <a:shade val="50000"/>
-            </a:schemeClr>
-          </a:lnRef>
-          <a:fillRef idx="1">
-            <a:schemeClr val="accent1"/>
-          </a:fillRef>
-          <a:effectRef idx="0">
-            <a:schemeClr val="accent1"/>
-          </a:effectRef>
-          <a:fontRef idx="minor">
-            <a:schemeClr val="lt1"/>
-          </a:fontRef>
-        </p:style>
-      </p:sp>
-      <p:sp>
-        <p:nvSpPr>
-          <p:cNvPr id="8" name="Rectangle 7"/>
-          <p:cNvSpPr/>
-          <p:nvPr/>
-        </p:nvSpPr>
-        <p:spPr>
-          <a:xfrm>
-            <a:off x="29" y="21114387"/>
-            <a:ext cx="21025724" cy="213360"/>
-          </a:xfrm>
-          <a:prstGeom prst="rect">
-            <a:avLst/>
-          </a:prstGeom>
-          <a:solidFill>
-            <a:schemeClr val="accent1"/>
-          </a:solidFill>
-          <a:ln>
-            <a:noFill/>
-          </a:ln>
-        </p:spPr>
-        <p:style>
-          <a:lnRef idx="2">
-            <a:schemeClr val="accent1">
-              <a:shade val="50000"/>
-            </a:schemeClr>
-          </a:lnRef>
-          <a:fillRef idx="1">
-            <a:schemeClr val="accent1"/>
-          </a:fillRef>
-          <a:effectRef idx="0">
-            <a:schemeClr val="accent1"/>
-          </a:effectRef>
-          <a:fontRef idx="minor">
-            <a:schemeClr val="lt1"/>
-          </a:fontRef>
-        </p:style>
-      </p:sp>
-      <p:sp>
-        <p:nvSpPr>
           <p:cNvPr id="2" name="Title 1"/>
           <p:cNvSpPr>
             <a:spLocks noGrp="1"/>
@@ -1142,27 +853,15 @@
         </p:nvSpPr>
         <p:spPr>
           <a:xfrm>
-            <a:off x="1892808" y="2529840"/>
-            <a:ext cx="17350740" cy="11887200"/>
+            <a:off x="1434942" y="4787270"/>
+            <a:ext cx="18139410" cy="7987664"/>
           </a:xfrm>
         </p:spPr>
         <p:txBody>
-          <a:bodyPr anchor="b" anchorCtr="0">
-            <a:normAutofit/>
-          </a:bodyPr>
+          <a:bodyPr anchor="b"/>
           <a:lstStyle>
             <a:lvl1pPr>
-              <a:lnSpc>
-                <a:spcPct val="85000"/>
-              </a:lnSpc>
-              <a:defRPr sz="18400" b="0">
-                <a:solidFill>
-                  <a:schemeClr val="tx1">
-                    <a:lumMod val="85000"/>
-                    <a:lumOff val="15000"/>
-                  </a:schemeClr>
-                </a:solidFill>
-              </a:defRPr>
+              <a:defRPr sz="13800"/>
             </a:lvl1pPr>
           </a:lstStyle>
           <a:p>
@@ -1186,27 +885,24 @@
         </p:nvSpPr>
         <p:spPr>
           <a:xfrm>
-            <a:off x="1892808" y="14843760"/>
-            <a:ext cx="17350740" cy="3810000"/>
+            <a:off x="1434942" y="12850500"/>
+            <a:ext cx="18139410" cy="4200524"/>
           </a:xfrm>
         </p:spPr>
         <p:txBody>
-          <a:bodyPr lIns="91440" rIns="91440" anchor="t" anchorCtr="0">
-            <a:normAutofit/>
-          </a:bodyPr>
+          <a:bodyPr/>
           <a:lstStyle>
             <a:lvl1pPr marL="0" indent="0">
               <a:buNone/>
-              <a:defRPr sz="5520" cap="all" spc="460" baseline="0">
-                <a:solidFill>
-                  <a:schemeClr val="tx2"/>
-                </a:solidFill>
-                <a:latin typeface="+mj-lt"/>
+              <a:defRPr sz="5520">
+                <a:solidFill>
+                  <a:schemeClr val="tx1"/>
+                </a:solidFill>
               </a:defRPr>
             </a:lvl1pPr>
             <a:lvl2pPr marL="1051560" indent="0">
               <a:buNone/>
-              <a:defRPr sz="4140">
+              <a:defRPr sz="4600">
                 <a:solidFill>
                   <a:schemeClr val="tx1">
                     <a:tint val="75000"/>
@@ -1216,7 +912,7 @@
             </a:lvl2pPr>
             <a:lvl3pPr marL="2103120" indent="0">
               <a:buNone/>
-              <a:defRPr sz="3680">
+              <a:defRPr sz="4140">
                 <a:solidFill>
                   <a:schemeClr val="tx1">
                     <a:tint val="75000"/>
@@ -1226,7 +922,7 @@
             </a:lvl3pPr>
             <a:lvl4pPr marL="3154680" indent="0">
               <a:buNone/>
-              <a:defRPr sz="3220">
+              <a:defRPr sz="3680">
                 <a:solidFill>
                   <a:schemeClr val="tx1">
                     <a:tint val="75000"/>
@@ -1236,7 +932,7 @@
             </a:lvl4pPr>
             <a:lvl5pPr marL="4206240" indent="0">
               <a:buNone/>
-              <a:defRPr sz="3220">
+              <a:defRPr sz="3680">
                 <a:solidFill>
                   <a:schemeClr val="tx1">
                     <a:tint val="75000"/>
@@ -1246,7 +942,7 @@
             </a:lvl5pPr>
             <a:lvl6pPr marL="5257800" indent="0">
               <a:buNone/>
-              <a:defRPr sz="3220">
+              <a:defRPr sz="3680">
                 <a:solidFill>
                   <a:schemeClr val="tx1">
                     <a:tint val="75000"/>
@@ -1256,7 +952,7 @@
             </a:lvl6pPr>
             <a:lvl7pPr marL="6309360" indent="0">
               <a:buNone/>
-              <a:defRPr sz="3220">
+              <a:defRPr sz="3680">
                 <a:solidFill>
                   <a:schemeClr val="tx1">
                     <a:tint val="75000"/>
@@ -1266,7 +962,7 @@
             </a:lvl7pPr>
             <a:lvl8pPr marL="7360920" indent="0">
               <a:buNone/>
-              <a:defRPr sz="3220">
+              <a:defRPr sz="3680">
                 <a:solidFill>
                   <a:schemeClr val="tx1">
                     <a:tint val="75000"/>
@@ -1276,7 +972,7 @@
             </a:lvl8pPr>
             <a:lvl9pPr marL="8412480" indent="0">
               <a:buNone/>
-              <a:defRPr sz="3220">
+              <a:defRPr sz="3680">
                 <a:solidFill>
                   <a:schemeClr val="tx1">
                     <a:tint val="75000"/>
@@ -1311,7 +1007,7 @@
           <a:p>
             <a:fld id="{1501E202-5B1B-4651-BAA7-D27A6FB17850}" type="datetimeFigureOut">
               <a:rPr lang="en-US" smtClean="0"/>
-              <a:t>5/10/2023</a:t>
+              <a:t>5/16/2023</a:t>
             </a:fld>
             <a:endParaRPr lang="en-US" dirty="0"/>
           </a:p>
@@ -1359,48 +1055,10 @@
           </a:p>
         </p:txBody>
       </p:sp>
-      <p:cxnSp>
-        <p:nvCxnSpPr>
-          <p:cNvPr id="9" name="Straight Connector 8"/>
-          <p:cNvCxnSpPr/>
-          <p:nvPr/>
-        </p:nvCxnSpPr>
-        <p:spPr>
-          <a:xfrm>
-            <a:off x="2083211" y="14478000"/>
-            <a:ext cx="17035272" cy="0"/>
-          </a:xfrm>
-          <a:prstGeom prst="line">
-            <a:avLst/>
-          </a:prstGeom>
-          <a:ln w="6350">
-            <a:solidFill>
-              <a:schemeClr val="tx1">
-                <a:lumMod val="50000"/>
-                <a:lumOff val="50000"/>
-              </a:schemeClr>
-            </a:solidFill>
-          </a:ln>
-        </p:spPr>
-        <p:style>
-          <a:lnRef idx="1">
-            <a:schemeClr val="accent1"/>
-          </a:lnRef>
-          <a:fillRef idx="0">
-            <a:schemeClr val="accent1"/>
-          </a:fillRef>
-          <a:effectRef idx="0">
-            <a:schemeClr val="accent1"/>
-          </a:effectRef>
-          <a:fontRef idx="minor">
-            <a:schemeClr val="tx1"/>
-          </a:fontRef>
-        </p:style>
-      </p:cxnSp>
     </p:spTree>
     <p:extLst>
       <p:ext uri="{BB962C8B-B14F-4D97-AF65-F5344CB8AC3E}">
-        <p14:creationId xmlns:p14="http://schemas.microsoft.com/office/powerpoint/2010/main" val="2962488237"/>
+        <p14:creationId xmlns:p14="http://schemas.microsoft.com/office/powerpoint/2010/main" val="3517461045"/>
       </p:ext>
     </p:extLst>
   </p:cSld>
@@ -1429,7 +1087,7 @@
       </p:grpSpPr>
       <p:sp>
         <p:nvSpPr>
-          <p:cNvPr id="8" name="Title 7"/>
+          <p:cNvPr id="2" name="Title 1"/>
           <p:cNvSpPr>
             <a:spLocks noGrp="1"/>
           </p:cNvSpPr>
@@ -1437,12 +1095,7 @@
             <p:ph type="title"/>
           </p:nvPr>
         </p:nvSpPr>
-        <p:spPr>
-          <a:xfrm>
-            <a:off x="1892808" y="955348"/>
-            <a:ext cx="17350740" cy="4835857"/>
-          </a:xfrm>
-        </p:spPr>
+        <p:spPr/>
         <p:txBody>
           <a:bodyPr/>
           <a:lstStyle/>
@@ -1467,8 +1120,8 @@
         </p:nvSpPr>
         <p:spPr>
           <a:xfrm>
-            <a:off x="1892808" y="6152447"/>
-            <a:ext cx="8517636" cy="13411200"/>
+            <a:off x="1445895" y="5111750"/>
+            <a:ext cx="8938260" cy="12183746"/>
           </a:xfrm>
         </p:spPr>
         <p:txBody>
@@ -1524,8 +1177,8 @@
         </p:nvSpPr>
         <p:spPr>
           <a:xfrm>
-            <a:off x="10725912" y="6152455"/>
-            <a:ext cx="8517636" cy="13411197"/>
+            <a:off x="10647045" y="5111750"/>
+            <a:ext cx="8938260" cy="12183746"/>
           </a:xfrm>
         </p:spPr>
         <p:txBody>
@@ -1586,7 +1239,7 @@
           <a:p>
             <a:fld id="{1501E202-5B1B-4651-BAA7-D27A6FB17850}" type="datetimeFigureOut">
               <a:rPr lang="en-US" smtClean="0"/>
-              <a:t>5/10/2023</a:t>
+              <a:t>5/16/2023</a:t>
             </a:fld>
             <a:endParaRPr lang="en-US" dirty="0"/>
           </a:p>
@@ -1637,7 +1290,7 @@
     </p:spTree>
     <p:extLst>
       <p:ext uri="{BB962C8B-B14F-4D97-AF65-F5344CB8AC3E}">
-        <p14:creationId xmlns:p14="http://schemas.microsoft.com/office/powerpoint/2010/main" val="3353279143"/>
+        <p14:creationId xmlns:p14="http://schemas.microsoft.com/office/powerpoint/2010/main" val="1463714364"/>
       </p:ext>
     </p:extLst>
   </p:cSld>
@@ -1666,7 +1319,7 @@
       </p:grpSpPr>
       <p:sp>
         <p:nvSpPr>
-          <p:cNvPr id="10" name="Title 9"/>
+          <p:cNvPr id="2" name="Title 1"/>
           <p:cNvSpPr>
             <a:spLocks noGrp="1"/>
           </p:cNvSpPr>
@@ -1676,8 +1329,8 @@
         </p:nvSpPr>
         <p:spPr>
           <a:xfrm>
-            <a:off x="1892808" y="955348"/>
-            <a:ext cx="17350740" cy="4835857"/>
+            <a:off x="1448634" y="1022354"/>
+            <a:ext cx="18139410" cy="3711576"/>
           </a:xfrm>
         </p:spPr>
         <p:txBody>
@@ -1704,22 +1357,16 @@
         </p:nvSpPr>
         <p:spPr>
           <a:xfrm>
-            <a:off x="1892808" y="6153507"/>
-            <a:ext cx="8517636" cy="2454273"/>
+            <a:off x="1448637" y="4707256"/>
+            <a:ext cx="8897182" cy="2306954"/>
           </a:xfrm>
         </p:spPr>
         <p:txBody>
-          <a:bodyPr lIns="91440" rIns="91440" anchor="ctr">
-            <a:normAutofit/>
-          </a:bodyPr>
+          <a:bodyPr anchor="b"/>
           <a:lstStyle>
             <a:lvl1pPr marL="0" indent="0">
               <a:buNone/>
-              <a:defRPr sz="4600" b="0" cap="all" baseline="0">
-                <a:solidFill>
-                  <a:schemeClr val="tx2"/>
-                </a:solidFill>
-              </a:defRPr>
+              <a:defRPr sz="5520" b="1"/>
             </a:lvl1pPr>
             <a:lvl2pPr marL="1051560" indent="0">
               <a:buNone/>
@@ -1775,8 +1422,8 @@
         </p:nvSpPr>
         <p:spPr>
           <a:xfrm>
-            <a:off x="1892808" y="8607780"/>
-            <a:ext cx="8517636" cy="10955867"/>
+            <a:off x="1448637" y="7014210"/>
+            <a:ext cx="8897182" cy="10316846"/>
           </a:xfrm>
         </p:spPr>
         <p:txBody>
@@ -1832,22 +1479,16 @@
         </p:nvSpPr>
         <p:spPr>
           <a:xfrm>
-            <a:off x="10725912" y="6153507"/>
-            <a:ext cx="8517636" cy="2454273"/>
+            <a:off x="10647046" y="4707256"/>
+            <a:ext cx="8940999" cy="2306954"/>
           </a:xfrm>
         </p:spPr>
         <p:txBody>
-          <a:bodyPr lIns="91440" rIns="91440" anchor="ctr">
-            <a:normAutofit/>
-          </a:bodyPr>
+          <a:bodyPr anchor="b"/>
           <a:lstStyle>
             <a:lvl1pPr marL="0" indent="0">
               <a:buNone/>
-              <a:defRPr sz="4600" b="0" cap="all" baseline="0">
-                <a:solidFill>
-                  <a:schemeClr val="tx2"/>
-                </a:solidFill>
-              </a:defRPr>
+              <a:defRPr sz="5520" b="1"/>
             </a:lvl1pPr>
             <a:lvl2pPr marL="1051560" indent="0">
               <a:buNone/>
@@ -1903,8 +1544,8 @@
         </p:nvSpPr>
         <p:spPr>
           <a:xfrm>
-            <a:off x="10725912" y="8607780"/>
-            <a:ext cx="8517636" cy="10955867"/>
+            <a:off x="10647046" y="7014210"/>
+            <a:ext cx="8940999" cy="10316846"/>
           </a:xfrm>
         </p:spPr>
         <p:txBody>
@@ -1965,7 +1606,7 @@
           <a:p>
             <a:fld id="{1501E202-5B1B-4651-BAA7-D27A6FB17850}" type="datetimeFigureOut">
               <a:rPr lang="en-US" smtClean="0"/>
-              <a:t>5/10/2023</a:t>
+              <a:t>5/16/2023</a:t>
             </a:fld>
             <a:endParaRPr lang="en-US" dirty="0"/>
           </a:p>
@@ -2016,7 +1657,7 @@
     </p:spTree>
     <p:extLst>
       <p:ext uri="{BB962C8B-B14F-4D97-AF65-F5344CB8AC3E}">
-        <p14:creationId xmlns:p14="http://schemas.microsoft.com/office/powerpoint/2010/main" val="4066018861"/>
+        <p14:creationId xmlns:p14="http://schemas.microsoft.com/office/powerpoint/2010/main" val="49111529"/>
       </p:ext>
     </p:extLst>
   </p:cSld>
@@ -2083,7 +1724,7 @@
           <a:p>
             <a:fld id="{1501E202-5B1B-4651-BAA7-D27A6FB17850}" type="datetimeFigureOut">
               <a:rPr lang="en-US" smtClean="0"/>
-              <a:t>5/10/2023</a:t>
+              <a:t>5/16/2023</a:t>
             </a:fld>
             <a:endParaRPr lang="en-US" dirty="0"/>
           </a:p>
@@ -2134,7 +1775,7 @@
     </p:spTree>
     <p:extLst>
       <p:ext uri="{BB962C8B-B14F-4D97-AF65-F5344CB8AC3E}">
-        <p14:creationId xmlns:p14="http://schemas.microsoft.com/office/powerpoint/2010/main" val="2208018091"/>
+        <p14:creationId xmlns:p14="http://schemas.microsoft.com/office/powerpoint/2010/main" val="1078170264"/>
       </p:ext>
     </p:extLst>
   </p:cSld>
@@ -2145,7 +1786,7 @@
 </file>
 
 <file path=ppt/slideLayouts/slideLayout7.xml><?xml version="1.0" encoding="utf-8"?>
-<p:sldLayout xmlns:a="http://schemas.openxmlformats.org/drawingml/2006/main" xmlns:r="http://schemas.openxmlformats.org/officeDocument/2006/relationships" xmlns:p="http://schemas.openxmlformats.org/presentationml/2006/main" showMasterSp="0" type="blank" preserve="1">
+<p:sldLayout xmlns:a="http://schemas.openxmlformats.org/drawingml/2006/main" xmlns:r="http://schemas.openxmlformats.org/officeDocument/2006/relationships" xmlns:p="http://schemas.openxmlformats.org/presentationml/2006/main" type="blank" preserve="1">
   <p:cSld name="Blank">
     <p:spTree>
       <p:nvGrpSpPr>
@@ -2163,83 +1804,7 @@
       </p:grpSpPr>
       <p:sp>
         <p:nvSpPr>
-          <p:cNvPr id="5" name="Rectangle 4"/>
-          <p:cNvSpPr/>
-          <p:nvPr/>
-        </p:nvSpPr>
-        <p:spPr>
-          <a:xfrm>
-            <a:off x="5480" y="21336000"/>
-            <a:ext cx="21025724" cy="1524000"/>
-          </a:xfrm>
-          <a:prstGeom prst="rect">
-            <a:avLst/>
-          </a:prstGeom>
-          <a:solidFill>
-            <a:schemeClr val="accent2"/>
-          </a:solidFill>
-          <a:ln>
-            <a:noFill/>
-          </a:ln>
-        </p:spPr>
-        <p:style>
-          <a:lnRef idx="2">
-            <a:schemeClr val="accent1">
-              <a:shade val="50000"/>
-            </a:schemeClr>
-          </a:lnRef>
-          <a:fillRef idx="1">
-            <a:schemeClr val="accent1"/>
-          </a:fillRef>
-          <a:effectRef idx="0">
-            <a:schemeClr val="accent1"/>
-          </a:effectRef>
-          <a:fontRef idx="minor">
-            <a:schemeClr val="lt1"/>
-          </a:fontRef>
-        </p:style>
-      </p:sp>
-      <p:sp>
-        <p:nvSpPr>
-          <p:cNvPr id="6" name="Rectangle 5"/>
-          <p:cNvSpPr/>
-          <p:nvPr/>
-        </p:nvSpPr>
-        <p:spPr>
-          <a:xfrm>
-            <a:off x="29" y="21114387"/>
-            <a:ext cx="21025724" cy="213360"/>
-          </a:xfrm>
-          <a:prstGeom prst="rect">
-            <a:avLst/>
-          </a:prstGeom>
-          <a:solidFill>
-            <a:schemeClr val="accent1"/>
-          </a:solidFill>
-          <a:ln>
-            <a:noFill/>
-          </a:ln>
-        </p:spPr>
-        <p:style>
-          <a:lnRef idx="2">
-            <a:schemeClr val="accent1">
-              <a:shade val="50000"/>
-            </a:schemeClr>
-          </a:lnRef>
-          <a:fillRef idx="1">
-            <a:schemeClr val="accent1"/>
-          </a:fillRef>
-          <a:effectRef idx="0">
-            <a:schemeClr val="accent1"/>
-          </a:effectRef>
-          <a:fontRef idx="minor">
-            <a:schemeClr val="lt1"/>
-          </a:fontRef>
-        </p:style>
-      </p:sp>
-      <p:sp>
-        <p:nvSpPr>
-          <p:cNvPr id="7" name="Date Placeholder 6"/>
+          <p:cNvPr id="2" name="Date Placeholder 1"/>
           <p:cNvSpPr>
             <a:spLocks noGrp="1"/>
           </p:cNvSpPr>
@@ -2254,7 +1819,7 @@
           <a:p>
             <a:fld id="{1501E202-5B1B-4651-BAA7-D27A6FB17850}" type="datetimeFigureOut">
               <a:rPr lang="en-US" smtClean="0"/>
-              <a:t>5/10/2023</a:t>
+              <a:t>5/16/2023</a:t>
             </a:fld>
             <a:endParaRPr lang="en-US" dirty="0"/>
           </a:p>
@@ -2262,7 +1827,7 @@
       </p:sp>
       <p:sp>
         <p:nvSpPr>
-          <p:cNvPr id="8" name="Footer Placeholder 7"/>
+          <p:cNvPr id="3" name="Footer Placeholder 2"/>
           <p:cNvSpPr>
             <a:spLocks noGrp="1"/>
           </p:cNvSpPr>
@@ -2273,15 +1838,7 @@
         <p:spPr/>
         <p:txBody>
           <a:bodyPr/>
-          <a:lstStyle>
-            <a:lvl1pPr>
-              <a:defRPr>
-                <a:solidFill>
-                  <a:srgbClr val="FFFFFF"/>
-                </a:solidFill>
-              </a:defRPr>
-            </a:lvl1pPr>
-          </a:lstStyle>
+          <a:lstStyle/>
           <a:p>
             <a:endParaRPr lang="en-US" dirty="0"/>
           </a:p>
@@ -2289,7 +1846,7 @@
       </p:sp>
       <p:sp>
         <p:nvSpPr>
-          <p:cNvPr id="9" name="Slide Number Placeholder 8"/>
+          <p:cNvPr id="4" name="Slide Number Placeholder 3"/>
           <p:cNvSpPr>
             <a:spLocks noGrp="1"/>
           </p:cNvSpPr>
@@ -2313,7 +1870,7 @@
     </p:spTree>
     <p:extLst>
       <p:ext uri="{BB962C8B-B14F-4D97-AF65-F5344CB8AC3E}">
-        <p14:creationId xmlns:p14="http://schemas.microsoft.com/office/powerpoint/2010/main" val="757229324"/>
+        <p14:creationId xmlns:p14="http://schemas.microsoft.com/office/powerpoint/2010/main" val="2640162226"/>
       </p:ext>
     </p:extLst>
   </p:cSld>
@@ -2324,7 +1881,7 @@
 </file>
 
 <file path=ppt/slideLayouts/slideLayout8.xml><?xml version="1.0" encoding="utf-8"?>
-<p:sldLayout xmlns:a="http://schemas.openxmlformats.org/drawingml/2006/main" xmlns:r="http://schemas.openxmlformats.org/officeDocument/2006/relationships" xmlns:p="http://schemas.openxmlformats.org/presentationml/2006/main" showMasterSp="0" type="objTx" preserve="1">
+<p:sldLayout xmlns:a="http://schemas.openxmlformats.org/drawingml/2006/main" xmlns:r="http://schemas.openxmlformats.org/officeDocument/2006/relationships" xmlns:p="http://schemas.openxmlformats.org/presentationml/2006/main" type="objTx" preserve="1">
   <p:cSld name="Content with Caption">
     <p:spTree>
       <p:nvGrpSpPr>
@@ -2342,82 +1899,6 @@
       </p:grpSpPr>
       <p:sp>
         <p:nvSpPr>
-          <p:cNvPr id="8" name="Rectangle 7"/>
-          <p:cNvSpPr/>
-          <p:nvPr/>
-        </p:nvSpPr>
-        <p:spPr>
-          <a:xfrm>
-            <a:off x="31" y="0"/>
-            <a:ext cx="6987614" cy="22860000"/>
-          </a:xfrm>
-          <a:prstGeom prst="rect">
-            <a:avLst/>
-          </a:prstGeom>
-          <a:solidFill>
-            <a:schemeClr val="accent2"/>
-          </a:solidFill>
-          <a:ln>
-            <a:noFill/>
-          </a:ln>
-        </p:spPr>
-        <p:style>
-          <a:lnRef idx="2">
-            <a:schemeClr val="accent1">
-              <a:shade val="50000"/>
-            </a:schemeClr>
-          </a:lnRef>
-          <a:fillRef idx="1">
-            <a:schemeClr val="accent1"/>
-          </a:fillRef>
-          <a:effectRef idx="0">
-            <a:schemeClr val="accent1"/>
-          </a:effectRef>
-          <a:fontRef idx="minor">
-            <a:schemeClr val="lt1"/>
-          </a:fontRef>
-        </p:style>
-      </p:sp>
-      <p:sp>
-        <p:nvSpPr>
-          <p:cNvPr id="9" name="Rectangle 8"/>
-          <p:cNvSpPr/>
-          <p:nvPr/>
-        </p:nvSpPr>
-        <p:spPr>
-          <a:xfrm>
-            <a:off x="6969122" y="0"/>
-            <a:ext cx="110414" cy="22860000"/>
-          </a:xfrm>
-          <a:prstGeom prst="rect">
-            <a:avLst/>
-          </a:prstGeom>
-          <a:solidFill>
-            <a:schemeClr val="accent1"/>
-          </a:solidFill>
-          <a:ln>
-            <a:noFill/>
-          </a:ln>
-        </p:spPr>
-        <p:style>
-          <a:lnRef idx="2">
-            <a:schemeClr val="accent1">
-              <a:shade val="50000"/>
-            </a:schemeClr>
-          </a:lnRef>
-          <a:fillRef idx="1">
-            <a:schemeClr val="accent1"/>
-          </a:fillRef>
-          <a:effectRef idx="0">
-            <a:schemeClr val="accent1"/>
-          </a:effectRef>
-          <a:fontRef idx="minor">
-            <a:schemeClr val="lt1"/>
-          </a:fontRef>
-        </p:style>
-      </p:sp>
-      <p:sp>
-        <p:nvSpPr>
           <p:cNvPr id="2" name="Title 1"/>
           <p:cNvSpPr>
             <a:spLocks noGrp="1"/>
@@ -2428,21 +1909,15 @@
         </p:nvSpPr>
         <p:spPr>
           <a:xfrm>
-            <a:off x="788670" y="1981197"/>
-            <a:ext cx="5520690" cy="7620000"/>
+            <a:off x="1448635" y="1280160"/>
+            <a:ext cx="6783109" cy="4480560"/>
           </a:xfrm>
         </p:spPr>
         <p:txBody>
-          <a:bodyPr anchor="b">
-            <a:normAutofit/>
-          </a:bodyPr>
+          <a:bodyPr anchor="b"/>
           <a:lstStyle>
             <a:lvl1pPr>
-              <a:defRPr sz="8280" b="0">
-                <a:solidFill>
-                  <a:srgbClr val="FFFFFF"/>
-                </a:solidFill>
-              </a:defRPr>
+              <a:defRPr sz="7360"/>
             </a:lvl1pPr>
           </a:lstStyle>
           <a:p>
@@ -2466,13 +1941,41 @@
         </p:nvSpPr>
         <p:spPr>
           <a:xfrm>
-            <a:off x="7958546" y="2438400"/>
-            <a:ext cx="11521604" cy="17526000"/>
+            <a:off x="8940999" y="2764794"/>
+            <a:ext cx="10647045" cy="13646150"/>
           </a:xfrm>
         </p:spPr>
         <p:txBody>
           <a:bodyPr/>
-          <a:lstStyle/>
+          <a:lstStyle>
+            <a:lvl1pPr>
+              <a:defRPr sz="7360"/>
+            </a:lvl1pPr>
+            <a:lvl2pPr>
+              <a:defRPr sz="6440"/>
+            </a:lvl2pPr>
+            <a:lvl3pPr>
+              <a:defRPr sz="5520"/>
+            </a:lvl3pPr>
+            <a:lvl4pPr>
+              <a:defRPr sz="4600"/>
+            </a:lvl4pPr>
+            <a:lvl5pPr>
+              <a:defRPr sz="4600"/>
+            </a:lvl5pPr>
+            <a:lvl6pPr>
+              <a:defRPr sz="4600"/>
+            </a:lvl6pPr>
+            <a:lvl7pPr>
+              <a:defRPr sz="4600"/>
+            </a:lvl7pPr>
+            <a:lvl8pPr>
+              <a:defRPr sz="4600"/>
+            </a:lvl8pPr>
+            <a:lvl9pPr>
+              <a:defRPr sz="4600"/>
+            </a:lvl9pPr>
+          </a:lstStyle>
           <a:p>
             <a:pPr lvl="0"/>
             <a:r>
@@ -2523,54 +2026,48 @@
         </p:nvSpPr>
         <p:spPr>
           <a:xfrm>
-            <a:off x="788670" y="9753600"/>
-            <a:ext cx="5520690" cy="11263747"/>
+            <a:off x="1448635" y="5760720"/>
+            <a:ext cx="6783109" cy="10672446"/>
           </a:xfrm>
         </p:spPr>
         <p:txBody>
-          <a:bodyPr lIns="91440" rIns="91440">
-            <a:normAutofit/>
-          </a:bodyPr>
+          <a:bodyPr/>
           <a:lstStyle>
             <a:lvl1pPr marL="0" indent="0">
               <a:buNone/>
-              <a:defRPr sz="3450">
-                <a:solidFill>
-                  <a:srgbClr val="FFFFFF"/>
-                </a:solidFill>
-              </a:defRPr>
+              <a:defRPr sz="3680"/>
             </a:lvl1pPr>
             <a:lvl2pPr marL="1051560" indent="0">
               <a:buNone/>
-              <a:defRPr sz="2760"/>
+              <a:defRPr sz="3220"/>
             </a:lvl2pPr>
             <a:lvl3pPr marL="2103120" indent="0">
               <a:buNone/>
-              <a:defRPr sz="2300"/>
+              <a:defRPr sz="2760"/>
             </a:lvl3pPr>
             <a:lvl4pPr marL="3154680" indent="0">
               <a:buNone/>
-              <a:defRPr sz="2070"/>
+              <a:defRPr sz="2300"/>
             </a:lvl4pPr>
             <a:lvl5pPr marL="4206240" indent="0">
               <a:buNone/>
-              <a:defRPr sz="2070"/>
+              <a:defRPr sz="2300"/>
             </a:lvl5pPr>
             <a:lvl6pPr marL="5257800" indent="0">
               <a:buNone/>
-              <a:defRPr sz="2070"/>
+              <a:defRPr sz="2300"/>
             </a:lvl6pPr>
             <a:lvl7pPr marL="6309360" indent="0">
               <a:buNone/>
-              <a:defRPr sz="2070"/>
+              <a:defRPr sz="2300"/>
             </a:lvl7pPr>
             <a:lvl8pPr marL="7360920" indent="0">
               <a:buNone/>
-              <a:defRPr sz="2070"/>
+              <a:defRPr sz="2300"/>
             </a:lvl8pPr>
             <a:lvl9pPr marL="8412480" indent="0">
               <a:buNone/>
-              <a:defRPr sz="2070"/>
+              <a:defRPr sz="2300"/>
             </a:lvl9pPr>
           </a:lstStyle>
           <a:p>
@@ -2592,23 +2089,14 @@
             <p:ph type="dt" sz="half" idx="10"/>
           </p:nvPr>
         </p:nvSpPr>
-        <p:spPr>
-          <a:xfrm>
-            <a:off x="803009" y="21532622"/>
-            <a:ext cx="4516931" cy="1217083"/>
-          </a:xfrm>
-        </p:spPr>
+        <p:spPr/>
         <p:txBody>
           <a:bodyPr/>
-          <a:lstStyle>
-            <a:lvl1pPr algn="l">
-              <a:defRPr/>
-            </a:lvl1pPr>
-          </a:lstStyle>
+          <a:lstStyle/>
           <a:p>
             <a:fld id="{1501E202-5B1B-4651-BAA7-D27A6FB17850}" type="datetimeFigureOut">
               <a:rPr lang="en-US" smtClean="0"/>
-              <a:t>5/10/2023</a:t>
+              <a:t>5/16/2023</a:t>
             </a:fld>
             <a:endParaRPr lang="en-US" dirty="0"/>
           </a:p>
@@ -2624,23 +2112,10 @@
             <p:ph type="ftr" sz="quarter" idx="11"/>
           </p:nvPr>
         </p:nvSpPr>
-        <p:spPr>
-          <a:xfrm>
-            <a:off x="8281035" y="21532622"/>
-            <a:ext cx="8018145" cy="1217083"/>
-          </a:xfrm>
-        </p:spPr>
+        <p:spPr/>
         <p:txBody>
           <a:bodyPr/>
-          <a:lstStyle>
-            <a:lvl1pPr algn="l">
-              <a:defRPr>
-                <a:solidFill>
-                  <a:schemeClr val="tx2"/>
-                </a:solidFill>
-              </a:defRPr>
-            </a:lvl1pPr>
-          </a:lstStyle>
+          <a:lstStyle/>
           <a:p>
             <a:endParaRPr lang="en-US" dirty="0"/>
           </a:p>
@@ -2659,15 +2134,7 @@
         <p:spPr/>
         <p:txBody>
           <a:bodyPr/>
-          <a:lstStyle>
-            <a:lvl1pPr>
-              <a:defRPr>
-                <a:solidFill>
-                  <a:schemeClr val="tx2"/>
-                </a:solidFill>
-              </a:defRPr>
-            </a:lvl1pPr>
-          </a:lstStyle>
+          <a:lstStyle/>
           <a:p>
             <a:fld id="{45B3FF54-8514-41BE-8664-8FF36A29967F}" type="slidenum">
               <a:rPr lang="en-US" smtClean="0"/>
@@ -2680,7 +2147,7 @@
     </p:spTree>
     <p:extLst>
       <p:ext uri="{BB962C8B-B14F-4D97-AF65-F5344CB8AC3E}">
-        <p14:creationId xmlns:p14="http://schemas.microsoft.com/office/powerpoint/2010/main" val="533444"/>
+        <p14:creationId xmlns:p14="http://schemas.microsoft.com/office/powerpoint/2010/main" val="3958668819"/>
       </p:ext>
     </p:extLst>
   </p:cSld>
@@ -2691,7 +2158,7 @@
 </file>
 
 <file path=ppt/slideLayouts/slideLayout9.xml><?xml version="1.0" encoding="utf-8"?>
-<p:sldLayout xmlns:a="http://schemas.openxmlformats.org/drawingml/2006/main" xmlns:r="http://schemas.openxmlformats.org/officeDocument/2006/relationships" xmlns:p="http://schemas.openxmlformats.org/presentationml/2006/main" showMasterSp="0" type="picTx" preserve="1">
+<p:sldLayout xmlns:a="http://schemas.openxmlformats.org/drawingml/2006/main" xmlns:r="http://schemas.openxmlformats.org/officeDocument/2006/relationships" xmlns:p="http://schemas.openxmlformats.org/presentationml/2006/main" type="picTx" preserve="1">
   <p:cSld name="Picture with Caption">
     <p:spTree>
       <p:nvGrpSpPr>
@@ -2709,82 +2176,6 @@
       </p:grpSpPr>
       <p:sp>
         <p:nvSpPr>
-          <p:cNvPr id="8" name="Rectangle 7"/>
-          <p:cNvSpPr/>
-          <p:nvPr/>
-        </p:nvSpPr>
-        <p:spPr>
-          <a:xfrm>
-            <a:off x="1" y="16510000"/>
-            <a:ext cx="21025724" cy="6350000"/>
-          </a:xfrm>
-          <a:prstGeom prst="rect">
-            <a:avLst/>
-          </a:prstGeom>
-          <a:solidFill>
-            <a:schemeClr val="accent2"/>
-          </a:solidFill>
-          <a:ln>
-            <a:noFill/>
-          </a:ln>
-        </p:spPr>
-        <p:style>
-          <a:lnRef idx="2">
-            <a:schemeClr val="accent1">
-              <a:shade val="50000"/>
-            </a:schemeClr>
-          </a:lnRef>
-          <a:fillRef idx="1">
-            <a:schemeClr val="accent1"/>
-          </a:fillRef>
-          <a:effectRef idx="0">
-            <a:schemeClr val="accent1"/>
-          </a:effectRef>
-          <a:fontRef idx="minor">
-            <a:schemeClr val="lt1"/>
-          </a:fontRef>
-        </p:style>
-      </p:sp>
-      <p:sp>
-        <p:nvSpPr>
-          <p:cNvPr id="9" name="Rectangle 8"/>
-          <p:cNvSpPr/>
-          <p:nvPr/>
-        </p:nvSpPr>
-        <p:spPr>
-          <a:xfrm>
-            <a:off x="29" y="16383587"/>
-            <a:ext cx="21025724" cy="213360"/>
-          </a:xfrm>
-          <a:prstGeom prst="rect">
-            <a:avLst/>
-          </a:prstGeom>
-          <a:solidFill>
-            <a:schemeClr val="accent1"/>
-          </a:solidFill>
-          <a:ln>
-            <a:noFill/>
-          </a:ln>
-        </p:spPr>
-        <p:style>
-          <a:lnRef idx="2">
-            <a:schemeClr val="accent1">
-              <a:shade val="50000"/>
-            </a:schemeClr>
-          </a:lnRef>
-          <a:fillRef idx="1">
-            <a:schemeClr val="accent1"/>
-          </a:fillRef>
-          <a:effectRef idx="0">
-            <a:schemeClr val="accent1"/>
-          </a:effectRef>
-          <a:fontRef idx="minor">
-            <a:schemeClr val="lt1"/>
-          </a:fontRef>
-        </p:style>
-      </p:sp>
-      <p:sp>
-        <p:nvSpPr>
           <p:cNvPr id="2" name="Title 1"/>
           <p:cNvSpPr>
             <a:spLocks noGrp="1"/>
@@ -2795,21 +2186,15 @@
         </p:nvSpPr>
         <p:spPr>
           <a:xfrm>
-            <a:off x="1892808" y="16916400"/>
-            <a:ext cx="17455896" cy="2743200"/>
+            <a:off x="1448635" y="1280160"/>
+            <a:ext cx="6783109" cy="4480560"/>
           </a:xfrm>
         </p:spPr>
         <p:txBody>
-          <a:bodyPr tIns="0" bIns="0" anchor="b">
-            <a:noAutofit/>
-          </a:bodyPr>
+          <a:bodyPr anchor="b"/>
           <a:lstStyle>
             <a:lvl1pPr>
-              <a:defRPr sz="8280" b="0">
-                <a:solidFill>
-                  <a:srgbClr val="FFFFFF"/>
-                </a:solidFill>
-              </a:defRPr>
+              <a:defRPr sz="7360"/>
             </a:lvl1pPr>
           </a:lstStyle>
           <a:p>
@@ -2833,26 +2218,16 @@
         </p:nvSpPr>
         <p:spPr>
           <a:xfrm>
-            <a:off x="29" y="0"/>
-            <a:ext cx="21031175" cy="16383587"/>
+            <a:off x="8940999" y="2764794"/>
+            <a:ext cx="10647045" cy="13646150"/>
           </a:xfrm>
-          <a:blipFill>
-            <a:blip r:embed="rId2"/>
-            <a:stretch>
-              <a:fillRect/>
-            </a:stretch>
-          </a:blipFill>
         </p:spPr>
         <p:txBody>
-          <a:bodyPr lIns="457200" tIns="457200" anchor="t"/>
+          <a:bodyPr anchor="t"/>
           <a:lstStyle>
             <a:lvl1pPr marL="0" indent="0">
               <a:buNone/>
-              <a:defRPr sz="7360">
-                <a:solidFill>
-                  <a:schemeClr val="bg1"/>
-                </a:solidFill>
-              </a:defRPr>
+              <a:defRPr sz="7360"/>
             </a:lvl1pPr>
             <a:lvl2pPr marL="1051560" indent="0">
               <a:buNone/>
@@ -2908,60 +2283,48 @@
         </p:nvSpPr>
         <p:spPr>
           <a:xfrm>
-            <a:off x="1892806" y="19690080"/>
-            <a:ext cx="17455896" cy="1981200"/>
+            <a:off x="1448635" y="5760720"/>
+            <a:ext cx="6783109" cy="10672446"/>
           </a:xfrm>
         </p:spPr>
         <p:txBody>
-          <a:bodyPr lIns="91440" tIns="0" rIns="91440" bIns="0">
-            <a:normAutofit/>
-          </a:bodyPr>
+          <a:bodyPr/>
           <a:lstStyle>
             <a:lvl1pPr marL="0" indent="0">
-              <a:spcBef>
-                <a:spcPts val="0"/>
-              </a:spcBef>
-              <a:spcAft>
-                <a:spcPts val="1380"/>
-              </a:spcAft>
               <a:buNone/>
-              <a:defRPr sz="3450">
-                <a:solidFill>
-                  <a:srgbClr val="FFFFFF"/>
-                </a:solidFill>
-              </a:defRPr>
+              <a:defRPr sz="3680"/>
             </a:lvl1pPr>
             <a:lvl2pPr marL="1051560" indent="0">
               <a:buNone/>
-              <a:defRPr sz="2760"/>
+              <a:defRPr sz="3220"/>
             </a:lvl2pPr>
             <a:lvl3pPr marL="2103120" indent="0">
               <a:buNone/>
-              <a:defRPr sz="2300"/>
+              <a:defRPr sz="2760"/>
             </a:lvl3pPr>
             <a:lvl4pPr marL="3154680" indent="0">
               <a:buNone/>
-              <a:defRPr sz="2070"/>
+              <a:defRPr sz="2300"/>
             </a:lvl4pPr>
             <a:lvl5pPr marL="4206240" indent="0">
               <a:buNone/>
-              <a:defRPr sz="2070"/>
+              <a:defRPr sz="2300"/>
             </a:lvl5pPr>
             <a:lvl6pPr marL="5257800" indent="0">
               <a:buNone/>
-              <a:defRPr sz="2070"/>
+              <a:defRPr sz="2300"/>
             </a:lvl6pPr>
             <a:lvl7pPr marL="6309360" indent="0">
               <a:buNone/>
-              <a:defRPr sz="2070"/>
+              <a:defRPr sz="2300"/>
             </a:lvl7pPr>
             <a:lvl8pPr marL="7360920" indent="0">
               <a:buNone/>
-              <a:defRPr sz="2070"/>
+              <a:defRPr sz="2300"/>
             </a:lvl8pPr>
             <a:lvl9pPr marL="8412480" indent="0">
               <a:buNone/>
-              <a:defRPr sz="2070"/>
+              <a:defRPr sz="2300"/>
             </a:lvl9pPr>
           </a:lstStyle>
           <a:p>
@@ -2990,7 +2353,7 @@
           <a:p>
             <a:fld id="{1501E202-5B1B-4651-BAA7-D27A6FB17850}" type="datetimeFigureOut">
               <a:rPr lang="en-US" smtClean="0"/>
-              <a:t>5/10/2023</a:t>
+              <a:t>5/16/2023</a:t>
             </a:fld>
             <a:endParaRPr lang="en-US" dirty="0"/>
           </a:p>
@@ -3041,7 +2404,7 @@
     </p:spTree>
     <p:extLst>
       <p:ext uri="{BB962C8B-B14F-4D97-AF65-F5344CB8AC3E}">
-        <p14:creationId xmlns:p14="http://schemas.microsoft.com/office/powerpoint/2010/main" val="823886303"/>
+        <p14:creationId xmlns:p14="http://schemas.microsoft.com/office/powerpoint/2010/main" val="3028494387"/>
       </p:ext>
     </p:extLst>
   </p:cSld>
@@ -3075,82 +2438,6 @@
       </p:grpSpPr>
       <p:sp>
         <p:nvSpPr>
-          <p:cNvPr id="7" name="Rectangle 6"/>
-          <p:cNvSpPr/>
-          <p:nvPr/>
-        </p:nvSpPr>
-        <p:spPr>
-          <a:xfrm>
-            <a:off x="1" y="21336000"/>
-            <a:ext cx="21031202" cy="1524000"/>
-          </a:xfrm>
-          <a:prstGeom prst="rect">
-            <a:avLst/>
-          </a:prstGeom>
-          <a:solidFill>
-            <a:schemeClr val="accent2"/>
-          </a:solidFill>
-          <a:ln>
-            <a:noFill/>
-          </a:ln>
-        </p:spPr>
-        <p:style>
-          <a:lnRef idx="2">
-            <a:schemeClr val="accent1">
-              <a:shade val="50000"/>
-            </a:schemeClr>
-          </a:lnRef>
-          <a:fillRef idx="1">
-            <a:schemeClr val="accent1"/>
-          </a:fillRef>
-          <a:effectRef idx="0">
-            <a:schemeClr val="accent1"/>
-          </a:effectRef>
-          <a:fontRef idx="minor">
-            <a:schemeClr val="lt1"/>
-          </a:fontRef>
-        </p:style>
-      </p:sp>
-      <p:sp>
-        <p:nvSpPr>
-          <p:cNvPr id="9" name="Rectangle 8"/>
-          <p:cNvSpPr/>
-          <p:nvPr/>
-        </p:nvSpPr>
-        <p:spPr>
-          <a:xfrm>
-            <a:off x="1" y="21114385"/>
-            <a:ext cx="21031202" cy="219997"/>
-          </a:xfrm>
-          <a:prstGeom prst="rect">
-            <a:avLst/>
-          </a:prstGeom>
-          <a:solidFill>
-            <a:schemeClr val="accent1"/>
-          </a:solidFill>
-          <a:ln>
-            <a:noFill/>
-          </a:ln>
-        </p:spPr>
-        <p:style>
-          <a:lnRef idx="2">
-            <a:schemeClr val="accent1">
-              <a:shade val="50000"/>
-            </a:schemeClr>
-          </a:lnRef>
-          <a:fillRef idx="1">
-            <a:schemeClr val="accent1"/>
-          </a:fillRef>
-          <a:effectRef idx="0">
-            <a:schemeClr val="accent1"/>
-          </a:effectRef>
-          <a:fontRef idx="minor">
-            <a:schemeClr val="lt1"/>
-          </a:fontRef>
-        </p:style>
-      </p:sp>
-      <p:sp>
-        <p:nvSpPr>
           <p:cNvPr id="2" name="Title Placeholder 1"/>
           <p:cNvSpPr>
             <a:spLocks noGrp="1"/>
@@ -3161,15 +2448,15 @@
         </p:nvSpPr>
         <p:spPr>
           <a:xfrm>
-            <a:off x="1892808" y="955348"/>
-            <a:ext cx="17350740" cy="4835857"/>
+            <a:off x="1445895" y="1022354"/>
+            <a:ext cx="18139410" cy="3711576"/>
           </a:xfrm>
           <a:prstGeom prst="rect">
             <a:avLst/>
           </a:prstGeom>
         </p:spPr>
         <p:txBody>
-          <a:bodyPr vert="horz" lIns="91440" tIns="45720" rIns="91440" bIns="45720" rtlCol="0" anchor="b">
+          <a:bodyPr vert="horz" lIns="91440" tIns="45720" rIns="91440" bIns="45720" rtlCol="0" anchor="ctr">
             <a:normAutofit/>
           </a:bodyPr>
           <a:lstStyle/>
@@ -3194,15 +2481,15 @@
         </p:nvSpPr>
         <p:spPr>
           <a:xfrm>
-            <a:off x="1892807" y="6152447"/>
-            <a:ext cx="17350742" cy="13411200"/>
+            <a:off x="1445895" y="5111750"/>
+            <a:ext cx="18139410" cy="12183746"/>
           </a:xfrm>
           <a:prstGeom prst="rect">
             <a:avLst/>
           </a:prstGeom>
         </p:spPr>
         <p:txBody>
-          <a:bodyPr vert="horz" lIns="0" tIns="45720" rIns="0" bIns="45720" rtlCol="0">
+          <a:bodyPr vert="horz" lIns="91440" tIns="45720" rIns="91440" bIns="45720" rtlCol="0">
             <a:normAutofit/>
           </a:bodyPr>
           <a:lstStyle/>
@@ -3256,8 +2543,8 @@
         </p:nvSpPr>
         <p:spPr>
           <a:xfrm>
-            <a:off x="1892811" y="21532622"/>
-            <a:ext cx="4264667" cy="1217083"/>
+            <a:off x="1445895" y="17797784"/>
+            <a:ext cx="4732020" cy="1022350"/>
           </a:xfrm>
           <a:prstGeom prst="rect">
             <a:avLst/>
@@ -3267,9 +2554,11 @@
           <a:bodyPr vert="horz" lIns="91440" tIns="45720" rIns="91440" bIns="45720" rtlCol="0" anchor="ctr"/>
           <a:lstStyle>
             <a:lvl1pPr algn="l">
-              <a:defRPr sz="2070">
-                <a:solidFill>
-                  <a:srgbClr val="FFFFFF"/>
+              <a:defRPr sz="2760">
+                <a:solidFill>
+                  <a:schemeClr val="tx1">
+                    <a:tint val="75000"/>
+                  </a:schemeClr>
                 </a:solidFill>
               </a:defRPr>
             </a:lvl1pPr>
@@ -3277,7 +2566,7 @@
           <a:p>
             <a:fld id="{1501E202-5B1B-4651-BAA7-D27A6FB17850}" type="datetimeFigureOut">
               <a:rPr lang="en-US" smtClean="0"/>
-              <a:t>5/10/2023</a:t>
+              <a:t>5/16/2023</a:t>
             </a:fld>
             <a:endParaRPr lang="en-US" dirty="0"/>
           </a:p>
@@ -3295,8 +2584,8 @@
         </p:nvSpPr>
         <p:spPr>
           <a:xfrm>
-            <a:off x="6358671" y="21532622"/>
-            <a:ext cx="8319337" cy="1217083"/>
+            <a:off x="6966585" y="17797784"/>
+            <a:ext cx="7098030" cy="1022350"/>
           </a:xfrm>
           <a:prstGeom prst="rect">
             <a:avLst/>
@@ -3306,9 +2595,11 @@
           <a:bodyPr vert="horz" lIns="91440" tIns="45720" rIns="91440" bIns="45720" rtlCol="0" anchor="ctr"/>
           <a:lstStyle>
             <a:lvl1pPr algn="ctr">
-              <a:defRPr sz="2070" cap="all" baseline="0">
-                <a:solidFill>
-                  <a:srgbClr val="FFFFFF"/>
+              <a:defRPr sz="2760">
+                <a:solidFill>
+                  <a:schemeClr val="tx1">
+                    <a:tint val="75000"/>
+                  </a:schemeClr>
                 </a:solidFill>
               </a:defRPr>
             </a:lvl1pPr>
@@ -3330,8 +2621,8 @@
         </p:nvSpPr>
         <p:spPr>
           <a:xfrm>
-            <a:off x="17078292" y="21532622"/>
-            <a:ext cx="2263244" cy="1217083"/>
+            <a:off x="14853285" y="17797784"/>
+            <a:ext cx="4732020" cy="1022350"/>
           </a:xfrm>
           <a:prstGeom prst="rect">
             <a:avLst/>
@@ -3341,9 +2632,11 @@
           <a:bodyPr vert="horz" lIns="91440" tIns="45720" rIns="91440" bIns="45720" rtlCol="0" anchor="ctr"/>
           <a:lstStyle>
             <a:lvl1pPr algn="r">
-              <a:defRPr sz="2415">
-                <a:solidFill>
-                  <a:srgbClr val="FFFFFF"/>
+              <a:defRPr sz="2760">
+                <a:solidFill>
+                  <a:schemeClr val="tx1">
+                    <a:tint val="75000"/>
+                  </a:schemeClr>
                 </a:solidFill>
               </a:defRPr>
             </a:lvl1pPr>
@@ -3357,81 +2650,40 @@
           </a:p>
         </p:txBody>
       </p:sp>
-      <p:cxnSp>
-        <p:nvCxnSpPr>
-          <p:cNvPr id="10" name="Straight Connector 9"/>
-          <p:cNvCxnSpPr/>
-          <p:nvPr/>
-        </p:nvCxnSpPr>
-        <p:spPr>
-          <a:xfrm>
-            <a:off x="2058843" y="5792817"/>
-            <a:ext cx="17193006" cy="0"/>
-          </a:xfrm>
-          <a:prstGeom prst="line">
-            <a:avLst/>
-          </a:prstGeom>
-          <a:ln w="6350">
-            <a:solidFill>
-              <a:schemeClr val="tx1">
-                <a:lumMod val="50000"/>
-                <a:lumOff val="50000"/>
-              </a:schemeClr>
-            </a:solidFill>
-          </a:ln>
-        </p:spPr>
-        <p:style>
-          <a:lnRef idx="1">
-            <a:schemeClr val="accent1"/>
-          </a:lnRef>
-          <a:fillRef idx="0">
-            <a:schemeClr val="accent1"/>
-          </a:fillRef>
-          <a:effectRef idx="0">
-            <a:schemeClr val="accent1"/>
-          </a:effectRef>
-          <a:fontRef idx="minor">
-            <a:schemeClr val="tx1"/>
-          </a:fontRef>
-        </p:style>
-      </p:cxnSp>
     </p:spTree>
     <p:extLst>
       <p:ext uri="{BB962C8B-B14F-4D97-AF65-F5344CB8AC3E}">
-        <p14:creationId xmlns:p14="http://schemas.microsoft.com/office/powerpoint/2010/main" val="425586276"/>
+        <p14:creationId xmlns:p14="http://schemas.microsoft.com/office/powerpoint/2010/main" val="1540834217"/>
       </p:ext>
     </p:extLst>
   </p:cSld>
   <p:clrMap bg1="lt1" tx1="dk1" bg2="lt2" tx2="dk2" accent1="accent1" accent2="accent2" accent3="accent3" accent4="accent4" accent5="accent5" accent6="accent6" hlink="hlink" folHlink="folHlink"/>
   <p:sldLayoutIdLst>
-    <p:sldLayoutId id="2147483745" r:id="rId1"/>
-    <p:sldLayoutId id="2147483746" r:id="rId2"/>
-    <p:sldLayoutId id="2147483747" r:id="rId3"/>
-    <p:sldLayoutId id="2147483748" r:id="rId4"/>
-    <p:sldLayoutId id="2147483749" r:id="rId5"/>
-    <p:sldLayoutId id="2147483750" r:id="rId6"/>
-    <p:sldLayoutId id="2147483751" r:id="rId7"/>
-    <p:sldLayoutId id="2147483752" r:id="rId8"/>
-    <p:sldLayoutId id="2147483753" r:id="rId9"/>
-    <p:sldLayoutId id="2147483754" r:id="rId10"/>
-    <p:sldLayoutId id="2147483755" r:id="rId11"/>
+    <p:sldLayoutId id="2147483769" r:id="rId1"/>
+    <p:sldLayoutId id="2147483770" r:id="rId2"/>
+    <p:sldLayoutId id="2147483771" r:id="rId3"/>
+    <p:sldLayoutId id="2147483772" r:id="rId4"/>
+    <p:sldLayoutId id="2147483773" r:id="rId5"/>
+    <p:sldLayoutId id="2147483774" r:id="rId6"/>
+    <p:sldLayoutId id="2147483775" r:id="rId7"/>
+    <p:sldLayoutId id="2147483776" r:id="rId8"/>
+    <p:sldLayoutId id="2147483777" r:id="rId9"/>
+    <p:sldLayoutId id="2147483778" r:id="rId10"/>
+    <p:sldLayoutId id="2147483779" r:id="rId11"/>
   </p:sldLayoutIdLst>
   <p:txStyles>
     <p:titleStyle>
       <a:lvl1pPr algn="l" defTabSz="2103120" rtl="0" eaLnBrk="1" latinLnBrk="0" hangingPunct="1">
         <a:lnSpc>
-          <a:spcPct val="85000"/>
+          <a:spcPct val="90000"/>
         </a:lnSpc>
         <a:spcBef>
           <a:spcPct val="0"/>
         </a:spcBef>
         <a:buNone/>
-        <a:defRPr sz="11040" kern="1200" spc="-115" baseline="0">
+        <a:defRPr sz="10120" kern="1200">
           <a:solidFill>
-            <a:schemeClr val="tx1">
-              <a:lumMod val="75000"/>
-              <a:lumOff val="25000"/>
-            </a:schemeClr>
+            <a:schemeClr val="tx1"/>
           </a:solidFill>
           <a:latin typeface="+mj-lt"/>
           <a:ea typeface="+mj-ea"/>
@@ -3440,244 +2692,162 @@
       </a:lvl1pPr>
     </p:titleStyle>
     <p:bodyStyle>
-      <a:lvl1pPr marL="210312" indent="-210312" algn="l" defTabSz="2103120" rtl="0" eaLnBrk="1" latinLnBrk="0" hangingPunct="1">
+      <a:lvl1pPr marL="525780" indent="-525780" algn="l" defTabSz="2103120" rtl="0" eaLnBrk="1" latinLnBrk="0" hangingPunct="1">
         <a:lnSpc>
           <a:spcPct val="90000"/>
         </a:lnSpc>
         <a:spcBef>
-          <a:spcPts val="2760"/>
+          <a:spcPts val="2300"/>
         </a:spcBef>
-        <a:spcAft>
-          <a:spcPts val="460"/>
-        </a:spcAft>
-        <a:buClr>
-          <a:schemeClr val="accent1"/>
-        </a:buClr>
-        <a:buSzPct val="100000"/>
-        <a:buFont typeface="Calibri" panose="020F0502020204030204" pitchFamily="34" charset="0"/>
-        <a:buChar char=" "/>
-        <a:defRPr sz="4600" kern="1200">
+        <a:buFont typeface="Arial" panose="020B0604020202020204" pitchFamily="34" charset="0"/>
+        <a:buChar char="•"/>
+        <a:defRPr sz="6440" kern="1200">
           <a:solidFill>
-            <a:schemeClr val="tx1">
-              <a:lumMod val="75000"/>
-              <a:lumOff val="25000"/>
-            </a:schemeClr>
+            <a:schemeClr val="tx1"/>
           </a:solidFill>
           <a:latin typeface="+mn-lt"/>
           <a:ea typeface="+mn-ea"/>
           <a:cs typeface="+mn-cs"/>
         </a:defRPr>
       </a:lvl1pPr>
-      <a:lvl2pPr marL="883310" indent="-420624" algn="l" defTabSz="2103120" rtl="0" eaLnBrk="1" latinLnBrk="0" hangingPunct="1">
+      <a:lvl2pPr marL="1577340" indent="-525780" algn="l" defTabSz="2103120" rtl="0" eaLnBrk="1" latinLnBrk="0" hangingPunct="1">
         <a:lnSpc>
           <a:spcPct val="90000"/>
         </a:lnSpc>
         <a:spcBef>
-          <a:spcPts val="460"/>
+          <a:spcPts val="1150"/>
         </a:spcBef>
-        <a:spcAft>
-          <a:spcPts val="920"/>
-        </a:spcAft>
-        <a:buClr>
-          <a:schemeClr val="accent1"/>
-        </a:buClr>
-        <a:buFont typeface="Calibri" pitchFamily="34" charset="0"/>
-        <a:buChar char="◦"/>
-        <a:defRPr sz="4140" kern="1200">
+        <a:buFont typeface="Arial" panose="020B0604020202020204" pitchFamily="34" charset="0"/>
+        <a:buChar char="•"/>
+        <a:defRPr sz="5520" kern="1200">
           <a:solidFill>
-            <a:schemeClr val="tx1">
-              <a:lumMod val="75000"/>
-              <a:lumOff val="25000"/>
-            </a:schemeClr>
+            <a:schemeClr val="tx1"/>
           </a:solidFill>
           <a:latin typeface="+mn-lt"/>
           <a:ea typeface="+mn-ea"/>
           <a:cs typeface="+mn-cs"/>
         </a:defRPr>
       </a:lvl2pPr>
-      <a:lvl3pPr marL="1303934" indent="-420624" algn="l" defTabSz="2103120" rtl="0" eaLnBrk="1" latinLnBrk="0" hangingPunct="1">
+      <a:lvl3pPr marL="2628900" indent="-525780" algn="l" defTabSz="2103120" rtl="0" eaLnBrk="1" latinLnBrk="0" hangingPunct="1">
         <a:lnSpc>
           <a:spcPct val="90000"/>
         </a:lnSpc>
         <a:spcBef>
-          <a:spcPts val="460"/>
+          <a:spcPts val="1150"/>
         </a:spcBef>
-        <a:spcAft>
-          <a:spcPts val="920"/>
-        </a:spcAft>
-        <a:buClr>
-          <a:schemeClr val="accent1"/>
-        </a:buClr>
-        <a:buFont typeface="Calibri" pitchFamily="34" charset="0"/>
-        <a:buChar char="◦"/>
-        <a:defRPr sz="3220" kern="1200">
+        <a:buFont typeface="Arial" panose="020B0604020202020204" pitchFamily="34" charset="0"/>
+        <a:buChar char="•"/>
+        <a:defRPr sz="4600" kern="1200">
           <a:solidFill>
-            <a:schemeClr val="tx1">
-              <a:lumMod val="75000"/>
-              <a:lumOff val="25000"/>
-            </a:schemeClr>
+            <a:schemeClr val="tx1"/>
           </a:solidFill>
           <a:latin typeface="+mn-lt"/>
           <a:ea typeface="+mn-ea"/>
           <a:cs typeface="+mn-cs"/>
         </a:defRPr>
       </a:lvl3pPr>
-      <a:lvl4pPr marL="1724558" indent="-420624" algn="l" defTabSz="2103120" rtl="0" eaLnBrk="1" latinLnBrk="0" hangingPunct="1">
+      <a:lvl4pPr marL="3680460" indent="-525780" algn="l" defTabSz="2103120" rtl="0" eaLnBrk="1" latinLnBrk="0" hangingPunct="1">
         <a:lnSpc>
           <a:spcPct val="90000"/>
         </a:lnSpc>
         <a:spcBef>
-          <a:spcPts val="460"/>
+          <a:spcPts val="1150"/>
         </a:spcBef>
-        <a:spcAft>
-          <a:spcPts val="920"/>
-        </a:spcAft>
-        <a:buClr>
-          <a:schemeClr val="accent1"/>
-        </a:buClr>
-        <a:buFont typeface="Calibri" pitchFamily="34" charset="0"/>
-        <a:buChar char="◦"/>
-        <a:defRPr sz="3220" kern="1200">
+        <a:buFont typeface="Arial" panose="020B0604020202020204" pitchFamily="34" charset="0"/>
+        <a:buChar char="•"/>
+        <a:defRPr sz="4140" kern="1200">
           <a:solidFill>
-            <a:schemeClr val="tx1">
-              <a:lumMod val="75000"/>
-              <a:lumOff val="25000"/>
-            </a:schemeClr>
+            <a:schemeClr val="tx1"/>
           </a:solidFill>
           <a:latin typeface="+mn-lt"/>
           <a:ea typeface="+mn-ea"/>
           <a:cs typeface="+mn-cs"/>
         </a:defRPr>
       </a:lvl4pPr>
-      <a:lvl5pPr marL="2145182" indent="-420624" algn="l" defTabSz="2103120" rtl="0" eaLnBrk="1" latinLnBrk="0" hangingPunct="1">
+      <a:lvl5pPr marL="4732020" indent="-525780" algn="l" defTabSz="2103120" rtl="0" eaLnBrk="1" latinLnBrk="0" hangingPunct="1">
         <a:lnSpc>
           <a:spcPct val="90000"/>
         </a:lnSpc>
         <a:spcBef>
-          <a:spcPts val="460"/>
+          <a:spcPts val="1150"/>
         </a:spcBef>
-        <a:spcAft>
-          <a:spcPts val="920"/>
-        </a:spcAft>
-        <a:buClr>
-          <a:schemeClr val="accent1"/>
-        </a:buClr>
-        <a:buFont typeface="Calibri" pitchFamily="34" charset="0"/>
-        <a:buChar char="◦"/>
-        <a:defRPr sz="3220" kern="1200">
+        <a:buFont typeface="Arial" panose="020B0604020202020204" pitchFamily="34" charset="0"/>
+        <a:buChar char="•"/>
+        <a:defRPr sz="4140" kern="1200">
           <a:solidFill>
-            <a:schemeClr val="tx1">
-              <a:lumMod val="75000"/>
-              <a:lumOff val="25000"/>
-            </a:schemeClr>
+            <a:schemeClr val="tx1"/>
           </a:solidFill>
           <a:latin typeface="+mn-lt"/>
           <a:ea typeface="+mn-ea"/>
           <a:cs typeface="+mn-cs"/>
         </a:defRPr>
       </a:lvl5pPr>
-      <a:lvl6pPr marL="2530000" indent="-525780" algn="l" defTabSz="2103120" rtl="0" eaLnBrk="1" latinLnBrk="0" hangingPunct="1">
+      <a:lvl6pPr marL="5783580" indent="-525780" algn="l" defTabSz="2103120" rtl="0" eaLnBrk="1" latinLnBrk="0" hangingPunct="1">
         <a:lnSpc>
           <a:spcPct val="90000"/>
         </a:lnSpc>
         <a:spcBef>
-          <a:spcPts val="460"/>
+          <a:spcPts val="1150"/>
         </a:spcBef>
-        <a:spcAft>
-          <a:spcPts val="920"/>
-        </a:spcAft>
-        <a:buClr>
-          <a:schemeClr val="accent1"/>
-        </a:buClr>
-        <a:buFont typeface="Calibri" pitchFamily="34" charset="0"/>
-        <a:buChar char="◦"/>
-        <a:defRPr sz="3220" kern="1200">
+        <a:buFont typeface="Arial" panose="020B0604020202020204" pitchFamily="34" charset="0"/>
+        <a:buChar char="•"/>
+        <a:defRPr sz="4140" kern="1200">
           <a:solidFill>
-            <a:schemeClr val="tx1">
-              <a:lumMod val="75000"/>
-              <a:lumOff val="25000"/>
-            </a:schemeClr>
+            <a:schemeClr val="tx1"/>
           </a:solidFill>
           <a:latin typeface="+mn-lt"/>
           <a:ea typeface="+mn-ea"/>
           <a:cs typeface="+mn-cs"/>
         </a:defRPr>
       </a:lvl6pPr>
-      <a:lvl7pPr marL="2990000" indent="-525780" algn="l" defTabSz="2103120" rtl="0" eaLnBrk="1" latinLnBrk="0" hangingPunct="1">
+      <a:lvl7pPr marL="6835140" indent="-525780" algn="l" defTabSz="2103120" rtl="0" eaLnBrk="1" latinLnBrk="0" hangingPunct="1">
         <a:lnSpc>
           <a:spcPct val="90000"/>
         </a:lnSpc>
         <a:spcBef>
-          <a:spcPts val="460"/>
+          <a:spcPts val="1150"/>
         </a:spcBef>
-        <a:spcAft>
-          <a:spcPts val="920"/>
-        </a:spcAft>
-        <a:buClr>
-          <a:schemeClr val="accent1"/>
-        </a:buClr>
-        <a:buFont typeface="Calibri" pitchFamily="34" charset="0"/>
-        <a:buChar char="◦"/>
-        <a:defRPr sz="3220" kern="1200">
+        <a:buFont typeface="Arial" panose="020B0604020202020204" pitchFamily="34" charset="0"/>
+        <a:buChar char="•"/>
+        <a:defRPr sz="4140" kern="1200">
           <a:solidFill>
-            <a:schemeClr val="tx1">
-              <a:lumMod val="75000"/>
-              <a:lumOff val="25000"/>
-            </a:schemeClr>
+            <a:schemeClr val="tx1"/>
           </a:solidFill>
           <a:latin typeface="+mn-lt"/>
           <a:ea typeface="+mn-ea"/>
           <a:cs typeface="+mn-cs"/>
         </a:defRPr>
       </a:lvl7pPr>
-      <a:lvl8pPr marL="3450000" indent="-525780" algn="l" defTabSz="2103120" rtl="0" eaLnBrk="1" latinLnBrk="0" hangingPunct="1">
+      <a:lvl8pPr marL="7886700" indent="-525780" algn="l" defTabSz="2103120" rtl="0" eaLnBrk="1" latinLnBrk="0" hangingPunct="1">
         <a:lnSpc>
           <a:spcPct val="90000"/>
         </a:lnSpc>
         <a:spcBef>
-          <a:spcPts val="460"/>
+          <a:spcPts val="1150"/>
         </a:spcBef>
-        <a:spcAft>
-          <a:spcPts val="920"/>
-        </a:spcAft>
-        <a:buClr>
-          <a:schemeClr val="accent1"/>
-        </a:buClr>
-        <a:buFont typeface="Calibri" pitchFamily="34" charset="0"/>
-        <a:buChar char="◦"/>
-        <a:defRPr sz="3220" kern="1200">
+        <a:buFont typeface="Arial" panose="020B0604020202020204" pitchFamily="34" charset="0"/>
+        <a:buChar char="•"/>
+        <a:defRPr sz="4140" kern="1200">
           <a:solidFill>
-            <a:schemeClr val="tx1">
-              <a:lumMod val="75000"/>
-              <a:lumOff val="25000"/>
-            </a:schemeClr>
+            <a:schemeClr val="tx1"/>
           </a:solidFill>
           <a:latin typeface="+mn-lt"/>
           <a:ea typeface="+mn-ea"/>
           <a:cs typeface="+mn-cs"/>
         </a:defRPr>
       </a:lvl8pPr>
-      <a:lvl9pPr marL="3910000" indent="-525780" algn="l" defTabSz="2103120" rtl="0" eaLnBrk="1" latinLnBrk="0" hangingPunct="1">
+      <a:lvl9pPr marL="8938260" indent="-525780" algn="l" defTabSz="2103120" rtl="0" eaLnBrk="1" latinLnBrk="0" hangingPunct="1">
         <a:lnSpc>
           <a:spcPct val="90000"/>
         </a:lnSpc>
         <a:spcBef>
-          <a:spcPts val="460"/>
+          <a:spcPts val="1150"/>
         </a:spcBef>
-        <a:spcAft>
-          <a:spcPts val="920"/>
-        </a:spcAft>
-        <a:buClr>
-          <a:schemeClr val="accent1"/>
-        </a:buClr>
-        <a:buFont typeface="Calibri" pitchFamily="34" charset="0"/>
-        <a:buChar char="◦"/>
-        <a:defRPr sz="3220" kern="1200">
+        <a:buFont typeface="Arial" panose="020B0604020202020204" pitchFamily="34" charset="0"/>
+        <a:buChar char="•"/>
+        <a:defRPr sz="4140" kern="1200">
           <a:solidFill>
-            <a:schemeClr val="tx1">
-              <a:lumMod val="75000"/>
-              <a:lumOff val="25000"/>
-            </a:schemeClr>
+            <a:schemeClr val="tx1"/>
           </a:solidFill>
           <a:latin typeface="+mn-lt"/>
           <a:ea typeface="+mn-ea"/>
@@ -3815,7 +2985,7 @@
         </p:nvSpPr>
         <p:spPr>
           <a:xfrm>
-            <a:off x="6591300" y="3535092"/>
+            <a:off x="6615363" y="4055278"/>
             <a:ext cx="6152905" cy="3739485"/>
           </a:xfrm>
           <a:prstGeom prst="rect">
@@ -4250,7 +3420,7 @@
         </p:nvSpPr>
         <p:spPr>
           <a:xfrm>
-            <a:off x="438395" y="4471646"/>
+            <a:off x="462461" y="4343416"/>
             <a:ext cx="6152905" cy="14619387"/>
           </a:xfrm>
           <a:prstGeom prst="rect">
@@ -5735,7 +4905,7 @@
         </p:nvGrpSpPr>
         <p:grpSpPr>
           <a:xfrm>
-            <a:off x="6438900" y="272611"/>
+            <a:off x="6615364" y="578026"/>
             <a:ext cx="5905500" cy="3431709"/>
             <a:chOff x="6438900" y="272610"/>
             <a:chExt cx="5905500" cy="3431710"/>
@@ -5770,7 +4940,7 @@
             <a:lstStyle/>
             <a:p>
               <a:r>
-                <a:rPr lang="de-DE" sz="1600" b="1" dirty="0"/>
+                <a:rPr lang="de-DE" b="1" dirty="0"/>
                 <a:t>Iterative Prompt Development:</a:t>
               </a:r>
             </a:p>
@@ -5895,7 +5065,7 @@
         </p:nvSpPr>
         <p:spPr>
           <a:xfrm>
-            <a:off x="438395" y="425011"/>
+            <a:off x="462459" y="296778"/>
             <a:ext cx="6152905" cy="4001095"/>
           </a:xfrm>
           <a:prstGeom prst="rect">
@@ -6367,7 +5537,7 @@
         </p:nvSpPr>
         <p:spPr>
           <a:xfrm>
-            <a:off x="6591300" y="7408593"/>
+            <a:off x="6615364" y="8273959"/>
             <a:ext cx="6152905" cy="4201150"/>
           </a:xfrm>
           <a:prstGeom prst="rect">
@@ -6786,7 +5956,7 @@
         </p:nvSpPr>
         <p:spPr>
           <a:xfrm>
-            <a:off x="6591300" y="11149237"/>
+            <a:off x="6615363" y="12330343"/>
             <a:ext cx="6152905" cy="6294031"/>
           </a:xfrm>
           <a:prstGeom prst="rect">
@@ -7647,7 +6817,7 @@
         </p:nvSpPr>
         <p:spPr>
           <a:xfrm>
-            <a:off x="12744205" y="272611"/>
+            <a:off x="13108589" y="530138"/>
             <a:ext cx="6577259" cy="1046440"/>
           </a:xfrm>
           <a:prstGeom prst="rect">
@@ -7794,7 +6964,7 @@
         </p:blipFill>
         <p:spPr>
           <a:xfrm>
-            <a:off x="12896604" y="1550967"/>
+            <a:off x="13108589" y="2562713"/>
             <a:ext cx="3598882" cy="3555475"/>
           </a:xfrm>
           <a:prstGeom prst="rect">
@@ -7830,7 +7000,7 @@
         </p:blipFill>
         <p:spPr>
           <a:xfrm>
-            <a:off x="16647886" y="1550967"/>
+            <a:off x="16859871" y="2558079"/>
             <a:ext cx="4122598" cy="4348618"/>
           </a:xfrm>
           <a:prstGeom prst="rect">
@@ -7851,4122 +7021,55 @@
 </p:sld>
 </file>
 
-<file path=ppt/slides/slide2.xml><?xml version="1.0" encoding="utf-8"?>
-<p:sld xmlns:a="http://schemas.openxmlformats.org/drawingml/2006/main" xmlns:r="http://schemas.openxmlformats.org/officeDocument/2006/relationships" xmlns:p="http://schemas.openxmlformats.org/presentationml/2006/main">
-  <p:cSld>
-    <p:spTree>
-      <p:nvGrpSpPr>
-        <p:cNvPr id="1" name=""/>
-        <p:cNvGrpSpPr/>
-        <p:nvPr/>
-      </p:nvGrpSpPr>
-      <p:grpSpPr>
-        <a:xfrm>
-          <a:off x="0" y="0"/>
-          <a:ext cx="0" cy="0"/>
-          <a:chOff x="0" y="0"/>
-          <a:chExt cx="0" cy="0"/>
-        </a:xfrm>
-      </p:grpSpPr>
-      <p:sp>
-        <p:nvSpPr>
-          <p:cNvPr id="4" name="Rectangle 3">
-            <a:extLst>
-              <a:ext uri="{FF2B5EF4-FFF2-40B4-BE49-F238E27FC236}">
-                <a16:creationId xmlns:a16="http://schemas.microsoft.com/office/drawing/2014/main" id="{04FCFFD3-B87F-4DD7-98E6-3F64644E691E}"/>
-              </a:ext>
-            </a:extLst>
-          </p:cNvPr>
-          <p:cNvSpPr/>
-          <p:nvPr/>
-        </p:nvSpPr>
-        <p:spPr>
-          <a:xfrm>
-            <a:off x="6591300" y="3535092"/>
-            <a:ext cx="6152905" cy="3739485"/>
-          </a:xfrm>
-          <a:prstGeom prst="rect">
-            <a:avLst/>
-          </a:prstGeom>
-        </p:spPr>
-        <p:txBody>
-          <a:bodyPr wrap="square">
-            <a:spAutoFit/>
-          </a:bodyPr>
-          <a:lstStyle/>
-          <a:p>
-            <a:r>
-              <a:rPr lang="de-DE" b="1" dirty="0">
-                <a:solidFill>
-                  <a:srgbClr val="569CD6"/>
-                </a:solidFill>
-              </a:rPr>
-              <a:t>D</a:t>
-            </a:r>
-            <a:r>
-              <a:rPr lang="en-US" b="1" dirty="0">
-                <a:solidFill>
-                  <a:srgbClr val="569CD6"/>
-                </a:solidFill>
-              </a:rPr>
-              <a:t>eal with Issues:</a:t>
-            </a:r>
-            <a:endParaRPr lang="en-US" dirty="0">
-              <a:solidFill>
-                <a:srgbClr val="CCCCCC"/>
-              </a:solidFill>
-            </a:endParaRPr>
-          </a:p>
-          <a:p>
-            <a:r>
-              <a:rPr lang="en-US" sz="1600" b="1" dirty="0">
-                <a:solidFill>
-                  <a:srgbClr val="569CD6"/>
-                </a:solidFill>
-              </a:rPr>
-              <a:t>Output text is too long: </a:t>
-            </a:r>
-          </a:p>
-          <a:p>
-            <a:r>
-              <a:rPr lang="en-US" sz="1400" b="1" dirty="0">
-                <a:solidFill>
-                  <a:srgbClr val="569CD6"/>
-                </a:solidFill>
-              </a:rPr>
-              <a:t>Limit the number of words/sentences/characters  </a:t>
-            </a:r>
-          </a:p>
-          <a:p>
-            <a:r>
-              <a:rPr lang="de-DE" sz="1100" dirty="0">
-                <a:solidFill>
-                  <a:srgbClr val="CE9178"/>
-                </a:solidFill>
-                <a:latin typeface="Consolas" panose="020B0609020204030204" pitchFamily="49" charset="0"/>
-              </a:rPr>
-              <a:t>U</a:t>
-            </a:r>
-            <a:r>
-              <a:rPr lang="en-US" sz="1100" dirty="0">
-                <a:solidFill>
-                  <a:srgbClr val="CE9178"/>
-                </a:solidFill>
-                <a:latin typeface="Consolas" panose="020B0609020204030204" pitchFamily="49" charset="0"/>
-              </a:rPr>
-              <a:t>se at most 50 words.</a:t>
-            </a:r>
-          </a:p>
-          <a:p>
-            <a:endParaRPr lang="en-US" sz="1100" dirty="0">
-              <a:solidFill>
-                <a:srgbClr val="CCCCCC"/>
-              </a:solidFill>
-              <a:latin typeface="Consolas" panose="020B0609020204030204" pitchFamily="49" charset="0"/>
-            </a:endParaRPr>
-          </a:p>
-          <a:p>
-            <a:r>
-              <a:rPr lang="en-US" sz="1400" b="1" dirty="0">
-                <a:solidFill>
-                  <a:srgbClr val="569CD6"/>
-                </a:solidFill>
-                <a:latin typeface="Consolas" panose="020B0609020204030204" pitchFamily="49" charset="0"/>
-              </a:rPr>
-              <a:t>Output text focuses on the wrong details: </a:t>
-            </a:r>
-          </a:p>
-          <a:p>
-            <a:r>
-              <a:rPr lang="en-US" sz="1100" dirty="0">
-                <a:solidFill>
-                  <a:srgbClr val="CE9178"/>
-                </a:solidFill>
-                <a:latin typeface="Consolas" panose="020B0609020204030204" pitchFamily="49" charset="0"/>
-              </a:rPr>
-              <a:t>The output/answer/description is intended for </a:t>
-            </a:r>
-            <a:r>
-              <a:rPr lang="en-US" sz="1100" dirty="0">
-                <a:solidFill>
-                  <a:schemeClr val="bg1">
-                    <a:lumMod val="50000"/>
-                  </a:schemeClr>
-                </a:solidFill>
-                <a:latin typeface="Consolas" panose="020B0609020204030204" pitchFamily="49" charset="0"/>
-              </a:rPr>
-              <a:t>&lt;specific_group&gt;</a:t>
-            </a:r>
-            <a:r>
-              <a:rPr lang="en-US" sz="1100" dirty="0">
-                <a:solidFill>
-                  <a:srgbClr val="CE9178"/>
-                </a:solidFill>
-                <a:latin typeface="Consolas" panose="020B0609020204030204" pitchFamily="49" charset="0"/>
-              </a:rPr>
-              <a:t>, so should be </a:t>
-            </a:r>
-            <a:r>
-              <a:rPr lang="en-US" sz="1100" dirty="0">
-                <a:solidFill>
-                  <a:schemeClr val="bg1">
-                    <a:lumMod val="50000"/>
-                  </a:schemeClr>
-                </a:solidFill>
-                <a:latin typeface="Consolas" panose="020B0609020204030204" pitchFamily="49" charset="0"/>
-              </a:rPr>
-              <a:t>&lt;technical&gt;</a:t>
-            </a:r>
-            <a:r>
-              <a:rPr lang="en-US" sz="1100" dirty="0">
-                <a:solidFill>
-                  <a:srgbClr val="CE9178"/>
-                </a:solidFill>
-                <a:latin typeface="Consolas" panose="020B0609020204030204" pitchFamily="49" charset="0"/>
-              </a:rPr>
-              <a:t> in nature and focus on </a:t>
-            </a:r>
-            <a:r>
-              <a:rPr lang="en-US" sz="1100" dirty="0">
-                <a:solidFill>
-                  <a:schemeClr val="bg1">
-                    <a:lumMod val="50000"/>
-                  </a:schemeClr>
-                </a:solidFill>
-                <a:latin typeface="Consolas" panose="020B0609020204030204" pitchFamily="49" charset="0"/>
-              </a:rPr>
-              <a:t>&lt;some_aspects&gt;</a:t>
-            </a:r>
-            <a:r>
-              <a:rPr lang="en-US" sz="1100" dirty="0">
-                <a:solidFill>
-                  <a:srgbClr val="CE9178"/>
-                </a:solidFill>
-                <a:latin typeface="Consolas" panose="020B0609020204030204" pitchFamily="49" charset="0"/>
-              </a:rPr>
-              <a:t>.</a:t>
-            </a:r>
-          </a:p>
-          <a:p>
-            <a:endParaRPr lang="en-US" dirty="0">
-              <a:solidFill>
-                <a:srgbClr val="CCCCCC"/>
-              </a:solidFill>
-              <a:latin typeface="Consolas" panose="020B0609020204030204" pitchFamily="49" charset="0"/>
-            </a:endParaRPr>
-          </a:p>
-          <a:p>
-            <a:r>
-              <a:rPr lang="en-US" sz="1400" b="1" dirty="0">
-                <a:solidFill>
-                  <a:srgbClr val="569CD6"/>
-                </a:solidFill>
-                <a:latin typeface="Consolas" panose="020B0609020204030204" pitchFamily="49" charset="0"/>
-              </a:rPr>
-              <a:t>Output text should be organized in a table: </a:t>
-            </a:r>
-          </a:p>
-          <a:p>
-            <a:r>
-              <a:rPr lang="en-US" sz="1100" dirty="0">
-                <a:solidFill>
-                  <a:srgbClr val="CE9178"/>
-                </a:solidFill>
-                <a:latin typeface="Consolas" panose="020B0609020204030204" pitchFamily="49" charset="0"/>
-              </a:rPr>
-              <a:t>After the description, include a table that gives the </a:t>
-            </a:r>
-            <a:endParaRPr lang="en-US" sz="1100" dirty="0">
-              <a:solidFill>
-                <a:srgbClr val="CCCCCC"/>
-              </a:solidFill>
-              <a:latin typeface="Consolas" panose="020B0609020204030204" pitchFamily="49" charset="0"/>
-            </a:endParaRPr>
-          </a:p>
-          <a:p>
-            <a:r>
-              <a:rPr lang="en-US" sz="1100" dirty="0">
-                <a:solidFill>
-                  <a:srgbClr val="CE9178"/>
-                </a:solidFill>
-                <a:latin typeface="Consolas" panose="020B0609020204030204" pitchFamily="49" charset="0"/>
-              </a:rPr>
-              <a:t>&lt;information&gt;. The table should have </a:t>
-            </a:r>
-            <a:r>
-              <a:rPr lang="en-US" sz="1100" dirty="0">
-                <a:solidFill>
-                  <a:schemeClr val="bg1">
-                    <a:lumMod val="50000"/>
-                  </a:schemeClr>
-                </a:solidFill>
-                <a:latin typeface="Consolas" panose="020B0609020204030204" pitchFamily="49" charset="0"/>
-              </a:rPr>
-              <a:t>&lt;two&gt;</a:t>
-            </a:r>
-            <a:r>
-              <a:rPr lang="en-US" sz="1100" dirty="0">
-                <a:solidFill>
-                  <a:srgbClr val="CE9178"/>
-                </a:solidFill>
-                <a:latin typeface="Consolas" panose="020B0609020204030204" pitchFamily="49" charset="0"/>
-              </a:rPr>
-              <a:t> columns.</a:t>
-            </a:r>
-            <a:endParaRPr lang="en-US" sz="1100" dirty="0">
-              <a:solidFill>
-                <a:srgbClr val="CCCCCC"/>
-              </a:solidFill>
-              <a:latin typeface="Consolas" panose="020B0609020204030204" pitchFamily="49" charset="0"/>
-            </a:endParaRPr>
-          </a:p>
-          <a:p>
-            <a:r>
-              <a:rPr lang="en-US" sz="1100" dirty="0">
-                <a:solidFill>
-                  <a:srgbClr val="CE9178"/>
-                </a:solidFill>
-                <a:latin typeface="Consolas" panose="020B0609020204030204" pitchFamily="49" charset="0"/>
-              </a:rPr>
-              <a:t>In the first column include </a:t>
-            </a:r>
-            <a:r>
-              <a:rPr lang="en-US" sz="1100" dirty="0">
-                <a:solidFill>
-                  <a:schemeClr val="bg1">
-                    <a:lumMod val="50000"/>
-                  </a:schemeClr>
-                </a:solidFill>
-                <a:latin typeface="Consolas" panose="020B0609020204030204" pitchFamily="49" charset="0"/>
-              </a:rPr>
-              <a:t>&lt;first_name&gt;</a:t>
-            </a:r>
-            <a:r>
-              <a:rPr lang="en-US" sz="1100" dirty="0">
-                <a:solidFill>
-                  <a:srgbClr val="CE9178"/>
-                </a:solidFill>
-                <a:latin typeface="Consolas" panose="020B0609020204030204" pitchFamily="49" charset="0"/>
-              </a:rPr>
-              <a:t>. </a:t>
-            </a:r>
-            <a:endParaRPr lang="en-US" sz="1100" dirty="0">
-              <a:solidFill>
-                <a:srgbClr val="CCCCCC"/>
-              </a:solidFill>
-              <a:latin typeface="Consolas" panose="020B0609020204030204" pitchFamily="49" charset="0"/>
-            </a:endParaRPr>
-          </a:p>
-          <a:p>
-            <a:r>
-              <a:rPr lang="en-US" sz="1100" dirty="0">
-                <a:solidFill>
-                  <a:srgbClr val="CE9178"/>
-                </a:solidFill>
-                <a:latin typeface="Consolas" panose="020B0609020204030204" pitchFamily="49" charset="0"/>
-              </a:rPr>
-              <a:t>In the second column include </a:t>
-            </a:r>
-            <a:r>
-              <a:rPr lang="en-US" sz="1100" dirty="0">
-                <a:solidFill>
-                  <a:schemeClr val="bg1">
-                    <a:lumMod val="50000"/>
-                  </a:schemeClr>
-                </a:solidFill>
-                <a:latin typeface="Consolas" panose="020B0609020204030204" pitchFamily="49" charset="0"/>
-              </a:rPr>
-              <a:t>&lt;grades&gt;</a:t>
-            </a:r>
-            <a:r>
-              <a:rPr lang="en-US" sz="1100" dirty="0">
-                <a:solidFill>
-                  <a:srgbClr val="CE9178"/>
-                </a:solidFill>
-                <a:latin typeface="Consolas" panose="020B0609020204030204" pitchFamily="49" charset="0"/>
-              </a:rPr>
-              <a:t>.</a:t>
-            </a:r>
-            <a:endParaRPr lang="en-US" sz="1100" dirty="0">
-              <a:solidFill>
-                <a:srgbClr val="CCCCCC"/>
-              </a:solidFill>
-              <a:latin typeface="Consolas" panose="020B0609020204030204" pitchFamily="49" charset="0"/>
-            </a:endParaRPr>
-          </a:p>
-          <a:p>
-            <a:br>
-              <a:rPr lang="en-US" sz="1100" dirty="0">
-                <a:solidFill>
-                  <a:srgbClr val="CCCCCC"/>
-                </a:solidFill>
-                <a:latin typeface="Consolas" panose="020B0609020204030204" pitchFamily="49" charset="0"/>
-              </a:rPr>
-            </a:br>
-            <a:r>
-              <a:rPr lang="en-US" sz="1100" dirty="0">
-                <a:solidFill>
-                  <a:srgbClr val="CE9178"/>
-                </a:solidFill>
-                <a:latin typeface="Consolas" panose="020B0609020204030204" pitchFamily="49" charset="0"/>
-              </a:rPr>
-              <a:t>Give the table the title ‘</a:t>
-            </a:r>
-            <a:r>
-              <a:rPr lang="en-US" sz="1100" dirty="0">
-                <a:solidFill>
-                  <a:schemeClr val="bg1">
-                    <a:lumMod val="50000"/>
-                  </a:schemeClr>
-                </a:solidFill>
-                <a:latin typeface="Consolas" panose="020B0609020204030204" pitchFamily="49" charset="0"/>
-              </a:rPr>
-              <a:t>Student_Grades</a:t>
-            </a:r>
-            <a:r>
-              <a:rPr lang="en-US" sz="1100" dirty="0">
-                <a:solidFill>
-                  <a:srgbClr val="CE9178"/>
-                </a:solidFill>
-                <a:latin typeface="Consolas" panose="020B0609020204030204" pitchFamily="49" charset="0"/>
-              </a:rPr>
-              <a:t>’.</a:t>
-            </a:r>
-            <a:endParaRPr lang="en-US" sz="1100" dirty="0">
-              <a:solidFill>
-                <a:srgbClr val="CCCCCC"/>
-              </a:solidFill>
-              <a:latin typeface="Consolas" panose="020B0609020204030204" pitchFamily="49" charset="0"/>
-            </a:endParaRPr>
-          </a:p>
-          <a:p>
-            <a:br>
-              <a:rPr lang="en-US" sz="1100" dirty="0">
-                <a:solidFill>
-                  <a:srgbClr val="CCCCCC"/>
-                </a:solidFill>
-                <a:latin typeface="Consolas" panose="020B0609020204030204" pitchFamily="49" charset="0"/>
-              </a:rPr>
-            </a:br>
-            <a:r>
-              <a:rPr lang="en-US" sz="1100" dirty="0">
-                <a:solidFill>
-                  <a:srgbClr val="CE9178"/>
-                </a:solidFill>
-                <a:latin typeface="Consolas" panose="020B0609020204030204" pitchFamily="49" charset="0"/>
-              </a:rPr>
-              <a:t>Format everything as </a:t>
-            </a:r>
-            <a:r>
-              <a:rPr lang="en-US" sz="1100" dirty="0">
-                <a:solidFill>
-                  <a:schemeClr val="bg1">
-                    <a:lumMod val="50000"/>
-                  </a:schemeClr>
-                </a:solidFill>
-                <a:latin typeface="Consolas" panose="020B0609020204030204" pitchFamily="49" charset="0"/>
-              </a:rPr>
-              <a:t>&lt;HTML/Markdown&gt;</a:t>
-            </a:r>
-            <a:r>
-              <a:rPr lang="en-US" sz="1100" dirty="0">
-                <a:solidFill>
-                  <a:srgbClr val="CE9178"/>
-                </a:solidFill>
-                <a:latin typeface="Consolas" panose="020B0609020204030204" pitchFamily="49" charset="0"/>
-              </a:rPr>
-              <a:t> that can be used in a website. </a:t>
-            </a:r>
-            <a:endParaRPr lang="en-US" sz="1100" dirty="0">
-              <a:solidFill>
-                <a:srgbClr val="CCCCCC"/>
-              </a:solidFill>
-              <a:latin typeface="Consolas" panose="020B0609020204030204" pitchFamily="49" charset="0"/>
-            </a:endParaRPr>
-          </a:p>
-          <a:p>
-            <a:r>
-              <a:rPr lang="en-US" sz="1100" dirty="0">
-                <a:solidFill>
-                  <a:srgbClr val="CE9178"/>
-                </a:solidFill>
-                <a:latin typeface="Consolas" panose="020B0609020204030204" pitchFamily="49" charset="0"/>
-              </a:rPr>
-              <a:t>Place the description in a &lt;div&gt; element.</a:t>
-            </a:r>
-            <a:endParaRPr lang="en-US" sz="1100" dirty="0">
-              <a:solidFill>
-                <a:srgbClr val="CCCCCC"/>
-              </a:solidFill>
-              <a:latin typeface="Consolas" panose="020B0609020204030204" pitchFamily="49" charset="0"/>
-            </a:endParaRPr>
-          </a:p>
-        </p:txBody>
-      </p:sp>
-      <p:sp>
-        <p:nvSpPr>
-          <p:cNvPr id="6" name="Rectangle 5">
-            <a:extLst>
-              <a:ext uri="{FF2B5EF4-FFF2-40B4-BE49-F238E27FC236}">
-                <a16:creationId xmlns:a16="http://schemas.microsoft.com/office/drawing/2014/main" id="{2A13359A-26DC-4134-B0ED-6D748E6B7ACB}"/>
-              </a:ext>
-            </a:extLst>
-          </p:cNvPr>
-          <p:cNvSpPr/>
-          <p:nvPr/>
-        </p:nvSpPr>
-        <p:spPr>
-          <a:xfrm>
-            <a:off x="438395" y="4471646"/>
-            <a:ext cx="6152905" cy="14619387"/>
-          </a:xfrm>
-          <a:prstGeom prst="rect">
-            <a:avLst/>
-          </a:prstGeom>
-        </p:spPr>
-        <p:txBody>
-          <a:bodyPr wrap="square">
-            <a:spAutoFit/>
-          </a:bodyPr>
-          <a:lstStyle/>
-          <a:p>
-            <a:pPr lvl="0"/>
-            <a:r>
-              <a:rPr lang="en-US" sz="1600" b="1" dirty="0">
-                <a:solidFill>
-                  <a:srgbClr val="569CD6"/>
-                </a:solidFill>
-                <a:latin typeface="Consolas" panose="020B0609020204030204" pitchFamily="49" charset="0"/>
-              </a:rPr>
-              <a:t>Principle 2: Give the model time to “think”</a:t>
-            </a:r>
-          </a:p>
-          <a:p>
-            <a:pPr lvl="0"/>
-            <a:r>
-              <a:rPr lang="en-US" sz="1400" b="1" dirty="0">
-                <a:solidFill>
-                  <a:srgbClr val="569CD6"/>
-                </a:solidFill>
-                <a:latin typeface="Consolas" panose="020B0609020204030204" pitchFamily="49" charset="0"/>
-              </a:rPr>
-              <a:t>Tactic 1: Specify the steps required to complete a task:</a:t>
-            </a:r>
-            <a:endParaRPr lang="en-US" sz="1400" dirty="0">
-              <a:solidFill>
-                <a:srgbClr val="CCCCCC"/>
-              </a:solidFill>
-              <a:latin typeface="Consolas" panose="020B0609020204030204" pitchFamily="49" charset="0"/>
-            </a:endParaRPr>
-          </a:p>
-          <a:p>
-            <a:pPr lvl="0"/>
-            <a:r>
-              <a:rPr lang="en-US" sz="1100" dirty="0">
-                <a:solidFill>
-                  <a:srgbClr val="CE9178"/>
-                </a:solidFill>
-                <a:latin typeface="Consolas" panose="020B0609020204030204" pitchFamily="49" charset="0"/>
-              </a:rPr>
-              <a:t>Perform the following actions: </a:t>
-            </a:r>
-            <a:endParaRPr lang="en-US" sz="1100" dirty="0">
-              <a:solidFill>
-                <a:srgbClr val="CCCCCC"/>
-              </a:solidFill>
-              <a:latin typeface="Consolas" panose="020B0609020204030204" pitchFamily="49" charset="0"/>
-            </a:endParaRPr>
-          </a:p>
-          <a:p>
-            <a:pPr lvl="0"/>
-            <a:r>
-              <a:rPr lang="en-US" sz="1100" dirty="0">
-                <a:solidFill>
-                  <a:srgbClr val="CE9178"/>
-                </a:solidFill>
-                <a:latin typeface="Consolas" panose="020B0609020204030204" pitchFamily="49" charset="0"/>
-              </a:rPr>
-              <a:t>1 – Summarize the following text delimited by triple backticks with </a:t>
-            </a:r>
-            <a:r>
-              <a:rPr lang="en-US" sz="1100" dirty="0">
-                <a:solidFill>
-                  <a:schemeClr val="bg1">
-                    <a:lumMod val="50000"/>
-                  </a:schemeClr>
-                </a:solidFill>
-                <a:latin typeface="Consolas" panose="020B0609020204030204" pitchFamily="49" charset="0"/>
-              </a:rPr>
-              <a:t>&lt;1&gt;</a:t>
-            </a:r>
-            <a:r>
-              <a:rPr lang="en-US" sz="1100" dirty="0">
-                <a:solidFill>
-                  <a:srgbClr val="CE9178"/>
-                </a:solidFill>
-                <a:latin typeface="Consolas" panose="020B0609020204030204" pitchFamily="49" charset="0"/>
-              </a:rPr>
-              <a:t> sentence</a:t>
-            </a:r>
-          </a:p>
-          <a:p>
-            <a:pPr lvl="0"/>
-            <a:r>
-              <a:rPr lang="en-US" sz="1100" dirty="0">
-                <a:solidFill>
-                  <a:srgbClr val="CE9178"/>
-                </a:solidFill>
-                <a:latin typeface="Consolas" panose="020B0609020204030204" pitchFamily="49" charset="0"/>
-              </a:rPr>
-              <a:t>2 – Translate the summary into </a:t>
-            </a:r>
-            <a:r>
-              <a:rPr lang="en-US" sz="1100" dirty="0">
-                <a:solidFill>
-                  <a:schemeClr val="bg1">
-                    <a:lumMod val="50000"/>
-                  </a:schemeClr>
-                </a:solidFill>
-                <a:latin typeface="Consolas" panose="020B0609020204030204" pitchFamily="49" charset="0"/>
-              </a:rPr>
-              <a:t>&lt;French&gt;</a:t>
-            </a:r>
-          </a:p>
-          <a:p>
-            <a:pPr lvl="0"/>
-            <a:r>
-              <a:rPr lang="en-US" sz="1100" dirty="0">
-                <a:solidFill>
-                  <a:srgbClr val="CE9178"/>
-                </a:solidFill>
-                <a:latin typeface="Consolas" panose="020B0609020204030204" pitchFamily="49" charset="0"/>
-              </a:rPr>
-              <a:t>3 – List each name in the summary</a:t>
-            </a:r>
-            <a:endParaRPr lang="en-US" sz="1100" dirty="0">
-              <a:solidFill>
-                <a:srgbClr val="CCCCCC"/>
-              </a:solidFill>
-              <a:latin typeface="Consolas" panose="020B0609020204030204" pitchFamily="49" charset="0"/>
-            </a:endParaRPr>
-          </a:p>
-          <a:p>
-            <a:pPr lvl="0"/>
-            <a:r>
-              <a:rPr lang="en-US" sz="1100" dirty="0">
-                <a:solidFill>
-                  <a:srgbClr val="CE9178"/>
-                </a:solidFill>
-                <a:latin typeface="Consolas" panose="020B0609020204030204" pitchFamily="49" charset="0"/>
-              </a:rPr>
-              <a:t>4 – Output a json object that contains the following keys: </a:t>
-            </a:r>
-            <a:r>
-              <a:rPr lang="en-US" sz="1100" dirty="0">
-                <a:solidFill>
-                  <a:schemeClr val="bg1">
-                    <a:lumMod val="50000"/>
-                  </a:schemeClr>
-                </a:solidFill>
-                <a:latin typeface="Consolas" panose="020B0609020204030204" pitchFamily="49" charset="0"/>
-              </a:rPr>
-              <a:t>summary</a:t>
-            </a:r>
-            <a:r>
-              <a:rPr lang="en-US" sz="1100" dirty="0">
-                <a:solidFill>
-                  <a:srgbClr val="CE9178"/>
-                </a:solidFill>
-                <a:latin typeface="Consolas" panose="020B0609020204030204" pitchFamily="49" charset="0"/>
-              </a:rPr>
-              <a:t>, </a:t>
-            </a:r>
-            <a:r>
-              <a:rPr lang="en-US" sz="1100" dirty="0">
-                <a:solidFill>
-                  <a:schemeClr val="bg1">
-                    <a:lumMod val="50000"/>
-                  </a:schemeClr>
-                </a:solidFill>
-                <a:latin typeface="Consolas" panose="020B0609020204030204" pitchFamily="49" charset="0"/>
-              </a:rPr>
-              <a:t>num_names</a:t>
-            </a:r>
-          </a:p>
-          <a:p>
-            <a:pPr lvl="0"/>
-            <a:br>
-              <a:rPr lang="en-US" sz="1100" dirty="0">
-                <a:solidFill>
-                  <a:srgbClr val="CCCCCC"/>
-                </a:solidFill>
-                <a:latin typeface="Consolas" panose="020B0609020204030204" pitchFamily="49" charset="0"/>
-              </a:rPr>
-            </a:br>
-            <a:r>
-              <a:rPr lang="en-US" sz="1100" dirty="0">
-                <a:solidFill>
-                  <a:srgbClr val="CE9178"/>
-                </a:solidFill>
-                <a:latin typeface="Consolas" panose="020B0609020204030204" pitchFamily="49" charset="0"/>
-              </a:rPr>
-              <a:t>Separate your answers with line breaks.</a:t>
-            </a:r>
-            <a:endParaRPr lang="en-US" sz="1100" dirty="0">
-              <a:solidFill>
-                <a:srgbClr val="CCCCCC"/>
-              </a:solidFill>
-              <a:latin typeface="Consolas" panose="020B0609020204030204" pitchFamily="49" charset="0"/>
-            </a:endParaRPr>
-          </a:p>
-          <a:p>
-            <a:pPr lvl="0"/>
-            <a:br>
-              <a:rPr lang="en-US" sz="1100" dirty="0">
-                <a:solidFill>
-                  <a:srgbClr val="CCCCCC"/>
-                </a:solidFill>
-                <a:latin typeface="Consolas" panose="020B0609020204030204" pitchFamily="49" charset="0"/>
-              </a:rPr>
-            </a:br>
-            <a:r>
-              <a:rPr lang="en-US" sz="1100" dirty="0">
-                <a:solidFill>
-                  <a:srgbClr val="CE9178"/>
-                </a:solidFill>
-                <a:latin typeface="Consolas" panose="020B0609020204030204" pitchFamily="49" charset="0"/>
-              </a:rPr>
-              <a:t>Text:</a:t>
-            </a:r>
-            <a:endParaRPr lang="en-US" sz="1100" dirty="0">
-              <a:solidFill>
-                <a:srgbClr val="CCCCCC"/>
-              </a:solidFill>
-              <a:latin typeface="Consolas" panose="020B0609020204030204" pitchFamily="49" charset="0"/>
-            </a:endParaRPr>
-          </a:p>
-          <a:p>
-            <a:pPr lvl="0"/>
-            <a:r>
-              <a:rPr lang="en-US" sz="1100" dirty="0">
-                <a:solidFill>
-                  <a:srgbClr val="CE9178"/>
-                </a:solidFill>
-                <a:latin typeface="Consolas" panose="020B0609020204030204" pitchFamily="49" charset="0"/>
-              </a:rPr>
-              <a:t>```</a:t>
-            </a:r>
-            <a:r>
-              <a:rPr lang="en-US" sz="1100" dirty="0">
-                <a:solidFill>
-                  <a:srgbClr val="569CD6"/>
-                </a:solidFill>
-                <a:latin typeface="Consolas" panose="020B0609020204030204" pitchFamily="49" charset="0"/>
-              </a:rPr>
-              <a:t>{</a:t>
-            </a:r>
-            <a:r>
-              <a:rPr lang="en-US" sz="1100" dirty="0">
-                <a:solidFill>
-                  <a:srgbClr val="9CDCFE"/>
-                </a:solidFill>
-                <a:latin typeface="Consolas" panose="020B0609020204030204" pitchFamily="49" charset="0"/>
-              </a:rPr>
-              <a:t>text</a:t>
-            </a:r>
-            <a:r>
-              <a:rPr lang="en-US" sz="1100" dirty="0">
-                <a:solidFill>
-                  <a:srgbClr val="569CD6"/>
-                </a:solidFill>
-                <a:latin typeface="Consolas" panose="020B0609020204030204" pitchFamily="49" charset="0"/>
-              </a:rPr>
-              <a:t>}</a:t>
-            </a:r>
-            <a:r>
-              <a:rPr lang="en-US" sz="1100" dirty="0">
-                <a:solidFill>
-                  <a:srgbClr val="CE9178"/>
-                </a:solidFill>
-                <a:latin typeface="Consolas" panose="020B0609020204030204" pitchFamily="49" charset="0"/>
-              </a:rPr>
-              <a:t>```</a:t>
-            </a:r>
-          </a:p>
-          <a:p>
-            <a:pPr lvl="0"/>
-            <a:endParaRPr lang="en-US" sz="1100" dirty="0">
-              <a:solidFill>
-                <a:srgbClr val="CE9178"/>
-              </a:solidFill>
-              <a:latin typeface="Consolas" panose="020B0609020204030204" pitchFamily="49" charset="0"/>
-            </a:endParaRPr>
-          </a:p>
-          <a:p>
-            <a:pPr lvl="0"/>
-            <a:r>
-              <a:rPr lang="en-US" sz="1400" b="1" dirty="0">
-                <a:solidFill>
-                  <a:srgbClr val="569CD6"/>
-                </a:solidFill>
-                <a:latin typeface="Consolas" panose="020B0609020204030204" pitchFamily="49" charset="0"/>
-              </a:rPr>
-              <a:t>Tactic 2: Ask for output in a specified format:</a:t>
-            </a:r>
-          </a:p>
-          <a:p>
-            <a:pPr lvl="0"/>
-            <a:r>
-              <a:rPr lang="en-US" sz="1100" dirty="0">
-                <a:solidFill>
-                  <a:srgbClr val="CE9178"/>
-                </a:solidFill>
-                <a:latin typeface="Consolas" panose="020B0609020204030204" pitchFamily="49" charset="0"/>
-              </a:rPr>
-              <a:t>Your task is to perform the following actions: </a:t>
-            </a:r>
-            <a:endParaRPr lang="en-US" sz="1100" dirty="0">
-              <a:solidFill>
-                <a:srgbClr val="CCCCCC"/>
-              </a:solidFill>
-              <a:latin typeface="Consolas" panose="020B0609020204030204" pitchFamily="49" charset="0"/>
-            </a:endParaRPr>
-          </a:p>
-          <a:p>
-            <a:pPr lvl="0"/>
-            <a:r>
-              <a:rPr lang="en-US" sz="1100" dirty="0">
-                <a:solidFill>
-                  <a:srgbClr val="CE9178"/>
-                </a:solidFill>
-                <a:latin typeface="Consolas" panose="020B0609020204030204" pitchFamily="49" charset="0"/>
-              </a:rPr>
-              <a:t>1 – Step 1.</a:t>
-            </a:r>
-            <a:endParaRPr lang="en-US" sz="1100" dirty="0">
-              <a:solidFill>
-                <a:srgbClr val="CCCCCC"/>
-              </a:solidFill>
-              <a:latin typeface="Consolas" panose="020B0609020204030204" pitchFamily="49" charset="0"/>
-            </a:endParaRPr>
-          </a:p>
-          <a:p>
-            <a:pPr lvl="0"/>
-            <a:r>
-              <a:rPr lang="en-US" sz="1100" dirty="0">
-                <a:solidFill>
-                  <a:srgbClr val="CE9178"/>
-                </a:solidFill>
-                <a:latin typeface="Consolas" panose="020B0609020204030204" pitchFamily="49" charset="0"/>
-              </a:rPr>
-              <a:t>2 – Step 2.</a:t>
-            </a:r>
-            <a:endParaRPr lang="en-US" sz="1100" dirty="0">
-              <a:solidFill>
-                <a:srgbClr val="CCCCCC"/>
-              </a:solidFill>
-              <a:latin typeface="Consolas" panose="020B0609020204030204" pitchFamily="49" charset="0"/>
-            </a:endParaRPr>
-          </a:p>
-          <a:p>
-            <a:pPr lvl="0"/>
-            <a:r>
-              <a:rPr lang="en-US" sz="1100" dirty="0">
-                <a:solidFill>
-                  <a:srgbClr val="CE9178"/>
-                </a:solidFill>
-                <a:latin typeface="Consolas" panose="020B0609020204030204" pitchFamily="49" charset="0"/>
-              </a:rPr>
-              <a:t>3 – Step 3.</a:t>
-            </a:r>
-            <a:endParaRPr lang="en-US" sz="1100" dirty="0">
-              <a:solidFill>
-                <a:srgbClr val="CCCCCC"/>
-              </a:solidFill>
-              <a:latin typeface="Consolas" panose="020B0609020204030204" pitchFamily="49" charset="0"/>
-            </a:endParaRPr>
-          </a:p>
-          <a:p>
-            <a:pPr lvl="0"/>
-            <a:r>
-              <a:rPr lang="en-US" sz="1100" dirty="0">
-                <a:solidFill>
-                  <a:srgbClr val="CE9178"/>
-                </a:solidFill>
-                <a:latin typeface="Consolas" panose="020B0609020204030204" pitchFamily="49" charset="0"/>
-              </a:rPr>
-              <a:t>4 – Step N.</a:t>
-            </a:r>
-            <a:endParaRPr lang="en-US" sz="1100" dirty="0">
-              <a:solidFill>
-                <a:srgbClr val="CCCCCC"/>
-              </a:solidFill>
-              <a:latin typeface="Consolas" panose="020B0609020204030204" pitchFamily="49" charset="0"/>
-            </a:endParaRPr>
-          </a:p>
-          <a:p>
-            <a:pPr lvl="0"/>
-            <a:br>
-              <a:rPr lang="en-US" sz="1100" dirty="0">
-                <a:solidFill>
-                  <a:srgbClr val="CCCCCC"/>
-                </a:solidFill>
-                <a:latin typeface="Consolas" panose="020B0609020204030204" pitchFamily="49" charset="0"/>
-              </a:rPr>
-            </a:br>
-            <a:r>
-              <a:rPr lang="en-US" sz="1100" dirty="0">
-                <a:solidFill>
-                  <a:srgbClr val="CE9178"/>
-                </a:solidFill>
-                <a:latin typeface="Consolas" panose="020B0609020204030204" pitchFamily="49" charset="0"/>
-              </a:rPr>
-              <a:t>Use the following format:</a:t>
-            </a:r>
-            <a:endParaRPr lang="en-US" sz="1100" dirty="0">
-              <a:solidFill>
-                <a:srgbClr val="CCCCCC"/>
-              </a:solidFill>
-              <a:latin typeface="Consolas" panose="020B0609020204030204" pitchFamily="49" charset="0"/>
-            </a:endParaRPr>
-          </a:p>
-          <a:p>
-            <a:pPr lvl="0"/>
-            <a:r>
-              <a:rPr lang="en-US" sz="1100" dirty="0">
-                <a:solidFill>
-                  <a:srgbClr val="CE9178"/>
-                </a:solidFill>
-                <a:latin typeface="Consolas" panose="020B0609020204030204" pitchFamily="49" charset="0"/>
-              </a:rPr>
-              <a:t>Text: </a:t>
-            </a:r>
-            <a:r>
-              <a:rPr lang="en-US" sz="1100" b="1" dirty="0">
-                <a:solidFill>
-                  <a:srgbClr val="CE9178"/>
-                </a:solidFill>
-                <a:latin typeface="Consolas" panose="020B0609020204030204" pitchFamily="49" charset="0"/>
-              </a:rPr>
-              <a:t>&lt;</a:t>
-            </a:r>
-            <a:r>
-              <a:rPr lang="en-US" sz="1100" dirty="0">
-                <a:solidFill>
-                  <a:srgbClr val="CE9178"/>
-                </a:solidFill>
-                <a:latin typeface="Consolas" panose="020B0609020204030204" pitchFamily="49" charset="0"/>
-              </a:rPr>
-              <a:t>text to summarize</a:t>
-            </a:r>
-            <a:r>
-              <a:rPr lang="en-US" sz="1100" b="1" dirty="0">
-                <a:solidFill>
-                  <a:srgbClr val="CE9178"/>
-                </a:solidFill>
-                <a:latin typeface="Consolas" panose="020B0609020204030204" pitchFamily="49" charset="0"/>
-              </a:rPr>
-              <a:t>&gt;</a:t>
-            </a:r>
-            <a:endParaRPr lang="en-US" sz="1100" b="1" dirty="0">
-              <a:solidFill>
-                <a:srgbClr val="CCCCCC"/>
-              </a:solidFill>
-              <a:latin typeface="Consolas" panose="020B0609020204030204" pitchFamily="49" charset="0"/>
-            </a:endParaRPr>
-          </a:p>
-          <a:p>
-            <a:pPr lvl="0"/>
-            <a:r>
-              <a:rPr lang="en-US" sz="1100" dirty="0">
-                <a:solidFill>
-                  <a:srgbClr val="CE9178"/>
-                </a:solidFill>
-                <a:latin typeface="Consolas" panose="020B0609020204030204" pitchFamily="49" charset="0"/>
-              </a:rPr>
-              <a:t>Summary: </a:t>
-            </a:r>
-            <a:r>
-              <a:rPr lang="en-US" sz="1100" b="1" dirty="0">
-                <a:solidFill>
-                  <a:srgbClr val="CE9178"/>
-                </a:solidFill>
-                <a:latin typeface="Consolas" panose="020B0609020204030204" pitchFamily="49" charset="0"/>
-              </a:rPr>
-              <a:t>&lt;</a:t>
-            </a:r>
-            <a:r>
-              <a:rPr lang="en-US" sz="1100" dirty="0">
-                <a:solidFill>
-                  <a:srgbClr val="CE9178"/>
-                </a:solidFill>
-                <a:latin typeface="Consolas" panose="020B0609020204030204" pitchFamily="49" charset="0"/>
-              </a:rPr>
-              <a:t>summary</a:t>
-            </a:r>
-            <a:r>
-              <a:rPr lang="en-US" sz="1100" b="1" dirty="0">
-                <a:solidFill>
-                  <a:srgbClr val="CE9178"/>
-                </a:solidFill>
-                <a:latin typeface="Consolas" panose="020B0609020204030204" pitchFamily="49" charset="0"/>
-              </a:rPr>
-              <a:t>&gt;</a:t>
-            </a:r>
-            <a:endParaRPr lang="en-US" sz="1100" b="1" dirty="0">
-              <a:solidFill>
-                <a:srgbClr val="CCCCCC"/>
-              </a:solidFill>
-              <a:latin typeface="Consolas" panose="020B0609020204030204" pitchFamily="49" charset="0"/>
-            </a:endParaRPr>
-          </a:p>
-          <a:p>
-            <a:pPr lvl="0"/>
-            <a:r>
-              <a:rPr lang="en-US" sz="1100" dirty="0">
-                <a:solidFill>
-                  <a:srgbClr val="CE9178"/>
-                </a:solidFill>
-                <a:latin typeface="Consolas" panose="020B0609020204030204" pitchFamily="49" charset="0"/>
-              </a:rPr>
-              <a:t>Translation: </a:t>
-            </a:r>
-            <a:r>
-              <a:rPr lang="en-US" sz="1100" b="1" dirty="0">
-                <a:solidFill>
-                  <a:srgbClr val="CE9178"/>
-                </a:solidFill>
-                <a:latin typeface="Consolas" panose="020B0609020204030204" pitchFamily="49" charset="0"/>
-              </a:rPr>
-              <a:t>&lt;</a:t>
-            </a:r>
-            <a:r>
-              <a:rPr lang="en-US" sz="1100" dirty="0">
-                <a:solidFill>
-                  <a:srgbClr val="CE9178"/>
-                </a:solidFill>
-                <a:latin typeface="Consolas" panose="020B0609020204030204" pitchFamily="49" charset="0"/>
-              </a:rPr>
-              <a:t>summary translation</a:t>
-            </a:r>
-            <a:r>
-              <a:rPr lang="en-US" sz="1100" b="1" dirty="0">
-                <a:solidFill>
-                  <a:srgbClr val="CE9178"/>
-                </a:solidFill>
-                <a:latin typeface="Consolas" panose="020B0609020204030204" pitchFamily="49" charset="0"/>
-              </a:rPr>
-              <a:t>&gt;</a:t>
-            </a:r>
-            <a:endParaRPr lang="en-US" sz="1100" b="1" dirty="0">
-              <a:solidFill>
-                <a:srgbClr val="CCCCCC"/>
-              </a:solidFill>
-              <a:latin typeface="Consolas" panose="020B0609020204030204" pitchFamily="49" charset="0"/>
-            </a:endParaRPr>
-          </a:p>
-          <a:p>
-            <a:pPr lvl="0"/>
-            <a:r>
-              <a:rPr lang="en-US" sz="1100" dirty="0">
-                <a:solidFill>
-                  <a:srgbClr val="CE9178"/>
-                </a:solidFill>
-                <a:latin typeface="Consolas" panose="020B0609020204030204" pitchFamily="49" charset="0"/>
-              </a:rPr>
-              <a:t>Names: </a:t>
-            </a:r>
-            <a:r>
-              <a:rPr lang="en-US" sz="1100" b="1" dirty="0">
-                <a:solidFill>
-                  <a:srgbClr val="CE9178"/>
-                </a:solidFill>
-                <a:latin typeface="Consolas" panose="020B0609020204030204" pitchFamily="49" charset="0"/>
-              </a:rPr>
-              <a:t>&lt;</a:t>
-            </a:r>
-            <a:r>
-              <a:rPr lang="en-US" sz="1100" dirty="0">
-                <a:solidFill>
-                  <a:srgbClr val="CE9178"/>
-                </a:solidFill>
-                <a:latin typeface="Consolas" panose="020B0609020204030204" pitchFamily="49" charset="0"/>
-              </a:rPr>
-              <a:t>list of names in </a:t>
-            </a:r>
-            <a:r>
-              <a:rPr lang="en-US" sz="1100" dirty="0">
-                <a:solidFill>
-                  <a:schemeClr val="bg1">
-                    <a:lumMod val="50000"/>
-                  </a:schemeClr>
-                </a:solidFill>
-                <a:latin typeface="Consolas" panose="020B0609020204030204" pitchFamily="49" charset="0"/>
-              </a:rPr>
-              <a:t>French</a:t>
-            </a:r>
-            <a:r>
-              <a:rPr lang="en-US" sz="1100" dirty="0">
-                <a:solidFill>
-                  <a:srgbClr val="CE9178"/>
-                </a:solidFill>
-                <a:latin typeface="Consolas" panose="020B0609020204030204" pitchFamily="49" charset="0"/>
-              </a:rPr>
-              <a:t> summary</a:t>
-            </a:r>
-            <a:r>
-              <a:rPr lang="en-US" sz="1100" b="1" dirty="0">
-                <a:solidFill>
-                  <a:srgbClr val="CE9178"/>
-                </a:solidFill>
-                <a:latin typeface="Consolas" panose="020B0609020204030204" pitchFamily="49" charset="0"/>
-              </a:rPr>
-              <a:t>&gt;</a:t>
-            </a:r>
-            <a:endParaRPr lang="en-US" sz="1100" b="1" dirty="0">
-              <a:solidFill>
-                <a:srgbClr val="CCCCCC"/>
-              </a:solidFill>
-              <a:latin typeface="Consolas" panose="020B0609020204030204" pitchFamily="49" charset="0"/>
-            </a:endParaRPr>
-          </a:p>
-          <a:p>
-            <a:pPr lvl="0"/>
-            <a:r>
-              <a:rPr lang="en-US" sz="1100" dirty="0">
-                <a:solidFill>
-                  <a:srgbClr val="CE9178"/>
-                </a:solidFill>
-                <a:latin typeface="Consolas" panose="020B0609020204030204" pitchFamily="49" charset="0"/>
-              </a:rPr>
-              <a:t>Output JSON: </a:t>
-            </a:r>
-            <a:r>
-              <a:rPr lang="en-US" sz="1100" b="1" dirty="0">
-                <a:solidFill>
-                  <a:srgbClr val="CE9178"/>
-                </a:solidFill>
-                <a:latin typeface="Consolas" panose="020B0609020204030204" pitchFamily="49" charset="0"/>
-              </a:rPr>
-              <a:t>&lt;</a:t>
-            </a:r>
-            <a:r>
-              <a:rPr lang="en-US" sz="1100" dirty="0">
-                <a:solidFill>
-                  <a:srgbClr val="CE9178"/>
-                </a:solidFill>
-                <a:latin typeface="Consolas" panose="020B0609020204030204" pitchFamily="49" charset="0"/>
-              </a:rPr>
-              <a:t>json with summary and num_names</a:t>
-            </a:r>
-            <a:r>
-              <a:rPr lang="en-US" sz="1100" b="1" dirty="0">
-                <a:solidFill>
-                  <a:srgbClr val="CE9178"/>
-                </a:solidFill>
-                <a:latin typeface="Consolas" panose="020B0609020204030204" pitchFamily="49" charset="0"/>
-              </a:rPr>
-              <a:t>&gt;</a:t>
-            </a:r>
-            <a:endParaRPr lang="en-US" sz="1100" b="1" dirty="0">
-              <a:solidFill>
-                <a:srgbClr val="CCCCCC"/>
-              </a:solidFill>
-              <a:latin typeface="Consolas" panose="020B0609020204030204" pitchFamily="49" charset="0"/>
-            </a:endParaRPr>
-          </a:p>
-          <a:p>
-            <a:pPr lvl="0"/>
-            <a:br>
-              <a:rPr lang="en-US" sz="1100" dirty="0">
-                <a:solidFill>
-                  <a:srgbClr val="CCCCCC"/>
-                </a:solidFill>
-                <a:latin typeface="Consolas" panose="020B0609020204030204" pitchFamily="49" charset="0"/>
-              </a:rPr>
-            </a:br>
-            <a:r>
-              <a:rPr lang="en-US" sz="1100" dirty="0">
-                <a:solidFill>
-                  <a:srgbClr val="CE9178"/>
-                </a:solidFill>
-                <a:latin typeface="Consolas" panose="020B0609020204030204" pitchFamily="49" charset="0"/>
-              </a:rPr>
-              <a:t>Text: &lt;</a:t>
-            </a:r>
-            <a:r>
-              <a:rPr lang="en-US" sz="1100" dirty="0">
-                <a:solidFill>
-                  <a:srgbClr val="569CD6"/>
-                </a:solidFill>
-                <a:latin typeface="Consolas" panose="020B0609020204030204" pitchFamily="49" charset="0"/>
-              </a:rPr>
-              <a:t>{</a:t>
-            </a:r>
-            <a:r>
-              <a:rPr lang="en-US" sz="1100" dirty="0">
-                <a:solidFill>
-                  <a:srgbClr val="9CDCFE"/>
-                </a:solidFill>
-                <a:latin typeface="Consolas" panose="020B0609020204030204" pitchFamily="49" charset="0"/>
-              </a:rPr>
-              <a:t>text</a:t>
-            </a:r>
-            <a:r>
-              <a:rPr lang="en-US" sz="1100" dirty="0">
-                <a:solidFill>
-                  <a:srgbClr val="569CD6"/>
-                </a:solidFill>
-                <a:latin typeface="Consolas" panose="020B0609020204030204" pitchFamily="49" charset="0"/>
-              </a:rPr>
-              <a:t>}</a:t>
-            </a:r>
-            <a:r>
-              <a:rPr lang="en-US" sz="1100" dirty="0">
-                <a:solidFill>
-                  <a:srgbClr val="CE9178"/>
-                </a:solidFill>
-                <a:latin typeface="Consolas" panose="020B0609020204030204" pitchFamily="49" charset="0"/>
-              </a:rPr>
-              <a:t>&gt;</a:t>
-            </a:r>
-            <a:endParaRPr lang="en-US" sz="1100" dirty="0">
-              <a:solidFill>
-                <a:srgbClr val="CCCCCC"/>
-              </a:solidFill>
-              <a:latin typeface="Consolas" panose="020B0609020204030204" pitchFamily="49" charset="0"/>
-            </a:endParaRPr>
-          </a:p>
-          <a:p>
-            <a:pPr lvl="0"/>
-            <a:endParaRPr lang="de-DE" sz="1400" dirty="0">
-              <a:solidFill>
-                <a:srgbClr val="CCCCCC"/>
-              </a:solidFill>
-              <a:latin typeface="Consolas" panose="020B0609020204030204" pitchFamily="49" charset="0"/>
-            </a:endParaRPr>
-          </a:p>
-          <a:p>
-            <a:pPr lvl="0"/>
-            <a:r>
-              <a:rPr lang="en-US" sz="1400" b="1" dirty="0">
-                <a:solidFill>
-                  <a:srgbClr val="569CD6"/>
-                </a:solidFill>
-                <a:latin typeface="Consolas" panose="020B0609020204030204" pitchFamily="49" charset="0"/>
-              </a:rPr>
-              <a:t>Tactic 2: Instruct the model to work out its own solution before rushing to a conclusion:</a:t>
-            </a:r>
-          </a:p>
-          <a:p>
-            <a:pPr lvl="0"/>
-            <a:r>
-              <a:rPr lang="en-US" sz="1100" dirty="0">
-                <a:solidFill>
-                  <a:srgbClr val="CE9178"/>
-                </a:solidFill>
-                <a:latin typeface="Consolas" panose="020B0609020204030204" pitchFamily="49" charset="0"/>
-              </a:rPr>
-              <a:t>Your task is to determine if the student's solution is correct or not.</a:t>
-            </a:r>
-            <a:endParaRPr lang="en-US" sz="1100" dirty="0">
-              <a:solidFill>
-                <a:srgbClr val="CCCCCC"/>
-              </a:solidFill>
-              <a:latin typeface="Consolas" panose="020B0609020204030204" pitchFamily="49" charset="0"/>
-            </a:endParaRPr>
-          </a:p>
-          <a:p>
-            <a:pPr lvl="0"/>
-            <a:r>
-              <a:rPr lang="en-US" sz="1100" dirty="0">
-                <a:solidFill>
-                  <a:srgbClr val="CE9178"/>
-                </a:solidFill>
-                <a:latin typeface="Consolas" panose="020B0609020204030204" pitchFamily="49" charset="0"/>
-              </a:rPr>
-              <a:t>To solve the problem do the following:</a:t>
-            </a:r>
-            <a:endParaRPr lang="en-US" sz="1100" dirty="0">
-              <a:solidFill>
-                <a:srgbClr val="CCCCCC"/>
-              </a:solidFill>
-              <a:latin typeface="Consolas" panose="020B0609020204030204" pitchFamily="49" charset="0"/>
-            </a:endParaRPr>
-          </a:p>
-          <a:p>
-            <a:pPr lvl="0"/>
-            <a:r>
-              <a:rPr lang="en-US" sz="1100" dirty="0">
-                <a:solidFill>
-                  <a:srgbClr val="CE9178"/>
-                </a:solidFill>
-                <a:latin typeface="Consolas" panose="020B0609020204030204" pitchFamily="49" charset="0"/>
-              </a:rPr>
-              <a:t>- First, work out your own solution to the problem. </a:t>
-            </a:r>
-            <a:endParaRPr lang="en-US" sz="1100" dirty="0">
-              <a:solidFill>
-                <a:srgbClr val="CCCCCC"/>
-              </a:solidFill>
-              <a:latin typeface="Consolas" panose="020B0609020204030204" pitchFamily="49" charset="0"/>
-            </a:endParaRPr>
-          </a:p>
-          <a:p>
-            <a:pPr marL="171455" indent="-171455">
-              <a:buFontTx/>
-              <a:buChar char="-"/>
-            </a:pPr>
-            <a:r>
-              <a:rPr lang="en-US" sz="1100" dirty="0">
-                <a:solidFill>
-                  <a:srgbClr val="CE9178"/>
-                </a:solidFill>
-                <a:latin typeface="Consolas" panose="020B0609020204030204" pitchFamily="49" charset="0"/>
-              </a:rPr>
-              <a:t>Then compare your solution to the student's solution and evaluate if the student's solution is correct or not. </a:t>
-            </a:r>
-          </a:p>
-          <a:p>
-            <a:pPr lvl="0"/>
-            <a:endParaRPr lang="en-US" sz="1100" dirty="0">
-              <a:solidFill>
-                <a:srgbClr val="CCCCCC"/>
-              </a:solidFill>
-              <a:latin typeface="Consolas" panose="020B0609020204030204" pitchFamily="49" charset="0"/>
-            </a:endParaRPr>
-          </a:p>
-          <a:p>
-            <a:pPr lvl="0"/>
-            <a:r>
-              <a:rPr lang="en-US" sz="1100" dirty="0">
-                <a:solidFill>
-                  <a:srgbClr val="CE9178"/>
-                </a:solidFill>
-                <a:latin typeface="Consolas" panose="020B0609020204030204" pitchFamily="49" charset="0"/>
-              </a:rPr>
-              <a:t>Don't decide if the student's solution is correct until you have done the problem yourself.</a:t>
-            </a:r>
-            <a:endParaRPr lang="en-US" sz="1100" dirty="0">
-              <a:solidFill>
-                <a:srgbClr val="CCCCCC"/>
-              </a:solidFill>
-              <a:latin typeface="Consolas" panose="020B0609020204030204" pitchFamily="49" charset="0"/>
-            </a:endParaRPr>
-          </a:p>
-          <a:p>
-            <a:pPr lvl="0"/>
-            <a:br>
-              <a:rPr lang="en-US" sz="1100" dirty="0">
-                <a:solidFill>
-                  <a:srgbClr val="CCCCCC"/>
-                </a:solidFill>
-                <a:latin typeface="Consolas" panose="020B0609020204030204" pitchFamily="49" charset="0"/>
-              </a:rPr>
-            </a:br>
-            <a:r>
-              <a:rPr lang="en-US" sz="1100" dirty="0">
-                <a:solidFill>
-                  <a:srgbClr val="CE9178"/>
-                </a:solidFill>
-                <a:latin typeface="Consolas" panose="020B0609020204030204" pitchFamily="49" charset="0"/>
-              </a:rPr>
-              <a:t>Use the following format:</a:t>
-            </a:r>
-            <a:endParaRPr lang="en-US" sz="1100" dirty="0">
-              <a:solidFill>
-                <a:srgbClr val="CCCCCC"/>
-              </a:solidFill>
-              <a:latin typeface="Consolas" panose="020B0609020204030204" pitchFamily="49" charset="0"/>
-            </a:endParaRPr>
-          </a:p>
-          <a:p>
-            <a:pPr lvl="0"/>
-            <a:r>
-              <a:rPr lang="en-US" sz="1100" b="1" dirty="0">
-                <a:solidFill>
-                  <a:srgbClr val="CE9178"/>
-                </a:solidFill>
-                <a:latin typeface="Consolas" panose="020B0609020204030204" pitchFamily="49" charset="0"/>
-              </a:rPr>
-              <a:t>Question:</a:t>
-            </a:r>
-            <a:endParaRPr lang="en-US" sz="1100" b="1" dirty="0">
-              <a:solidFill>
-                <a:srgbClr val="CCCCCC"/>
-              </a:solidFill>
-              <a:latin typeface="Consolas" panose="020B0609020204030204" pitchFamily="49" charset="0"/>
-            </a:endParaRPr>
-          </a:p>
-          <a:p>
-            <a:pPr lvl="0"/>
-            <a:r>
-              <a:rPr lang="en-US" sz="1100" dirty="0">
-                <a:solidFill>
-                  <a:srgbClr val="CE9178"/>
-                </a:solidFill>
-                <a:latin typeface="Consolas" panose="020B0609020204030204" pitchFamily="49" charset="0"/>
-              </a:rPr>
-              <a:t>```</a:t>
-            </a:r>
-            <a:endParaRPr lang="en-US" sz="1100" dirty="0">
-              <a:solidFill>
-                <a:srgbClr val="CCCCCC"/>
-              </a:solidFill>
-              <a:latin typeface="Consolas" panose="020B0609020204030204" pitchFamily="49" charset="0"/>
-            </a:endParaRPr>
-          </a:p>
-          <a:p>
-            <a:pPr lvl="0"/>
-            <a:r>
-              <a:rPr lang="en-US" sz="1100" i="1" dirty="0">
-                <a:solidFill>
-                  <a:schemeClr val="bg1">
-                    <a:lumMod val="50000"/>
-                  </a:schemeClr>
-                </a:solidFill>
-                <a:latin typeface="Consolas" panose="020B0609020204030204" pitchFamily="49" charset="0"/>
-              </a:rPr>
-              <a:t>question here</a:t>
-            </a:r>
-          </a:p>
-          <a:p>
-            <a:pPr lvl="0"/>
-            <a:r>
-              <a:rPr lang="en-US" sz="1100" dirty="0">
-                <a:solidFill>
-                  <a:srgbClr val="CE9178"/>
-                </a:solidFill>
-                <a:latin typeface="Consolas" panose="020B0609020204030204" pitchFamily="49" charset="0"/>
-              </a:rPr>
-              <a:t>```</a:t>
-            </a:r>
-            <a:endParaRPr lang="en-US" sz="1100" dirty="0">
-              <a:solidFill>
-                <a:srgbClr val="CCCCCC"/>
-              </a:solidFill>
-              <a:latin typeface="Consolas" panose="020B0609020204030204" pitchFamily="49" charset="0"/>
-            </a:endParaRPr>
-          </a:p>
-          <a:p>
-            <a:pPr lvl="0"/>
-            <a:r>
-              <a:rPr lang="en-US" sz="1100" b="1" dirty="0">
-                <a:solidFill>
-                  <a:srgbClr val="CE9178"/>
-                </a:solidFill>
-                <a:latin typeface="Consolas" panose="020B0609020204030204" pitchFamily="49" charset="0"/>
-              </a:rPr>
-              <a:t>Student's solution:</a:t>
-            </a:r>
-            <a:endParaRPr lang="en-US" sz="1100" b="1" dirty="0">
-              <a:solidFill>
-                <a:srgbClr val="CCCCCC"/>
-              </a:solidFill>
-              <a:latin typeface="Consolas" panose="020B0609020204030204" pitchFamily="49" charset="0"/>
-            </a:endParaRPr>
-          </a:p>
-          <a:p>
-            <a:pPr lvl="0"/>
-            <a:r>
-              <a:rPr lang="en-US" sz="1100" dirty="0">
-                <a:solidFill>
-                  <a:srgbClr val="CE9178"/>
-                </a:solidFill>
-                <a:latin typeface="Consolas" panose="020B0609020204030204" pitchFamily="49" charset="0"/>
-              </a:rPr>
-              <a:t>```</a:t>
-            </a:r>
-            <a:endParaRPr lang="en-US" sz="1100" dirty="0">
-              <a:solidFill>
-                <a:srgbClr val="CCCCCC"/>
-              </a:solidFill>
-              <a:latin typeface="Consolas" panose="020B0609020204030204" pitchFamily="49" charset="0"/>
-            </a:endParaRPr>
-          </a:p>
-          <a:p>
-            <a:pPr lvl="0"/>
-            <a:r>
-              <a:rPr lang="en-US" sz="1100" i="1" dirty="0">
-                <a:solidFill>
-                  <a:schemeClr val="bg1">
-                    <a:lumMod val="50000"/>
-                  </a:schemeClr>
-                </a:solidFill>
-                <a:latin typeface="Consolas" panose="020B0609020204030204" pitchFamily="49" charset="0"/>
-              </a:rPr>
-              <a:t>student's solution here</a:t>
-            </a:r>
-          </a:p>
-          <a:p>
-            <a:pPr lvl="0"/>
-            <a:r>
-              <a:rPr lang="en-US" sz="1100" dirty="0">
-                <a:solidFill>
-                  <a:srgbClr val="CE9178"/>
-                </a:solidFill>
-                <a:latin typeface="Consolas" panose="020B0609020204030204" pitchFamily="49" charset="0"/>
-              </a:rPr>
-              <a:t>```</a:t>
-            </a:r>
-            <a:endParaRPr lang="en-US" sz="1100" dirty="0">
-              <a:solidFill>
-                <a:srgbClr val="CCCCCC"/>
-              </a:solidFill>
-              <a:latin typeface="Consolas" panose="020B0609020204030204" pitchFamily="49" charset="0"/>
-            </a:endParaRPr>
-          </a:p>
-          <a:p>
-            <a:pPr lvl="0"/>
-            <a:r>
-              <a:rPr lang="en-US" sz="1100" b="1" dirty="0">
-                <a:solidFill>
-                  <a:srgbClr val="CE9178"/>
-                </a:solidFill>
-                <a:latin typeface="Consolas" panose="020B0609020204030204" pitchFamily="49" charset="0"/>
-              </a:rPr>
-              <a:t>Actual solution:</a:t>
-            </a:r>
-            <a:endParaRPr lang="en-US" sz="1100" b="1" dirty="0">
-              <a:solidFill>
-                <a:srgbClr val="CCCCCC"/>
-              </a:solidFill>
-              <a:latin typeface="Consolas" panose="020B0609020204030204" pitchFamily="49" charset="0"/>
-            </a:endParaRPr>
-          </a:p>
-          <a:p>
-            <a:pPr lvl="0"/>
-            <a:r>
-              <a:rPr lang="en-US" sz="1100" dirty="0">
-                <a:solidFill>
-                  <a:srgbClr val="CE9178"/>
-                </a:solidFill>
-                <a:latin typeface="Consolas" panose="020B0609020204030204" pitchFamily="49" charset="0"/>
-              </a:rPr>
-              <a:t>```</a:t>
-            </a:r>
-            <a:endParaRPr lang="en-US" sz="1100" dirty="0">
-              <a:solidFill>
-                <a:srgbClr val="CCCCCC"/>
-              </a:solidFill>
-              <a:latin typeface="Consolas" panose="020B0609020204030204" pitchFamily="49" charset="0"/>
-            </a:endParaRPr>
-          </a:p>
-          <a:p>
-            <a:pPr lvl="0"/>
-            <a:r>
-              <a:rPr lang="en-US" sz="1100" i="1" dirty="0">
-                <a:solidFill>
-                  <a:schemeClr val="bg1">
-                    <a:lumMod val="50000"/>
-                  </a:schemeClr>
-                </a:solidFill>
-                <a:latin typeface="Consolas" panose="020B0609020204030204" pitchFamily="49" charset="0"/>
-              </a:rPr>
-              <a:t>steps to work out the solution and your solution here</a:t>
-            </a:r>
-          </a:p>
-          <a:p>
-            <a:pPr lvl="0"/>
-            <a:r>
-              <a:rPr lang="en-US" sz="1100" dirty="0">
-                <a:solidFill>
-                  <a:srgbClr val="CE9178"/>
-                </a:solidFill>
-                <a:latin typeface="Consolas" panose="020B0609020204030204" pitchFamily="49" charset="0"/>
-              </a:rPr>
-              <a:t>```</a:t>
-            </a:r>
-            <a:endParaRPr lang="en-US" sz="1100" dirty="0">
-              <a:solidFill>
-                <a:srgbClr val="CCCCCC"/>
-              </a:solidFill>
-              <a:latin typeface="Consolas" panose="020B0609020204030204" pitchFamily="49" charset="0"/>
-            </a:endParaRPr>
-          </a:p>
-          <a:p>
-            <a:pPr lvl="0"/>
-            <a:r>
-              <a:rPr lang="en-US" sz="1100" b="1" dirty="0">
-                <a:solidFill>
-                  <a:srgbClr val="CE9178"/>
-                </a:solidFill>
-                <a:latin typeface="Consolas" panose="020B0609020204030204" pitchFamily="49" charset="0"/>
-              </a:rPr>
-              <a:t>Is the &lt;student's solution&gt; the same as actual solution just calculated:</a:t>
-            </a:r>
-            <a:endParaRPr lang="en-US" sz="1100" b="1" dirty="0">
-              <a:solidFill>
-                <a:srgbClr val="CCCCCC"/>
-              </a:solidFill>
-              <a:latin typeface="Consolas" panose="020B0609020204030204" pitchFamily="49" charset="0"/>
-            </a:endParaRPr>
-          </a:p>
-          <a:p>
-            <a:pPr lvl="0"/>
-            <a:r>
-              <a:rPr lang="en-US" sz="1100" dirty="0">
-                <a:solidFill>
-                  <a:srgbClr val="CE9178"/>
-                </a:solidFill>
-                <a:latin typeface="Consolas" panose="020B0609020204030204" pitchFamily="49" charset="0"/>
-              </a:rPr>
-              <a:t>```</a:t>
-            </a:r>
-            <a:endParaRPr lang="en-US" sz="1100" dirty="0">
-              <a:solidFill>
-                <a:srgbClr val="CCCCCC"/>
-              </a:solidFill>
-              <a:latin typeface="Consolas" panose="020B0609020204030204" pitchFamily="49" charset="0"/>
-            </a:endParaRPr>
-          </a:p>
-          <a:p>
-            <a:pPr lvl="0"/>
-            <a:r>
-              <a:rPr lang="en-US" sz="1100" i="1" dirty="0">
-                <a:solidFill>
-                  <a:schemeClr val="bg1">
-                    <a:lumMod val="50000"/>
-                  </a:schemeClr>
-                </a:solidFill>
-                <a:latin typeface="Consolas" panose="020B0609020204030204" pitchFamily="49" charset="0"/>
-              </a:rPr>
-              <a:t>yes or no</a:t>
-            </a:r>
-          </a:p>
-          <a:p>
-            <a:pPr lvl="0"/>
-            <a:r>
-              <a:rPr lang="en-US" sz="1100" dirty="0">
-                <a:solidFill>
-                  <a:srgbClr val="CE9178"/>
-                </a:solidFill>
-                <a:latin typeface="Consolas" panose="020B0609020204030204" pitchFamily="49" charset="0"/>
-              </a:rPr>
-              <a:t>```</a:t>
-            </a:r>
-            <a:endParaRPr lang="en-US" sz="1100" dirty="0">
-              <a:solidFill>
-                <a:srgbClr val="CCCCCC"/>
-              </a:solidFill>
-              <a:latin typeface="Consolas" panose="020B0609020204030204" pitchFamily="49" charset="0"/>
-            </a:endParaRPr>
-          </a:p>
-          <a:p>
-            <a:pPr lvl="0"/>
-            <a:r>
-              <a:rPr lang="en-US" sz="1100" b="1" dirty="0">
-                <a:solidFill>
-                  <a:srgbClr val="CE9178"/>
-                </a:solidFill>
-                <a:latin typeface="Consolas" panose="020B0609020204030204" pitchFamily="49" charset="0"/>
-              </a:rPr>
-              <a:t>Student grade:</a:t>
-            </a:r>
-            <a:endParaRPr lang="en-US" sz="1100" b="1" dirty="0">
-              <a:solidFill>
-                <a:srgbClr val="CCCCCC"/>
-              </a:solidFill>
-              <a:latin typeface="Consolas" panose="020B0609020204030204" pitchFamily="49" charset="0"/>
-            </a:endParaRPr>
-          </a:p>
-          <a:p>
-            <a:pPr lvl="0"/>
-            <a:r>
-              <a:rPr lang="en-US" sz="1100" dirty="0">
-                <a:solidFill>
-                  <a:srgbClr val="CE9178"/>
-                </a:solidFill>
-                <a:latin typeface="Consolas" panose="020B0609020204030204" pitchFamily="49" charset="0"/>
-              </a:rPr>
-              <a:t>```</a:t>
-            </a:r>
-            <a:endParaRPr lang="en-US" sz="1100" dirty="0">
-              <a:solidFill>
-                <a:srgbClr val="CCCCCC"/>
-              </a:solidFill>
-              <a:latin typeface="Consolas" panose="020B0609020204030204" pitchFamily="49" charset="0"/>
-            </a:endParaRPr>
-          </a:p>
-          <a:p>
-            <a:pPr lvl="0"/>
-            <a:r>
-              <a:rPr lang="en-US" sz="1100" i="1" dirty="0">
-                <a:solidFill>
-                  <a:schemeClr val="bg1">
-                    <a:lumMod val="50000"/>
-                  </a:schemeClr>
-                </a:solidFill>
-                <a:latin typeface="Consolas" panose="020B0609020204030204" pitchFamily="49" charset="0"/>
-              </a:rPr>
-              <a:t>correct or incorrect</a:t>
-            </a:r>
-          </a:p>
-          <a:p>
-            <a:pPr lvl="0"/>
-            <a:r>
-              <a:rPr lang="en-US" sz="1100" dirty="0">
-                <a:solidFill>
-                  <a:srgbClr val="CE9178"/>
-                </a:solidFill>
-                <a:latin typeface="Consolas" panose="020B0609020204030204" pitchFamily="49" charset="0"/>
-              </a:rPr>
-              <a:t>```</a:t>
-            </a:r>
-            <a:endParaRPr lang="en-US" sz="1100" dirty="0">
-              <a:solidFill>
-                <a:srgbClr val="CCCCCC"/>
-              </a:solidFill>
-              <a:latin typeface="Consolas" panose="020B0609020204030204" pitchFamily="49" charset="0"/>
-            </a:endParaRPr>
-          </a:p>
-          <a:p>
-            <a:pPr lvl="0"/>
-            <a:br>
-              <a:rPr lang="en-US" sz="1100" dirty="0">
-                <a:solidFill>
-                  <a:srgbClr val="CCCCCC"/>
-                </a:solidFill>
-                <a:latin typeface="Consolas" panose="020B0609020204030204" pitchFamily="49" charset="0"/>
-              </a:rPr>
-            </a:br>
-            <a:r>
-              <a:rPr lang="en-US" sz="1100" dirty="0">
-                <a:solidFill>
-                  <a:srgbClr val="CE9178"/>
-                </a:solidFill>
-                <a:latin typeface="Consolas" panose="020B0609020204030204" pitchFamily="49" charset="0"/>
-              </a:rPr>
-              <a:t>Question:</a:t>
-            </a:r>
-            <a:endParaRPr lang="en-US" sz="1100" dirty="0">
-              <a:solidFill>
-                <a:srgbClr val="CCCCCC"/>
-              </a:solidFill>
-              <a:latin typeface="Consolas" panose="020B0609020204030204" pitchFamily="49" charset="0"/>
-            </a:endParaRPr>
-          </a:p>
-          <a:p>
-            <a:pPr lvl="0"/>
-            <a:r>
-              <a:rPr lang="en-US" sz="1100" dirty="0">
-                <a:solidFill>
-                  <a:srgbClr val="CE9178"/>
-                </a:solidFill>
-                <a:latin typeface="Consolas" panose="020B0609020204030204" pitchFamily="49" charset="0"/>
-              </a:rPr>
-              <a:t>```</a:t>
-            </a:r>
-            <a:endParaRPr lang="en-US" sz="1100" dirty="0">
-              <a:solidFill>
-                <a:srgbClr val="CCCCCC"/>
-              </a:solidFill>
-              <a:latin typeface="Consolas" panose="020B0609020204030204" pitchFamily="49" charset="0"/>
-            </a:endParaRPr>
-          </a:p>
-          <a:p>
-            <a:pPr lvl="0"/>
-            <a:r>
-              <a:rPr lang="en-US" sz="1100" dirty="0">
-                <a:solidFill>
-                  <a:srgbClr val="9CDCFE"/>
-                </a:solidFill>
-                <a:latin typeface="Consolas" panose="020B0609020204030204" pitchFamily="49" charset="0"/>
-              </a:rPr>
-              <a:t>I'm building a solar power installation and I need help working out the financials. </a:t>
-            </a:r>
-          </a:p>
-          <a:p>
-            <a:pPr lvl="0"/>
-            <a:r>
-              <a:rPr lang="en-US" sz="1100" dirty="0">
-                <a:solidFill>
-                  <a:srgbClr val="9CDCFE"/>
-                </a:solidFill>
-                <a:latin typeface="Consolas" panose="020B0609020204030204" pitchFamily="49" charset="0"/>
-              </a:rPr>
-              <a:t>- Land costs $100 / square foot</a:t>
-            </a:r>
-          </a:p>
-          <a:p>
-            <a:pPr lvl="0"/>
-            <a:r>
-              <a:rPr lang="en-US" sz="1100" dirty="0">
-                <a:solidFill>
-                  <a:srgbClr val="9CDCFE"/>
-                </a:solidFill>
-                <a:latin typeface="Consolas" panose="020B0609020204030204" pitchFamily="49" charset="0"/>
-              </a:rPr>
-              <a:t>- I can buy solar panels for $250 / square foot</a:t>
-            </a:r>
-          </a:p>
-          <a:p>
-            <a:pPr lvl="0"/>
-            <a:r>
-              <a:rPr lang="en-US" sz="1100" dirty="0">
-                <a:solidFill>
-                  <a:srgbClr val="9CDCFE"/>
-                </a:solidFill>
-                <a:latin typeface="Consolas" panose="020B0609020204030204" pitchFamily="49" charset="0"/>
-              </a:rPr>
-              <a:t>- I negotiated a contract for maintenance that will cost me a flat $100k per year, and an additional $10 / square foot</a:t>
-            </a:r>
-          </a:p>
-          <a:p>
-            <a:pPr lvl="0"/>
-            <a:r>
-              <a:rPr lang="en-US" sz="1100" dirty="0">
-                <a:solidFill>
-                  <a:srgbClr val="9CDCFE"/>
-                </a:solidFill>
-                <a:latin typeface="Consolas" panose="020B0609020204030204" pitchFamily="49" charset="0"/>
-              </a:rPr>
-              <a:t>What is the total cost for the first year of operations as a function of the number of square feet.</a:t>
-            </a:r>
-          </a:p>
-          <a:p>
-            <a:pPr lvl="0"/>
-            <a:r>
-              <a:rPr lang="en-US" sz="1100" dirty="0">
-                <a:solidFill>
-                  <a:srgbClr val="CE9178"/>
-                </a:solidFill>
-                <a:latin typeface="Consolas" panose="020B0609020204030204" pitchFamily="49" charset="0"/>
-              </a:rPr>
-              <a:t>``` </a:t>
-            </a:r>
-            <a:endParaRPr lang="en-US" sz="1100" dirty="0">
-              <a:solidFill>
-                <a:srgbClr val="CCCCCC"/>
-              </a:solidFill>
-              <a:latin typeface="Consolas" panose="020B0609020204030204" pitchFamily="49" charset="0"/>
-            </a:endParaRPr>
-          </a:p>
-          <a:p>
-            <a:pPr lvl="0"/>
-            <a:r>
-              <a:rPr lang="en-US" sz="1100" dirty="0">
-                <a:solidFill>
-                  <a:srgbClr val="CE9178"/>
-                </a:solidFill>
-                <a:latin typeface="Consolas" panose="020B0609020204030204" pitchFamily="49" charset="0"/>
-              </a:rPr>
-              <a:t>Student's solution:</a:t>
-            </a:r>
-            <a:endParaRPr lang="en-US" sz="1100" dirty="0">
-              <a:solidFill>
-                <a:srgbClr val="CCCCCC"/>
-              </a:solidFill>
-              <a:latin typeface="Consolas" panose="020B0609020204030204" pitchFamily="49" charset="0"/>
-            </a:endParaRPr>
-          </a:p>
-          <a:p>
-            <a:pPr lvl="0"/>
-            <a:r>
-              <a:rPr lang="en-US" sz="1100" dirty="0">
-                <a:solidFill>
-                  <a:srgbClr val="CE9178"/>
-                </a:solidFill>
-                <a:latin typeface="Consolas" panose="020B0609020204030204" pitchFamily="49" charset="0"/>
-              </a:rPr>
-              <a:t>```</a:t>
-            </a:r>
-            <a:endParaRPr lang="en-US" sz="1100" dirty="0">
-              <a:solidFill>
-                <a:srgbClr val="CCCCCC"/>
-              </a:solidFill>
-              <a:latin typeface="Consolas" panose="020B0609020204030204" pitchFamily="49" charset="0"/>
-            </a:endParaRPr>
-          </a:p>
-          <a:p>
-            <a:pPr lvl="0"/>
-            <a:r>
-              <a:rPr lang="en-US" sz="1100" dirty="0">
-                <a:solidFill>
-                  <a:srgbClr val="9CDCFE"/>
-                </a:solidFill>
-                <a:latin typeface="Consolas" panose="020B0609020204030204" pitchFamily="49" charset="0"/>
-              </a:rPr>
-              <a:t>Let x be the size of the installation in square feet..</a:t>
-            </a:r>
-          </a:p>
-          <a:p>
-            <a:pPr lvl="0"/>
-            <a:r>
-              <a:rPr lang="en-US" sz="1100" dirty="0">
-                <a:solidFill>
-                  <a:srgbClr val="9CDCFE"/>
-                </a:solidFill>
-                <a:latin typeface="Consolas" panose="020B0609020204030204" pitchFamily="49" charset="0"/>
-              </a:rPr>
-              <a:t>Costs:</a:t>
-            </a:r>
-          </a:p>
-          <a:p>
-            <a:pPr lvl="0"/>
-            <a:r>
-              <a:rPr lang="en-US" sz="1100" dirty="0">
-                <a:solidFill>
-                  <a:srgbClr val="9CDCFE"/>
-                </a:solidFill>
-                <a:latin typeface="Consolas" panose="020B0609020204030204" pitchFamily="49" charset="0"/>
-              </a:rPr>
-              <a:t>1. Land cost: 100x</a:t>
-            </a:r>
-          </a:p>
-          <a:p>
-            <a:pPr lvl="0"/>
-            <a:r>
-              <a:rPr lang="en-US" sz="1100" dirty="0">
-                <a:solidFill>
-                  <a:srgbClr val="9CDCFE"/>
-                </a:solidFill>
-                <a:latin typeface="Consolas" panose="020B0609020204030204" pitchFamily="49" charset="0"/>
-              </a:rPr>
-              <a:t>2. Solar panel cost: 250x</a:t>
-            </a:r>
-          </a:p>
-          <a:p>
-            <a:pPr lvl="0"/>
-            <a:r>
-              <a:rPr lang="en-US" sz="1100" dirty="0">
-                <a:solidFill>
-                  <a:srgbClr val="9CDCFE"/>
-                </a:solidFill>
-                <a:latin typeface="Consolas" panose="020B0609020204030204" pitchFamily="49" charset="0"/>
-              </a:rPr>
-              <a:t>3. Maintenance cost: 100,000 + 100x</a:t>
-            </a:r>
-          </a:p>
-          <a:p>
-            <a:pPr lvl="0"/>
-            <a:r>
-              <a:rPr lang="en-US" sz="1100" dirty="0">
-                <a:solidFill>
-                  <a:srgbClr val="9CDCFE"/>
-                </a:solidFill>
-                <a:latin typeface="Consolas" panose="020B0609020204030204" pitchFamily="49" charset="0"/>
-              </a:rPr>
-              <a:t>Total cost: 100x + 250x + 100,000 + 100x = 450x + 100,000</a:t>
-            </a:r>
-          </a:p>
-          <a:p>
-            <a:pPr lvl="0"/>
-            <a:r>
-              <a:rPr lang="en-US" sz="1100" dirty="0">
-                <a:solidFill>
-                  <a:srgbClr val="CE9178"/>
-                </a:solidFill>
-                <a:latin typeface="Consolas" panose="020B0609020204030204" pitchFamily="49" charset="0"/>
-              </a:rPr>
-              <a:t>```</a:t>
-            </a:r>
-            <a:endParaRPr lang="en-US" sz="1100" dirty="0">
-              <a:solidFill>
-                <a:srgbClr val="CCCCCC"/>
-              </a:solidFill>
-              <a:latin typeface="Consolas" panose="020B0609020204030204" pitchFamily="49" charset="0"/>
-            </a:endParaRPr>
-          </a:p>
-          <a:p>
-            <a:pPr lvl="0"/>
-            <a:r>
-              <a:rPr lang="en-US" sz="1100" dirty="0">
-                <a:solidFill>
-                  <a:srgbClr val="CE9178"/>
-                </a:solidFill>
-                <a:latin typeface="Consolas" panose="020B0609020204030204" pitchFamily="49" charset="0"/>
-              </a:rPr>
-              <a:t>Actual solution:</a:t>
-            </a:r>
-            <a:endParaRPr lang="en-US" sz="1100" dirty="0">
-              <a:solidFill>
-                <a:srgbClr val="CCCCCC"/>
-              </a:solidFill>
-              <a:latin typeface="Consolas" panose="020B0609020204030204" pitchFamily="49" charset="0"/>
-            </a:endParaRPr>
-          </a:p>
-        </p:txBody>
-      </p:sp>
-      <p:grpSp>
-        <p:nvGrpSpPr>
-          <p:cNvPr id="11" name="Group 10">
-            <a:extLst>
-              <a:ext uri="{FF2B5EF4-FFF2-40B4-BE49-F238E27FC236}">
-                <a16:creationId xmlns:a16="http://schemas.microsoft.com/office/drawing/2014/main" id="{9CBED17E-1449-44A3-8DC3-7AAF9BBDBA09}"/>
-              </a:ext>
-            </a:extLst>
-          </p:cNvPr>
-          <p:cNvGrpSpPr/>
-          <p:nvPr/>
-        </p:nvGrpSpPr>
-        <p:grpSpPr>
-          <a:xfrm>
-            <a:off x="6438900" y="272611"/>
-            <a:ext cx="5905500" cy="3431709"/>
-            <a:chOff x="6438900" y="272610"/>
-            <a:chExt cx="5905500" cy="3431710"/>
-          </a:xfrm>
-        </p:grpSpPr>
-        <p:sp>
-          <p:nvSpPr>
-            <p:cNvPr id="7" name="TextBox 6">
-              <a:extLst>
-                <a:ext uri="{FF2B5EF4-FFF2-40B4-BE49-F238E27FC236}">
-                  <a16:creationId xmlns:a16="http://schemas.microsoft.com/office/drawing/2014/main" id="{7EA57524-944D-4ABB-BB17-063548387E92}"/>
-                </a:ext>
-              </a:extLst>
-            </p:cNvPr>
-            <p:cNvSpPr txBox="1"/>
-            <p:nvPr/>
-          </p:nvSpPr>
-          <p:spPr>
-            <a:xfrm>
-              <a:off x="6438900" y="272610"/>
-              <a:ext cx="5905500" cy="3431710"/>
-            </a:xfrm>
-            <a:prstGeom prst="rect">
-              <a:avLst/>
-            </a:prstGeom>
-            <a:noFill/>
-          </p:spPr>
-          <p:txBody>
-            <a:bodyPr wrap="square" rtlCol="0">
-              <a:spAutoFit/>
-            </a:bodyPr>
-            <a:lstStyle/>
-            <a:p>
-              <a:r>
-                <a:rPr lang="de-DE" sz="1600" b="1" dirty="0"/>
-                <a:t>Iterative Prompt Development:</a:t>
-              </a:r>
-            </a:p>
-            <a:p>
-              <a:endParaRPr lang="de-DE" sz="1600" dirty="0"/>
-            </a:p>
-            <a:p>
-              <a:endParaRPr lang="de-DE" sz="1600" dirty="0"/>
-            </a:p>
-            <a:p>
-              <a:endParaRPr lang="de-DE" sz="1600" dirty="0"/>
-            </a:p>
-            <a:p>
-              <a:endParaRPr lang="de-DE" sz="1600" dirty="0"/>
-            </a:p>
-            <a:p>
-              <a:endParaRPr lang="de-DE" sz="1600" dirty="0"/>
-            </a:p>
-            <a:p>
-              <a:endParaRPr lang="de-DE" sz="1600" dirty="0"/>
-            </a:p>
-            <a:p>
-              <a:endParaRPr lang="de-DE" sz="1600" dirty="0"/>
-            </a:p>
-            <a:p>
-              <a:endParaRPr lang="de-DE" sz="1600" dirty="0"/>
-            </a:p>
-            <a:p>
-              <a:r>
-                <a:rPr lang="de-DE" sz="1100" dirty="0"/>
-                <a:t>There is no perfect prompt for everything. Develop your prompt in an iterative way: </a:t>
-              </a:r>
-            </a:p>
-            <a:p>
-              <a:pPr marL="171455" indent="-171455">
-                <a:buFontTx/>
-                <a:buChar char="-"/>
-              </a:pPr>
-              <a:r>
-                <a:rPr lang="de-DE" sz="1100" dirty="0"/>
-                <a:t>Try something and be clear and specific.</a:t>
-              </a:r>
-            </a:p>
-            <a:p>
-              <a:pPr marL="171455" indent="-171455">
-                <a:buFontTx/>
-                <a:buChar char="-"/>
-              </a:pPr>
-              <a:r>
-                <a:rPr lang="de-DE" sz="1100" dirty="0"/>
-                <a:t>Analyze why result does not give desired output.</a:t>
-              </a:r>
-            </a:p>
-            <a:p>
-              <a:pPr marL="171455" indent="-171455">
-                <a:buFontTx/>
-                <a:buChar char="-"/>
-              </a:pPr>
-              <a:r>
-                <a:rPr lang="de-DE" sz="1100" dirty="0"/>
-                <a:t>Refine the idea and the prompt</a:t>
-              </a:r>
-            </a:p>
-            <a:p>
-              <a:pPr marL="171455" indent="-171455">
-                <a:buFontTx/>
-                <a:buChar char="-"/>
-              </a:pPr>
-              <a:r>
-                <a:rPr lang="de-DE" sz="1100" dirty="0"/>
-                <a:t>Repeat </a:t>
-              </a:r>
-              <a:br>
-                <a:rPr lang="de-DE" dirty="0"/>
-              </a:br>
-              <a:endParaRPr lang="en-US" dirty="0"/>
-            </a:p>
-          </p:txBody>
-        </p:sp>
-        <p:pic>
-          <p:nvPicPr>
-            <p:cNvPr id="9" name="Picture 8">
-              <a:extLst>
-                <a:ext uri="{FF2B5EF4-FFF2-40B4-BE49-F238E27FC236}">
-                  <a16:creationId xmlns:a16="http://schemas.microsoft.com/office/drawing/2014/main" id="{8D167C44-8DE4-48B4-B1FA-71D53149D86F}"/>
-                </a:ext>
-              </a:extLst>
-            </p:cNvPr>
-            <p:cNvPicPr>
-              <a:picLocks noChangeAspect="1"/>
-            </p:cNvPicPr>
-            <p:nvPr/>
-          </p:nvPicPr>
-          <p:blipFill>
-            <a:blip r:embed="rId2"/>
-            <a:stretch>
-              <a:fillRect/>
-            </a:stretch>
-          </p:blipFill>
-          <p:spPr>
-            <a:xfrm>
-              <a:off x="7296150" y="747942"/>
-              <a:ext cx="3219450" cy="1606050"/>
-            </a:xfrm>
-            <a:prstGeom prst="rect">
-              <a:avLst/>
-            </a:prstGeom>
-          </p:spPr>
-        </p:pic>
-      </p:grpSp>
-      <p:sp>
-        <p:nvSpPr>
-          <p:cNvPr id="12" name="Rectangle 11">
-            <a:extLst>
-              <a:ext uri="{FF2B5EF4-FFF2-40B4-BE49-F238E27FC236}">
-                <a16:creationId xmlns:a16="http://schemas.microsoft.com/office/drawing/2014/main" id="{B31DEDCE-580C-4E59-B5CD-5F58B7E661DE}"/>
-              </a:ext>
-            </a:extLst>
-          </p:cNvPr>
-          <p:cNvSpPr/>
-          <p:nvPr/>
-        </p:nvSpPr>
-        <p:spPr>
-          <a:xfrm>
-            <a:off x="438395" y="425011"/>
-            <a:ext cx="6152905" cy="4001095"/>
-          </a:xfrm>
-          <a:prstGeom prst="rect">
-            <a:avLst/>
-          </a:prstGeom>
-        </p:spPr>
-        <p:txBody>
-          <a:bodyPr wrap="square">
-            <a:spAutoFit/>
-          </a:bodyPr>
-          <a:lstStyle/>
-          <a:p>
-            <a:r>
-              <a:rPr lang="en-US" b="1" dirty="0">
-                <a:solidFill>
-                  <a:srgbClr val="569CD6"/>
-                </a:solidFill>
-              </a:rPr>
-              <a:t>Prompting Principles</a:t>
-            </a:r>
-            <a:endParaRPr lang="en-US" dirty="0">
-              <a:solidFill>
-                <a:srgbClr val="CCCCCC"/>
-              </a:solidFill>
-            </a:endParaRPr>
-          </a:p>
-          <a:p>
-            <a:r>
-              <a:rPr lang="en-US" sz="1600" b="1" dirty="0">
-                <a:solidFill>
-                  <a:srgbClr val="569CD6"/>
-                </a:solidFill>
-              </a:rPr>
-              <a:t>Principle 1: Write clear and specific instructions</a:t>
-            </a:r>
-          </a:p>
-          <a:p>
-            <a:r>
-              <a:rPr lang="en-US" sz="1400" b="1" dirty="0">
-                <a:solidFill>
-                  <a:srgbClr val="569CD6"/>
-                </a:solidFill>
-              </a:rPr>
-              <a:t>Tactic 1: Use delimiters:  </a:t>
-            </a:r>
-          </a:p>
-          <a:p>
-            <a:r>
-              <a:rPr lang="en-US" sz="1100" dirty="0">
-                <a:solidFill>
-                  <a:srgbClr val="CE9178"/>
-                </a:solidFill>
-                <a:latin typeface="Consolas" panose="020B0609020204030204" pitchFamily="49" charset="0"/>
-              </a:rPr>
-              <a:t>Summarize the text delimited by triple </a:t>
-            </a:r>
-            <a:r>
-              <a:rPr lang="en-US" sz="1100" dirty="0">
-                <a:solidFill>
-                  <a:schemeClr val="bg1">
-                    <a:lumMod val="50000"/>
-                  </a:schemeClr>
-                </a:solidFill>
-                <a:latin typeface="Consolas" panose="020B0609020204030204" pitchFamily="49" charset="0"/>
-              </a:rPr>
-              <a:t>&lt;backticks/quotes/tags&gt;</a:t>
-            </a:r>
-            <a:r>
-              <a:rPr lang="en-US" sz="1100" dirty="0">
-                <a:solidFill>
-                  <a:srgbClr val="CE9178"/>
-                </a:solidFill>
-                <a:latin typeface="Consolas" panose="020B0609020204030204" pitchFamily="49" charset="0"/>
-              </a:rPr>
-              <a:t> into a single sentence.</a:t>
-            </a:r>
-            <a:endParaRPr lang="en-US" sz="1100" dirty="0">
-              <a:solidFill>
-                <a:srgbClr val="CCCCCC"/>
-              </a:solidFill>
-              <a:latin typeface="Consolas" panose="020B0609020204030204" pitchFamily="49" charset="0"/>
-            </a:endParaRPr>
-          </a:p>
-          <a:p>
-            <a:r>
-              <a:rPr lang="en-US" sz="1100" dirty="0">
-                <a:solidFill>
-                  <a:srgbClr val="CE9178"/>
-                </a:solidFill>
-                <a:latin typeface="Consolas" panose="020B0609020204030204" pitchFamily="49" charset="0"/>
-              </a:rPr>
-              <a:t>```</a:t>
-            </a:r>
-            <a:r>
-              <a:rPr lang="en-US" sz="1100" dirty="0">
-                <a:solidFill>
-                  <a:srgbClr val="569CD6"/>
-                </a:solidFill>
-                <a:latin typeface="Consolas" panose="020B0609020204030204" pitchFamily="49" charset="0"/>
-              </a:rPr>
-              <a:t>{</a:t>
-            </a:r>
-            <a:r>
-              <a:rPr lang="en-US" sz="1100" dirty="0">
-                <a:solidFill>
-                  <a:srgbClr val="9CDCFE"/>
-                </a:solidFill>
-                <a:latin typeface="Consolas" panose="020B0609020204030204" pitchFamily="49" charset="0"/>
-              </a:rPr>
-              <a:t>text</a:t>
-            </a:r>
-            <a:r>
-              <a:rPr lang="en-US" sz="1100" dirty="0">
-                <a:solidFill>
-                  <a:srgbClr val="569CD6"/>
-                </a:solidFill>
-                <a:latin typeface="Consolas" panose="020B0609020204030204" pitchFamily="49" charset="0"/>
-              </a:rPr>
-              <a:t>}</a:t>
-            </a:r>
-            <a:r>
-              <a:rPr lang="en-US" sz="1100" dirty="0">
-                <a:solidFill>
-                  <a:srgbClr val="CE9178"/>
-                </a:solidFill>
-                <a:latin typeface="Consolas" panose="020B0609020204030204" pitchFamily="49" charset="0"/>
-              </a:rPr>
-              <a:t>```</a:t>
-            </a:r>
-          </a:p>
-          <a:p>
-            <a:endParaRPr lang="en-US" sz="1100" dirty="0">
-              <a:solidFill>
-                <a:srgbClr val="CCCCCC"/>
-              </a:solidFill>
-              <a:latin typeface="Consolas" panose="020B0609020204030204" pitchFamily="49" charset="0"/>
-            </a:endParaRPr>
-          </a:p>
-          <a:p>
-            <a:r>
-              <a:rPr lang="en-US" sz="1400" b="1" dirty="0">
-                <a:solidFill>
-                  <a:srgbClr val="569CD6"/>
-                </a:solidFill>
-                <a:latin typeface="Consolas" panose="020B0609020204030204" pitchFamily="49" charset="0"/>
-              </a:rPr>
-              <a:t>Tactic 2: Ask for a structured output: </a:t>
-            </a:r>
-          </a:p>
-          <a:p>
-            <a:r>
-              <a:rPr lang="en-US" sz="1100" dirty="0">
-                <a:solidFill>
-                  <a:srgbClr val="CE9178"/>
-                </a:solidFill>
-                <a:latin typeface="Consolas" panose="020B0609020204030204" pitchFamily="49" charset="0"/>
-              </a:rPr>
-              <a:t>Provide results in JSON format with the following keys: </a:t>
-            </a:r>
-            <a:r>
-              <a:rPr lang="en-US" sz="1100" dirty="0">
-                <a:solidFill>
-                  <a:schemeClr val="bg1">
-                    <a:lumMod val="50000"/>
-                  </a:schemeClr>
-                </a:solidFill>
-                <a:latin typeface="Consolas" panose="020B0609020204030204" pitchFamily="49" charset="0"/>
-              </a:rPr>
-              <a:t>&lt;book_id&gt;</a:t>
-            </a:r>
-            <a:r>
-              <a:rPr lang="en-US" sz="1100" dirty="0">
-                <a:solidFill>
-                  <a:srgbClr val="CE9178"/>
-                </a:solidFill>
-                <a:latin typeface="Consolas" panose="020B0609020204030204" pitchFamily="49" charset="0"/>
-              </a:rPr>
-              <a:t>, </a:t>
-            </a:r>
-            <a:r>
-              <a:rPr lang="en-US" sz="1100" dirty="0">
-                <a:solidFill>
-                  <a:schemeClr val="bg1">
-                    <a:lumMod val="50000"/>
-                  </a:schemeClr>
-                </a:solidFill>
-                <a:latin typeface="Consolas" panose="020B0609020204030204" pitchFamily="49" charset="0"/>
-              </a:rPr>
-              <a:t>&lt;title&gt;</a:t>
-            </a:r>
-            <a:r>
-              <a:rPr lang="en-US" sz="1100" dirty="0">
-                <a:solidFill>
-                  <a:srgbClr val="CE9178"/>
-                </a:solidFill>
-                <a:latin typeface="Consolas" panose="020B0609020204030204" pitchFamily="49" charset="0"/>
-              </a:rPr>
-              <a:t>, </a:t>
-            </a:r>
-            <a:r>
-              <a:rPr lang="en-US" sz="1100" dirty="0">
-                <a:solidFill>
-                  <a:schemeClr val="bg1">
-                    <a:lumMod val="50000"/>
-                  </a:schemeClr>
-                </a:solidFill>
-                <a:latin typeface="Consolas" panose="020B0609020204030204" pitchFamily="49" charset="0"/>
-              </a:rPr>
-              <a:t>&lt;author&gt;</a:t>
-            </a:r>
-            <a:r>
-              <a:rPr lang="en-US" sz="1100" dirty="0">
-                <a:solidFill>
-                  <a:srgbClr val="CE9178"/>
-                </a:solidFill>
-                <a:latin typeface="Consolas" panose="020B0609020204030204" pitchFamily="49" charset="0"/>
-              </a:rPr>
-              <a:t>, </a:t>
-            </a:r>
-            <a:r>
-              <a:rPr lang="en-US" sz="1100" dirty="0">
-                <a:solidFill>
-                  <a:schemeClr val="bg1">
-                    <a:lumMod val="50000"/>
-                  </a:schemeClr>
-                </a:solidFill>
-                <a:latin typeface="Consolas" panose="020B0609020204030204" pitchFamily="49" charset="0"/>
-              </a:rPr>
-              <a:t>&lt;genre&gt;</a:t>
-            </a:r>
-            <a:r>
-              <a:rPr lang="en-US" sz="1100" dirty="0">
-                <a:solidFill>
-                  <a:srgbClr val="CE9178"/>
-                </a:solidFill>
-                <a:latin typeface="Consolas" panose="020B0609020204030204" pitchFamily="49" charset="0"/>
-              </a:rPr>
-              <a:t>.</a:t>
-            </a:r>
-          </a:p>
-          <a:p>
-            <a:endParaRPr lang="en-US" dirty="0">
-              <a:solidFill>
-                <a:srgbClr val="CCCCCC"/>
-              </a:solidFill>
-              <a:latin typeface="Consolas" panose="020B0609020204030204" pitchFamily="49" charset="0"/>
-            </a:endParaRPr>
-          </a:p>
-          <a:p>
-            <a:r>
-              <a:rPr lang="en-US" sz="1400" b="1" dirty="0">
-                <a:solidFill>
-                  <a:srgbClr val="569CD6"/>
-                </a:solidFill>
-                <a:latin typeface="Consolas" panose="020B0609020204030204" pitchFamily="49" charset="0"/>
-              </a:rPr>
-              <a:t>Tactic 3: Ask the model to check whether conditions are satisfied: </a:t>
-            </a:r>
-            <a:r>
-              <a:rPr lang="en-US" sz="1100" dirty="0">
-                <a:solidFill>
-                  <a:srgbClr val="CE9178"/>
-                </a:solidFill>
-                <a:latin typeface="Consolas" panose="020B0609020204030204" pitchFamily="49" charset="0"/>
-              </a:rPr>
-              <a:t>If the text does not contain </a:t>
-            </a:r>
-            <a:r>
-              <a:rPr lang="en-US" sz="1100" dirty="0">
-                <a:solidFill>
-                  <a:schemeClr val="bg1">
-                    <a:lumMod val="50000"/>
-                  </a:schemeClr>
-                </a:solidFill>
-                <a:latin typeface="Consolas" panose="020B0609020204030204" pitchFamily="49" charset="0"/>
-              </a:rPr>
-              <a:t>&lt;something&gt;</a:t>
-            </a:r>
-            <a:r>
-              <a:rPr lang="en-US" sz="1100" dirty="0">
-                <a:solidFill>
-                  <a:srgbClr val="CCCCCC"/>
-                </a:solidFill>
-                <a:latin typeface="Consolas" panose="020B0609020204030204" pitchFamily="49" charset="0"/>
-              </a:rPr>
-              <a:t> </a:t>
-            </a:r>
-            <a:r>
-              <a:rPr lang="en-US" sz="1100" dirty="0">
-                <a:solidFill>
-                  <a:srgbClr val="CE9178"/>
-                </a:solidFill>
-                <a:latin typeface="Consolas" panose="020B0609020204030204" pitchFamily="49" charset="0"/>
-              </a:rPr>
-              <a:t>then simply write </a:t>
-            </a:r>
-            <a:r>
-              <a:rPr lang="en-US" sz="1100" dirty="0">
-                <a:solidFill>
-                  <a:schemeClr val="bg1">
-                    <a:lumMod val="50000"/>
-                  </a:schemeClr>
-                </a:solidFill>
-                <a:latin typeface="Consolas" panose="020B0609020204030204" pitchFamily="49" charset="0"/>
-              </a:rPr>
-              <a:t>“&lt;something&gt;“</a:t>
-            </a:r>
-          </a:p>
-          <a:p>
-            <a:endParaRPr lang="de-DE" sz="1100" dirty="0">
-              <a:solidFill>
-                <a:srgbClr val="D7BA7D"/>
-              </a:solidFill>
-              <a:latin typeface="Consolas" panose="020B0609020204030204" pitchFamily="49" charset="0"/>
-            </a:endParaRPr>
-          </a:p>
-          <a:p>
-            <a:r>
-              <a:rPr lang="en-US" sz="1400" b="1" dirty="0">
-                <a:solidFill>
-                  <a:srgbClr val="569CD6"/>
-                </a:solidFill>
-                <a:latin typeface="Consolas" panose="020B0609020204030204" pitchFamily="49" charset="0"/>
-              </a:rPr>
-              <a:t>Tactic 4: "Few-shot" prompting: </a:t>
-            </a:r>
-          </a:p>
-          <a:p>
-            <a:r>
-              <a:rPr lang="en-US" sz="1100" dirty="0">
-                <a:solidFill>
-                  <a:srgbClr val="CE9178"/>
-                </a:solidFill>
-                <a:latin typeface="Consolas" panose="020B0609020204030204" pitchFamily="49" charset="0"/>
-              </a:rPr>
-              <a:t>Your task is to answer in a consistent style.</a:t>
-            </a:r>
-            <a:br>
-              <a:rPr lang="en-US" sz="1100" dirty="0">
-                <a:solidFill>
-                  <a:srgbClr val="CCCCCC"/>
-                </a:solidFill>
-                <a:latin typeface="Consolas" panose="020B0609020204030204" pitchFamily="49" charset="0"/>
-              </a:rPr>
-            </a:br>
-            <a:r>
-              <a:rPr lang="en-US" sz="1100" dirty="0">
-                <a:solidFill>
-                  <a:srgbClr val="CE9178"/>
-                </a:solidFill>
-                <a:latin typeface="Consolas" panose="020B0609020204030204" pitchFamily="49" charset="0"/>
-              </a:rPr>
-              <a:t>&lt;</a:t>
-            </a:r>
-            <a:r>
-              <a:rPr lang="en-US" sz="1100" dirty="0">
-                <a:solidFill>
-                  <a:schemeClr val="bg1">
-                    <a:lumMod val="50000"/>
-                  </a:schemeClr>
-                </a:solidFill>
-                <a:latin typeface="Consolas" panose="020B0609020204030204" pitchFamily="49" charset="0"/>
-              </a:rPr>
-              <a:t>student</a:t>
-            </a:r>
-            <a:r>
-              <a:rPr lang="en-US" sz="1100" dirty="0">
-                <a:solidFill>
-                  <a:srgbClr val="CE9178"/>
-                </a:solidFill>
-                <a:latin typeface="Consolas" panose="020B0609020204030204" pitchFamily="49" charset="0"/>
-              </a:rPr>
-              <a:t>&gt;: text/question</a:t>
-            </a:r>
-            <a:br>
-              <a:rPr lang="en-US" sz="1100" dirty="0">
-                <a:solidFill>
-                  <a:srgbClr val="CCCCCC"/>
-                </a:solidFill>
-                <a:latin typeface="Consolas" panose="020B0609020204030204" pitchFamily="49" charset="0"/>
-              </a:rPr>
-            </a:br>
-            <a:r>
-              <a:rPr lang="en-US" sz="1100" dirty="0">
-                <a:solidFill>
-                  <a:srgbClr val="CE9178"/>
-                </a:solidFill>
-                <a:latin typeface="Consolas" panose="020B0609020204030204" pitchFamily="49" charset="0"/>
-              </a:rPr>
-              <a:t>&lt;</a:t>
-            </a:r>
-            <a:r>
-              <a:rPr lang="en-US" sz="1100" dirty="0">
-                <a:solidFill>
-                  <a:schemeClr val="bg1">
-                    <a:lumMod val="50000"/>
-                  </a:schemeClr>
-                </a:solidFill>
-                <a:latin typeface="Consolas" panose="020B0609020204030204" pitchFamily="49" charset="0"/>
-              </a:rPr>
-              <a:t>teacher</a:t>
-            </a:r>
-            <a:r>
-              <a:rPr lang="en-US" sz="1100" dirty="0">
-                <a:solidFill>
-                  <a:srgbClr val="CE9178"/>
-                </a:solidFill>
-                <a:latin typeface="Consolas" panose="020B0609020204030204" pitchFamily="49" charset="0"/>
-              </a:rPr>
-              <a:t>&gt;: text/answer</a:t>
-            </a:r>
-            <a:br>
-              <a:rPr lang="en-US" sz="1100" dirty="0">
-                <a:solidFill>
-                  <a:srgbClr val="CCCCCC"/>
-                </a:solidFill>
-                <a:latin typeface="Consolas" panose="020B0609020204030204" pitchFamily="49" charset="0"/>
-              </a:rPr>
-            </a:br>
-            <a:r>
-              <a:rPr lang="en-US" sz="1100" dirty="0">
-                <a:solidFill>
-                  <a:srgbClr val="CE9178"/>
-                </a:solidFill>
-                <a:latin typeface="Consolas" panose="020B0609020204030204" pitchFamily="49" charset="0"/>
-              </a:rPr>
-              <a:t>&lt;</a:t>
-            </a:r>
-            <a:r>
-              <a:rPr lang="en-US" sz="1100" dirty="0">
-                <a:solidFill>
-                  <a:schemeClr val="bg1">
-                    <a:lumMod val="50000"/>
-                  </a:schemeClr>
-                </a:solidFill>
-                <a:latin typeface="Consolas" panose="020B0609020204030204" pitchFamily="49" charset="0"/>
-              </a:rPr>
-              <a:t>student</a:t>
-            </a:r>
-            <a:r>
-              <a:rPr lang="en-US" sz="1100" dirty="0">
-                <a:solidFill>
-                  <a:srgbClr val="CE9178"/>
-                </a:solidFill>
-                <a:latin typeface="Consolas" panose="020B0609020204030204" pitchFamily="49" charset="0"/>
-              </a:rPr>
-              <a:t>&gt;: text/question</a:t>
-            </a:r>
-            <a:endParaRPr lang="en-US" sz="1100" dirty="0">
-              <a:solidFill>
-                <a:srgbClr val="CCCCCC"/>
-              </a:solidFill>
-              <a:latin typeface="Consolas" panose="020B0609020204030204" pitchFamily="49" charset="0"/>
-            </a:endParaRPr>
-          </a:p>
-        </p:txBody>
-      </p:sp>
-      <p:sp>
-        <p:nvSpPr>
-          <p:cNvPr id="13" name="Rectangle 12">
-            <a:extLst>
-              <a:ext uri="{FF2B5EF4-FFF2-40B4-BE49-F238E27FC236}">
-                <a16:creationId xmlns:a16="http://schemas.microsoft.com/office/drawing/2014/main" id="{694BF023-8EBC-4E0F-BC6B-B3C33DA8A5A2}"/>
-              </a:ext>
-            </a:extLst>
-          </p:cNvPr>
-          <p:cNvSpPr/>
-          <p:nvPr/>
-        </p:nvSpPr>
-        <p:spPr>
-          <a:xfrm>
-            <a:off x="6591300" y="7408593"/>
-            <a:ext cx="6152905" cy="4201150"/>
-          </a:xfrm>
-          <a:prstGeom prst="rect">
-            <a:avLst/>
-          </a:prstGeom>
-        </p:spPr>
-        <p:txBody>
-          <a:bodyPr wrap="square">
-            <a:spAutoFit/>
-          </a:bodyPr>
-          <a:lstStyle/>
-          <a:p>
-            <a:r>
-              <a:rPr lang="de-DE" b="1" dirty="0">
-                <a:solidFill>
-                  <a:srgbClr val="569CD6"/>
-                </a:solidFill>
-              </a:rPr>
-              <a:t>Summarize vs. Extract</a:t>
-            </a:r>
-            <a:r>
-              <a:rPr lang="en-US" b="1" dirty="0">
-                <a:solidFill>
-                  <a:srgbClr val="569CD6"/>
-                </a:solidFill>
-              </a:rPr>
-              <a:t>:</a:t>
-            </a:r>
-          </a:p>
-          <a:p>
-            <a:pPr marL="171455" indent="-171455">
-              <a:buFont typeface="Arial" panose="020B0604020202020204" pitchFamily="34" charset="0"/>
-              <a:buChar char="•"/>
-            </a:pPr>
-            <a:r>
-              <a:rPr lang="en-US" sz="1100" dirty="0"/>
-              <a:t>Summaries include topics that my not be related to the topic of focus.</a:t>
-            </a:r>
-            <a:endParaRPr lang="en-US" sz="1100" b="1" dirty="0"/>
-          </a:p>
-          <a:p>
-            <a:r>
-              <a:rPr lang="en-US" sz="1100" dirty="0">
-                <a:solidFill>
-                  <a:srgbClr val="CE9178"/>
-                </a:solidFill>
-                <a:latin typeface="Consolas" panose="020B0609020204030204" pitchFamily="49" charset="0"/>
-              </a:rPr>
-              <a:t>Your task is to generate a short summary of a </a:t>
-            </a:r>
-            <a:r>
-              <a:rPr lang="en-US" sz="1100" dirty="0">
-                <a:solidFill>
-                  <a:schemeClr val="bg1">
-                    <a:lumMod val="50000"/>
-                  </a:schemeClr>
-                </a:solidFill>
-                <a:latin typeface="Consolas" panose="020B0609020204030204" pitchFamily="49" charset="0"/>
-              </a:rPr>
-              <a:t>&lt;product_review&gt;</a:t>
-            </a:r>
-            <a:r>
-              <a:rPr lang="en-US" sz="1100" dirty="0">
-                <a:solidFill>
-                  <a:srgbClr val="CE9178"/>
-                </a:solidFill>
-                <a:latin typeface="Consolas" panose="020B0609020204030204" pitchFamily="49" charset="0"/>
-              </a:rPr>
-              <a:t> from an </a:t>
-            </a:r>
-            <a:r>
-              <a:rPr lang="en-US" sz="1100" dirty="0">
-                <a:solidFill>
-                  <a:schemeClr val="bg1">
-                    <a:lumMod val="50000"/>
-                  </a:schemeClr>
-                </a:solidFill>
-                <a:latin typeface="Consolas" panose="020B0609020204030204" pitchFamily="49" charset="0"/>
-              </a:rPr>
-              <a:t>&lt;ecommerce_site&gt; </a:t>
-            </a:r>
-            <a:r>
-              <a:rPr lang="en-US" sz="1100" dirty="0">
-                <a:solidFill>
-                  <a:srgbClr val="CE9178"/>
-                </a:solidFill>
-                <a:latin typeface="Consolas" panose="020B0609020204030204" pitchFamily="49" charset="0"/>
-              </a:rPr>
-              <a:t>to give feedback to the </a:t>
-            </a:r>
-            <a:r>
-              <a:rPr lang="en-US" sz="1100" dirty="0">
-                <a:solidFill>
-                  <a:schemeClr val="bg1">
-                    <a:lumMod val="50000"/>
-                  </a:schemeClr>
-                </a:solidFill>
-                <a:latin typeface="Consolas" panose="020B0609020204030204" pitchFamily="49" charset="0"/>
-              </a:rPr>
-              <a:t>&lt;pricing_department&gt;</a:t>
-            </a:r>
-            <a:r>
-              <a:rPr lang="en-US" sz="1100" dirty="0">
-                <a:solidFill>
-                  <a:srgbClr val="CE9178"/>
-                </a:solidFill>
-                <a:latin typeface="Consolas" panose="020B0609020204030204" pitchFamily="49" charset="0"/>
-              </a:rPr>
-              <a:t>, responsible for determining the price of the product.  </a:t>
-            </a:r>
-            <a:endParaRPr lang="en-US" sz="1100" dirty="0">
-              <a:solidFill>
-                <a:srgbClr val="CCCCCC"/>
-              </a:solidFill>
-              <a:latin typeface="Consolas" panose="020B0609020204030204" pitchFamily="49" charset="0"/>
-            </a:endParaRPr>
-          </a:p>
-          <a:p>
-            <a:br>
-              <a:rPr lang="en-US" sz="1100" dirty="0">
-                <a:solidFill>
-                  <a:srgbClr val="CCCCCC"/>
-                </a:solidFill>
-                <a:latin typeface="Consolas" panose="020B0609020204030204" pitchFamily="49" charset="0"/>
-              </a:rPr>
-            </a:br>
-            <a:r>
-              <a:rPr lang="en-US" sz="1100" dirty="0">
-                <a:solidFill>
-                  <a:srgbClr val="CE9178"/>
-                </a:solidFill>
-                <a:latin typeface="Consolas" panose="020B0609020204030204" pitchFamily="49" charset="0"/>
-              </a:rPr>
-              <a:t>Summarize the review below, delimited by triple backticks, in at most 30 words, and focusing on any aspects that are relevant to the price and perceived value. </a:t>
-            </a:r>
-            <a:endParaRPr lang="en-US" sz="1100" dirty="0">
-              <a:solidFill>
-                <a:srgbClr val="CCCCCC"/>
-              </a:solidFill>
-              <a:latin typeface="Consolas" panose="020B0609020204030204" pitchFamily="49" charset="0"/>
-            </a:endParaRPr>
-          </a:p>
-          <a:p>
-            <a:br>
-              <a:rPr lang="en-US" sz="1100" dirty="0">
-                <a:solidFill>
-                  <a:srgbClr val="CCCCCC"/>
-                </a:solidFill>
-                <a:latin typeface="Consolas" panose="020B0609020204030204" pitchFamily="49" charset="0"/>
-              </a:rPr>
-            </a:br>
-            <a:r>
-              <a:rPr lang="en-US" sz="1100" dirty="0">
-                <a:solidFill>
-                  <a:srgbClr val="CE9178"/>
-                </a:solidFill>
-                <a:latin typeface="Consolas" panose="020B0609020204030204" pitchFamily="49" charset="0"/>
-              </a:rPr>
-              <a:t>Review: ```</a:t>
-            </a:r>
-            <a:r>
-              <a:rPr lang="en-US" sz="1100" dirty="0">
-                <a:solidFill>
-                  <a:srgbClr val="569CD6"/>
-                </a:solidFill>
-                <a:latin typeface="Consolas" panose="020B0609020204030204" pitchFamily="49" charset="0"/>
-              </a:rPr>
-              <a:t>{</a:t>
-            </a:r>
-            <a:r>
-              <a:rPr lang="en-US" sz="1100" dirty="0">
-                <a:solidFill>
-                  <a:srgbClr val="9CDCFE"/>
-                </a:solidFill>
-                <a:latin typeface="Consolas" panose="020B0609020204030204" pitchFamily="49" charset="0"/>
-              </a:rPr>
-              <a:t>prod_review</a:t>
-            </a:r>
-            <a:r>
-              <a:rPr lang="en-US" sz="1100" dirty="0">
-                <a:solidFill>
-                  <a:srgbClr val="569CD6"/>
-                </a:solidFill>
-                <a:latin typeface="Consolas" panose="020B0609020204030204" pitchFamily="49" charset="0"/>
-              </a:rPr>
-              <a:t>}</a:t>
-            </a:r>
-            <a:r>
-              <a:rPr lang="en-US" sz="1100" dirty="0">
-                <a:solidFill>
-                  <a:srgbClr val="CE9178"/>
-                </a:solidFill>
-                <a:latin typeface="Consolas" panose="020B0609020204030204" pitchFamily="49" charset="0"/>
-              </a:rPr>
-              <a:t>```</a:t>
-            </a:r>
-          </a:p>
-          <a:p>
-            <a:r>
-              <a:rPr lang="de-DE" sz="1100" dirty="0">
-                <a:solidFill>
-                  <a:srgbClr val="CE9178"/>
-                </a:solidFill>
-                <a:latin typeface="Consolas" panose="020B0609020204030204" pitchFamily="49" charset="0"/>
-              </a:rPr>
-              <a:t>------------------------------------------------------------------------------</a:t>
-            </a:r>
-          </a:p>
-          <a:p>
-            <a:r>
-              <a:rPr lang="en-US" sz="1100" dirty="0">
-                <a:solidFill>
-                  <a:srgbClr val="CE9178"/>
-                </a:solidFill>
-                <a:latin typeface="Consolas" panose="020B0609020204030204" pitchFamily="49" charset="0"/>
-              </a:rPr>
-              <a:t>Your task is to extract relevant information from a </a:t>
-            </a:r>
-            <a:r>
-              <a:rPr lang="en-US" sz="1100" dirty="0">
-                <a:solidFill>
-                  <a:schemeClr val="bg1">
-                    <a:lumMod val="50000"/>
-                  </a:schemeClr>
-                </a:solidFill>
-                <a:latin typeface="Consolas" panose="020B0609020204030204" pitchFamily="49" charset="0"/>
-              </a:rPr>
-              <a:t>&lt;product_review&gt; </a:t>
-            </a:r>
-            <a:r>
-              <a:rPr lang="en-US" sz="1100" dirty="0">
-                <a:solidFill>
-                  <a:srgbClr val="CE9178"/>
-                </a:solidFill>
-                <a:latin typeface="Consolas" panose="020B0609020204030204" pitchFamily="49" charset="0"/>
-              </a:rPr>
-              <a:t>from an </a:t>
-            </a:r>
-            <a:r>
-              <a:rPr lang="en-US" sz="1100" dirty="0">
-                <a:solidFill>
-                  <a:schemeClr val="bg1">
-                    <a:lumMod val="50000"/>
-                  </a:schemeClr>
-                </a:solidFill>
-                <a:latin typeface="Consolas" panose="020B0609020204030204" pitchFamily="49" charset="0"/>
-              </a:rPr>
-              <a:t>&lt;ecommerce_site&gt; </a:t>
-            </a:r>
-            <a:r>
-              <a:rPr lang="en-US" sz="1100" dirty="0">
-                <a:solidFill>
-                  <a:srgbClr val="CE9178"/>
-                </a:solidFill>
-                <a:latin typeface="Consolas" panose="020B0609020204030204" pitchFamily="49" charset="0"/>
-              </a:rPr>
-              <a:t>to give feedback to the Shipping department. </a:t>
-            </a:r>
-            <a:endParaRPr lang="en-US" sz="1100" dirty="0">
-              <a:solidFill>
-                <a:srgbClr val="CCCCCC"/>
-              </a:solidFill>
-              <a:latin typeface="Consolas" panose="020B0609020204030204" pitchFamily="49" charset="0"/>
-            </a:endParaRPr>
-          </a:p>
-          <a:p>
-            <a:br>
-              <a:rPr lang="en-US" sz="1100" dirty="0">
-                <a:solidFill>
-                  <a:srgbClr val="CCCCCC"/>
-                </a:solidFill>
-                <a:latin typeface="Consolas" panose="020B0609020204030204" pitchFamily="49" charset="0"/>
-              </a:rPr>
-            </a:br>
-            <a:r>
-              <a:rPr lang="en-US" sz="1100" dirty="0">
-                <a:solidFill>
-                  <a:srgbClr val="CE9178"/>
-                </a:solidFill>
-                <a:latin typeface="Consolas" panose="020B0609020204030204" pitchFamily="49" charset="0"/>
-              </a:rPr>
-              <a:t>From the review below, delimited by triple quotes extract the information relevant to </a:t>
-            </a:r>
-            <a:r>
-              <a:rPr lang="en-US" sz="1100" dirty="0">
-                <a:solidFill>
-                  <a:schemeClr val="bg1">
-                    <a:lumMod val="50000"/>
-                  </a:schemeClr>
-                </a:solidFill>
-                <a:latin typeface="Consolas" panose="020B0609020204030204" pitchFamily="49" charset="0"/>
-              </a:rPr>
-              <a:t>&lt;shipping and delivery&gt;</a:t>
-            </a:r>
-            <a:r>
-              <a:rPr lang="en-US" sz="1100" dirty="0">
-                <a:solidFill>
-                  <a:srgbClr val="CE9178"/>
-                </a:solidFill>
-                <a:latin typeface="Consolas" panose="020B0609020204030204" pitchFamily="49" charset="0"/>
-              </a:rPr>
-              <a:t>. Limit to 30 words. </a:t>
-            </a:r>
-            <a:endParaRPr lang="en-US" sz="1100" dirty="0">
-              <a:solidFill>
-                <a:srgbClr val="CCCCCC"/>
-              </a:solidFill>
-              <a:latin typeface="Consolas" panose="020B0609020204030204" pitchFamily="49" charset="0"/>
-            </a:endParaRPr>
-          </a:p>
-          <a:p>
-            <a:br>
-              <a:rPr lang="en-US" sz="1100" dirty="0">
-                <a:solidFill>
-                  <a:srgbClr val="CCCCCC"/>
-                </a:solidFill>
-                <a:latin typeface="Consolas" panose="020B0609020204030204" pitchFamily="49" charset="0"/>
-              </a:rPr>
-            </a:br>
-            <a:r>
-              <a:rPr lang="en-US" sz="1100" dirty="0">
-                <a:solidFill>
-                  <a:srgbClr val="CE9178"/>
-                </a:solidFill>
-                <a:latin typeface="Consolas" panose="020B0609020204030204" pitchFamily="49" charset="0"/>
-              </a:rPr>
-              <a:t>Review: ```</a:t>
-            </a:r>
-            <a:r>
-              <a:rPr lang="en-US" sz="1100" dirty="0">
-                <a:solidFill>
-                  <a:srgbClr val="569CD6"/>
-                </a:solidFill>
-                <a:latin typeface="Consolas" panose="020B0609020204030204" pitchFamily="49" charset="0"/>
-              </a:rPr>
-              <a:t>{</a:t>
-            </a:r>
-            <a:r>
-              <a:rPr lang="en-US" sz="1100" dirty="0">
-                <a:solidFill>
-                  <a:srgbClr val="9CDCFE"/>
-                </a:solidFill>
-                <a:latin typeface="Consolas" panose="020B0609020204030204" pitchFamily="49" charset="0"/>
-              </a:rPr>
-              <a:t>prod_review</a:t>
-            </a:r>
-            <a:r>
-              <a:rPr lang="en-US" sz="1100" dirty="0">
-                <a:solidFill>
-                  <a:srgbClr val="569CD6"/>
-                </a:solidFill>
-                <a:latin typeface="Consolas" panose="020B0609020204030204" pitchFamily="49" charset="0"/>
-              </a:rPr>
-              <a:t>}</a:t>
-            </a:r>
-            <a:r>
-              <a:rPr lang="en-US" sz="1100" dirty="0">
-                <a:solidFill>
-                  <a:srgbClr val="CE9178"/>
-                </a:solidFill>
-                <a:latin typeface="Consolas" panose="020B0609020204030204" pitchFamily="49" charset="0"/>
-              </a:rPr>
-              <a:t>```</a:t>
-            </a:r>
-            <a:endParaRPr lang="en-US" sz="1100" dirty="0">
-              <a:solidFill>
-                <a:srgbClr val="CCCCCC"/>
-              </a:solidFill>
-              <a:latin typeface="Consolas" panose="020B0609020204030204" pitchFamily="49" charset="0"/>
-            </a:endParaRPr>
-          </a:p>
-          <a:p>
-            <a:endParaRPr lang="en-US" sz="1100" dirty="0">
-              <a:solidFill>
-                <a:srgbClr val="CE9178"/>
-              </a:solidFill>
-              <a:latin typeface="Consolas" panose="020B0609020204030204" pitchFamily="49" charset="0"/>
-            </a:endParaRPr>
-          </a:p>
-          <a:p>
-            <a:endParaRPr lang="de-DE" sz="1100" dirty="0">
-              <a:solidFill>
-                <a:srgbClr val="CE9178"/>
-              </a:solidFill>
-              <a:latin typeface="Consolas" panose="020B0609020204030204" pitchFamily="49" charset="0"/>
-            </a:endParaRPr>
-          </a:p>
-          <a:p>
-            <a:endParaRPr lang="en-US" sz="1100" dirty="0">
-              <a:solidFill>
-                <a:srgbClr val="CCCCCC"/>
-              </a:solidFill>
-              <a:latin typeface="Consolas" panose="020B0609020204030204" pitchFamily="49" charset="0"/>
-            </a:endParaRPr>
-          </a:p>
-          <a:p>
-            <a:endParaRPr lang="en-US" dirty="0">
-              <a:solidFill>
-                <a:srgbClr val="CCCCCC"/>
-              </a:solidFill>
-            </a:endParaRPr>
-          </a:p>
-        </p:txBody>
-      </p:sp>
-      <p:sp>
-        <p:nvSpPr>
-          <p:cNvPr id="14" name="Rectangle 13">
-            <a:extLst>
-              <a:ext uri="{FF2B5EF4-FFF2-40B4-BE49-F238E27FC236}">
-                <a16:creationId xmlns:a16="http://schemas.microsoft.com/office/drawing/2014/main" id="{91704034-7381-40E2-B812-E5D32769C3EB}"/>
-              </a:ext>
-            </a:extLst>
-          </p:cNvPr>
-          <p:cNvSpPr/>
-          <p:nvPr/>
-        </p:nvSpPr>
-        <p:spPr>
-          <a:xfrm>
-            <a:off x="6591300" y="11149237"/>
-            <a:ext cx="6152905" cy="6294031"/>
-          </a:xfrm>
-          <a:prstGeom prst="rect">
-            <a:avLst/>
-          </a:prstGeom>
-        </p:spPr>
-        <p:txBody>
-          <a:bodyPr wrap="square">
-            <a:spAutoFit/>
-          </a:bodyPr>
-          <a:lstStyle/>
-          <a:p>
-            <a:r>
-              <a:rPr lang="de-DE" b="1" dirty="0">
-                <a:solidFill>
-                  <a:srgbClr val="569CD6"/>
-                </a:solidFill>
-              </a:rPr>
-              <a:t>Inferring</a:t>
-            </a:r>
-            <a:r>
-              <a:rPr lang="en-US" b="1" dirty="0">
-                <a:solidFill>
-                  <a:srgbClr val="569CD6"/>
-                </a:solidFill>
-              </a:rPr>
-              <a:t>:</a:t>
-            </a:r>
-          </a:p>
-          <a:p>
-            <a:pPr marL="171455" indent="-171455">
-              <a:buFont typeface="Arial" panose="020B0604020202020204" pitchFamily="34" charset="0"/>
-              <a:buChar char="•"/>
-            </a:pPr>
-            <a:r>
-              <a:rPr lang="en-US" sz="1100" dirty="0"/>
-              <a:t>Inferring tasks mean that the model takes a text as input and performs some kind of analysis, e.g., extracting labels, extracting names, analyzing sentiment of a text.</a:t>
-            </a:r>
-          </a:p>
-          <a:p>
-            <a:endParaRPr lang="en-US" sz="1100" dirty="0">
-              <a:solidFill>
-                <a:srgbClr val="CE9178"/>
-              </a:solidFill>
-              <a:latin typeface="Consolas" panose="020B0609020204030204" pitchFamily="49" charset="0"/>
-            </a:endParaRPr>
-          </a:p>
-          <a:p>
-            <a:r>
-              <a:rPr lang="en-US" sz="1100" dirty="0">
-                <a:solidFill>
-                  <a:srgbClr val="CE9178"/>
-                </a:solidFill>
-                <a:latin typeface="Consolas" panose="020B0609020204030204" pitchFamily="49" charset="0"/>
-              </a:rPr>
-              <a:t>Identify the following items from the </a:t>
-            </a:r>
-            <a:r>
-              <a:rPr lang="en-US" sz="1100" dirty="0">
-                <a:solidFill>
-                  <a:schemeClr val="bg1">
-                    <a:lumMod val="50000"/>
-                  </a:schemeClr>
-                </a:solidFill>
-                <a:latin typeface="Consolas" panose="020B0609020204030204" pitchFamily="49" charset="0"/>
-              </a:rPr>
-              <a:t>&lt;review text&gt;</a:t>
-            </a:r>
-            <a:r>
-              <a:rPr lang="en-US" sz="1100" dirty="0">
-                <a:solidFill>
-                  <a:srgbClr val="CE9178"/>
-                </a:solidFill>
-                <a:latin typeface="Consolas" panose="020B0609020204030204" pitchFamily="49" charset="0"/>
-              </a:rPr>
-              <a:t>: </a:t>
-            </a:r>
-            <a:endParaRPr lang="en-US" sz="1100" dirty="0">
-              <a:solidFill>
-                <a:srgbClr val="CCCCCC"/>
-              </a:solidFill>
-              <a:latin typeface="Consolas" panose="020B0609020204030204" pitchFamily="49" charset="0"/>
-            </a:endParaRPr>
-          </a:p>
-          <a:p>
-            <a:r>
-              <a:rPr lang="en-US" sz="1100" dirty="0">
-                <a:solidFill>
-                  <a:srgbClr val="CE9178"/>
-                </a:solidFill>
-                <a:latin typeface="Consolas" panose="020B0609020204030204" pitchFamily="49" charset="0"/>
-              </a:rPr>
-              <a:t>- Sentiment (positive or negative)</a:t>
-            </a:r>
-            <a:endParaRPr lang="en-US" sz="1100" dirty="0">
-              <a:solidFill>
-                <a:srgbClr val="CCCCCC"/>
-              </a:solidFill>
-              <a:latin typeface="Consolas" panose="020B0609020204030204" pitchFamily="49" charset="0"/>
-            </a:endParaRPr>
-          </a:p>
-          <a:p>
-            <a:r>
-              <a:rPr lang="en-US" sz="1100" dirty="0">
-                <a:solidFill>
-                  <a:srgbClr val="CE9178"/>
-                </a:solidFill>
-                <a:latin typeface="Consolas" panose="020B0609020204030204" pitchFamily="49" charset="0"/>
-              </a:rPr>
-              <a:t>- Is the reviewer expressing anger? (true or false)</a:t>
-            </a:r>
-            <a:endParaRPr lang="en-US" sz="1100" dirty="0">
-              <a:solidFill>
-                <a:srgbClr val="CCCCCC"/>
-              </a:solidFill>
-              <a:latin typeface="Consolas" panose="020B0609020204030204" pitchFamily="49" charset="0"/>
-            </a:endParaRPr>
-          </a:p>
-          <a:p>
-            <a:r>
-              <a:rPr lang="en-US" sz="1100" dirty="0">
-                <a:solidFill>
-                  <a:srgbClr val="CE9178"/>
-                </a:solidFill>
-                <a:latin typeface="Consolas" panose="020B0609020204030204" pitchFamily="49" charset="0"/>
-              </a:rPr>
-              <a:t>- Item purchased by reviewer</a:t>
-            </a:r>
-            <a:endParaRPr lang="en-US" sz="1100" dirty="0">
-              <a:solidFill>
-                <a:srgbClr val="CCCCCC"/>
-              </a:solidFill>
-              <a:latin typeface="Consolas" panose="020B0609020204030204" pitchFamily="49" charset="0"/>
-            </a:endParaRPr>
-          </a:p>
-          <a:p>
-            <a:r>
-              <a:rPr lang="en-US" sz="1100" dirty="0">
-                <a:solidFill>
-                  <a:srgbClr val="CE9178"/>
-                </a:solidFill>
-                <a:latin typeface="Consolas" panose="020B0609020204030204" pitchFamily="49" charset="0"/>
-              </a:rPr>
-              <a:t>- Company that made the item</a:t>
-            </a:r>
-            <a:endParaRPr lang="en-US" sz="1100" dirty="0">
-              <a:solidFill>
-                <a:srgbClr val="CCCCCC"/>
-              </a:solidFill>
-              <a:latin typeface="Consolas" panose="020B0609020204030204" pitchFamily="49" charset="0"/>
-            </a:endParaRPr>
-          </a:p>
-          <a:p>
-            <a:br>
-              <a:rPr lang="en-US" sz="1100" dirty="0">
-                <a:solidFill>
-                  <a:srgbClr val="CCCCCC"/>
-                </a:solidFill>
-                <a:latin typeface="Consolas" panose="020B0609020204030204" pitchFamily="49" charset="0"/>
-              </a:rPr>
-            </a:br>
-            <a:r>
-              <a:rPr lang="en-US" sz="1100" dirty="0">
-                <a:solidFill>
-                  <a:srgbClr val="CE9178"/>
-                </a:solidFill>
-                <a:latin typeface="Consolas" panose="020B0609020204030204" pitchFamily="49" charset="0"/>
-              </a:rPr>
-              <a:t>The review is delimited with triple backticks.</a:t>
-            </a:r>
-            <a:endParaRPr lang="en-US" sz="1100" dirty="0">
-              <a:solidFill>
-                <a:srgbClr val="CCCCCC"/>
-              </a:solidFill>
-              <a:latin typeface="Consolas" panose="020B0609020204030204" pitchFamily="49" charset="0"/>
-            </a:endParaRPr>
-          </a:p>
-          <a:p>
-            <a:r>
-              <a:rPr lang="en-US" sz="1100" dirty="0">
-                <a:solidFill>
-                  <a:srgbClr val="CE9178"/>
-                </a:solidFill>
-                <a:latin typeface="Consolas" panose="020B0609020204030204" pitchFamily="49" charset="0"/>
-              </a:rPr>
-              <a:t>Format your response as a </a:t>
-            </a:r>
-            <a:r>
-              <a:rPr lang="en-US" sz="1100" dirty="0">
-                <a:solidFill>
-                  <a:schemeClr val="bg1">
-                    <a:lumMod val="50000"/>
-                  </a:schemeClr>
-                </a:solidFill>
-                <a:latin typeface="Consolas" panose="020B0609020204030204" pitchFamily="49" charset="0"/>
-              </a:rPr>
-              <a:t>&lt;JSON_object&gt; </a:t>
-            </a:r>
-            <a:r>
-              <a:rPr lang="en-US" sz="1100" dirty="0">
-                <a:solidFill>
-                  <a:srgbClr val="CE9178"/>
-                </a:solidFill>
-                <a:latin typeface="Consolas" panose="020B0609020204030204" pitchFamily="49" charset="0"/>
-              </a:rPr>
-              <a:t>with "</a:t>
-            </a:r>
-            <a:r>
-              <a:rPr lang="en-US" sz="1100" dirty="0">
-                <a:solidFill>
-                  <a:schemeClr val="bg1">
-                    <a:lumMod val="50000"/>
-                  </a:schemeClr>
-                </a:solidFill>
-                <a:latin typeface="Consolas" panose="020B0609020204030204" pitchFamily="49" charset="0"/>
-              </a:rPr>
-              <a:t>Sentiment</a:t>
-            </a:r>
-            <a:r>
-              <a:rPr lang="en-US" sz="1100" dirty="0">
-                <a:solidFill>
-                  <a:srgbClr val="CE9178"/>
-                </a:solidFill>
-                <a:latin typeface="Consolas" panose="020B0609020204030204" pitchFamily="49" charset="0"/>
-              </a:rPr>
-              <a:t>", "</a:t>
-            </a:r>
-            <a:r>
-              <a:rPr lang="en-US" sz="1100" dirty="0">
-                <a:solidFill>
-                  <a:schemeClr val="bg1">
-                    <a:lumMod val="50000"/>
-                  </a:schemeClr>
-                </a:solidFill>
-                <a:latin typeface="Consolas" panose="020B0609020204030204" pitchFamily="49" charset="0"/>
-              </a:rPr>
-              <a:t>Anger</a:t>
-            </a:r>
-            <a:r>
-              <a:rPr lang="en-US" sz="1100" dirty="0">
-                <a:solidFill>
-                  <a:srgbClr val="CE9178"/>
-                </a:solidFill>
-                <a:latin typeface="Consolas" panose="020B0609020204030204" pitchFamily="49" charset="0"/>
-              </a:rPr>
-              <a:t>", "</a:t>
-            </a:r>
-            <a:r>
-              <a:rPr lang="en-US" sz="1100" dirty="0">
-                <a:solidFill>
-                  <a:schemeClr val="bg1">
-                    <a:lumMod val="50000"/>
-                  </a:schemeClr>
-                </a:solidFill>
-                <a:latin typeface="Consolas" panose="020B0609020204030204" pitchFamily="49" charset="0"/>
-              </a:rPr>
-              <a:t>Item</a:t>
-            </a:r>
-            <a:r>
-              <a:rPr lang="en-US" sz="1100" dirty="0">
-                <a:solidFill>
-                  <a:srgbClr val="CE9178"/>
-                </a:solidFill>
-                <a:latin typeface="Consolas" panose="020B0609020204030204" pitchFamily="49" charset="0"/>
-              </a:rPr>
-              <a:t>" and "</a:t>
-            </a:r>
-            <a:r>
-              <a:rPr lang="en-US" sz="1100" dirty="0">
-                <a:solidFill>
-                  <a:schemeClr val="bg1">
-                    <a:lumMod val="50000"/>
-                  </a:schemeClr>
-                </a:solidFill>
-                <a:latin typeface="Consolas" panose="020B0609020204030204" pitchFamily="49" charset="0"/>
-              </a:rPr>
-              <a:t>Brand</a:t>
-            </a:r>
-            <a:r>
-              <a:rPr lang="en-US" sz="1100" dirty="0">
-                <a:solidFill>
-                  <a:srgbClr val="CE9178"/>
-                </a:solidFill>
-                <a:latin typeface="Consolas" panose="020B0609020204030204" pitchFamily="49" charset="0"/>
-              </a:rPr>
-              <a:t>" as the keys.</a:t>
-            </a:r>
-            <a:endParaRPr lang="en-US" sz="1100" dirty="0">
-              <a:solidFill>
-                <a:srgbClr val="CCCCCC"/>
-              </a:solidFill>
-              <a:latin typeface="Consolas" panose="020B0609020204030204" pitchFamily="49" charset="0"/>
-            </a:endParaRPr>
-          </a:p>
-          <a:p>
-            <a:r>
-              <a:rPr lang="en-US" sz="1100" dirty="0">
-                <a:solidFill>
-                  <a:srgbClr val="CE9178"/>
-                </a:solidFill>
-                <a:latin typeface="Consolas" panose="020B0609020204030204" pitchFamily="49" charset="0"/>
-              </a:rPr>
-              <a:t>If the information isn't present, use "</a:t>
-            </a:r>
-            <a:r>
-              <a:rPr lang="en-US" sz="1100" dirty="0">
-                <a:solidFill>
-                  <a:schemeClr val="bg1">
-                    <a:lumMod val="50000"/>
-                  </a:schemeClr>
-                </a:solidFill>
-                <a:latin typeface="Consolas" panose="020B0609020204030204" pitchFamily="49" charset="0"/>
-              </a:rPr>
-              <a:t>unknown</a:t>
-            </a:r>
-            <a:r>
-              <a:rPr lang="en-US" sz="1100" dirty="0">
-                <a:solidFill>
-                  <a:srgbClr val="CE9178"/>
-                </a:solidFill>
-                <a:latin typeface="Consolas" panose="020B0609020204030204" pitchFamily="49" charset="0"/>
-              </a:rPr>
-              <a:t>" as the value.</a:t>
-            </a:r>
-            <a:endParaRPr lang="en-US" sz="1100" dirty="0">
-              <a:solidFill>
-                <a:srgbClr val="CCCCCC"/>
-              </a:solidFill>
-              <a:latin typeface="Consolas" panose="020B0609020204030204" pitchFamily="49" charset="0"/>
-            </a:endParaRPr>
-          </a:p>
-          <a:p>
-            <a:r>
-              <a:rPr lang="en-US" sz="1100" dirty="0">
-                <a:solidFill>
-                  <a:srgbClr val="CE9178"/>
-                </a:solidFill>
-                <a:latin typeface="Consolas" panose="020B0609020204030204" pitchFamily="49" charset="0"/>
-              </a:rPr>
-              <a:t>Make your response as short as possible.</a:t>
-            </a:r>
-            <a:endParaRPr lang="en-US" sz="1100" dirty="0">
-              <a:solidFill>
-                <a:srgbClr val="CCCCCC"/>
-              </a:solidFill>
-              <a:latin typeface="Consolas" panose="020B0609020204030204" pitchFamily="49" charset="0"/>
-            </a:endParaRPr>
-          </a:p>
-          <a:p>
-            <a:r>
-              <a:rPr lang="en-US" sz="1100" dirty="0">
-                <a:solidFill>
-                  <a:srgbClr val="CE9178"/>
-                </a:solidFill>
-                <a:latin typeface="Consolas" panose="020B0609020204030204" pitchFamily="49" charset="0"/>
-              </a:rPr>
-              <a:t>Format the </a:t>
-            </a:r>
-            <a:r>
-              <a:rPr lang="en-US" sz="1100" dirty="0">
-                <a:solidFill>
-                  <a:schemeClr val="bg1">
-                    <a:lumMod val="50000"/>
-                  </a:schemeClr>
-                </a:solidFill>
-                <a:latin typeface="Consolas" panose="020B0609020204030204" pitchFamily="49" charset="0"/>
-              </a:rPr>
-              <a:t>Anger</a:t>
-            </a:r>
-            <a:r>
-              <a:rPr lang="en-US" sz="1100" dirty="0">
-                <a:solidFill>
-                  <a:srgbClr val="CE9178"/>
-                </a:solidFill>
-                <a:latin typeface="Consolas" panose="020B0609020204030204" pitchFamily="49" charset="0"/>
-              </a:rPr>
-              <a:t> value as a </a:t>
-            </a:r>
-            <a:r>
-              <a:rPr lang="en-US" sz="1100" b="1" dirty="0">
-                <a:solidFill>
-                  <a:srgbClr val="CE9178"/>
-                </a:solidFill>
-                <a:latin typeface="Consolas" panose="020B0609020204030204" pitchFamily="49" charset="0"/>
-              </a:rPr>
-              <a:t>boolean</a:t>
-            </a:r>
-            <a:r>
-              <a:rPr lang="en-US" sz="1100" dirty="0">
-                <a:solidFill>
-                  <a:srgbClr val="CE9178"/>
-                </a:solidFill>
-                <a:latin typeface="Consolas" panose="020B0609020204030204" pitchFamily="49" charset="0"/>
-              </a:rPr>
-              <a:t>.</a:t>
-            </a:r>
-            <a:endParaRPr lang="en-US" sz="1100" dirty="0">
-              <a:solidFill>
-                <a:srgbClr val="CCCCCC"/>
-              </a:solidFill>
-              <a:latin typeface="Consolas" panose="020B0609020204030204" pitchFamily="49" charset="0"/>
-            </a:endParaRPr>
-          </a:p>
-          <a:p>
-            <a:br>
-              <a:rPr lang="en-US" sz="1100" dirty="0">
-                <a:solidFill>
-                  <a:srgbClr val="CCCCCC"/>
-                </a:solidFill>
-                <a:latin typeface="Consolas" panose="020B0609020204030204" pitchFamily="49" charset="0"/>
-              </a:rPr>
-            </a:br>
-            <a:r>
-              <a:rPr lang="en-US" sz="1100" dirty="0">
-                <a:solidFill>
-                  <a:srgbClr val="CE9178"/>
-                </a:solidFill>
-                <a:latin typeface="Consolas" panose="020B0609020204030204" pitchFamily="49" charset="0"/>
-              </a:rPr>
-              <a:t>Review text: ```</a:t>
-            </a:r>
-            <a:r>
-              <a:rPr lang="en-US" sz="1100" dirty="0">
-                <a:solidFill>
-                  <a:srgbClr val="569CD6"/>
-                </a:solidFill>
-                <a:latin typeface="Consolas" panose="020B0609020204030204" pitchFamily="49" charset="0"/>
-              </a:rPr>
-              <a:t>{</a:t>
-            </a:r>
-            <a:r>
-              <a:rPr lang="en-US" sz="1100" dirty="0">
-                <a:solidFill>
-                  <a:srgbClr val="9CDCFE"/>
-                </a:solidFill>
-                <a:latin typeface="Consolas" panose="020B0609020204030204" pitchFamily="49" charset="0"/>
-              </a:rPr>
-              <a:t>review</a:t>
-            </a:r>
-            <a:r>
-              <a:rPr lang="en-US" sz="1100" dirty="0">
-                <a:solidFill>
-                  <a:srgbClr val="569CD6"/>
-                </a:solidFill>
-                <a:latin typeface="Consolas" panose="020B0609020204030204" pitchFamily="49" charset="0"/>
-              </a:rPr>
-              <a:t>}</a:t>
-            </a:r>
-            <a:r>
-              <a:rPr lang="en-US" sz="1100" dirty="0">
-                <a:solidFill>
-                  <a:srgbClr val="CE9178"/>
-                </a:solidFill>
-                <a:latin typeface="Consolas" panose="020B0609020204030204" pitchFamily="49" charset="0"/>
-              </a:rPr>
-              <a:t>```</a:t>
-            </a:r>
-          </a:p>
-          <a:p>
-            <a:r>
-              <a:rPr lang="de-DE" sz="1100" dirty="0">
-                <a:solidFill>
-                  <a:srgbClr val="CE9178"/>
-                </a:solidFill>
-                <a:latin typeface="Consolas" panose="020B0609020204030204" pitchFamily="49" charset="0"/>
-              </a:rPr>
-              <a:t>-</a:t>
-            </a:r>
-            <a:r>
-              <a:rPr lang="en-US" sz="1100" dirty="0">
-                <a:solidFill>
-                  <a:srgbClr val="CE9178"/>
-                </a:solidFill>
-                <a:latin typeface="Consolas" panose="020B0609020204030204" pitchFamily="49" charset="0"/>
-              </a:rPr>
-              <a:t>-----------------------------------------------------------------------------</a:t>
-            </a:r>
-            <a:endParaRPr lang="en-US" sz="1100" dirty="0">
-              <a:solidFill>
-                <a:srgbClr val="CCCCCC"/>
-              </a:solidFill>
-              <a:latin typeface="Consolas" panose="020B0609020204030204" pitchFamily="49" charset="0"/>
-            </a:endParaRPr>
-          </a:p>
-          <a:p>
-            <a:r>
-              <a:rPr lang="en-US" sz="1100" dirty="0">
-                <a:solidFill>
-                  <a:srgbClr val="CE9178"/>
-                </a:solidFill>
-                <a:latin typeface="Consolas" panose="020B0609020204030204" pitchFamily="49" charset="0"/>
-              </a:rPr>
-              <a:t>Determine five topics that are being discussed in the following text, which is delimited by triple backticks.</a:t>
-            </a:r>
-            <a:endParaRPr lang="en-US" sz="1100" dirty="0">
-              <a:solidFill>
-                <a:srgbClr val="CCCCCC"/>
-              </a:solidFill>
-              <a:latin typeface="Consolas" panose="020B0609020204030204" pitchFamily="49" charset="0"/>
-            </a:endParaRPr>
-          </a:p>
-          <a:p>
-            <a:br>
-              <a:rPr lang="en-US" sz="1100" dirty="0">
-                <a:solidFill>
-                  <a:srgbClr val="CCCCCC"/>
-                </a:solidFill>
-                <a:latin typeface="Consolas" panose="020B0609020204030204" pitchFamily="49" charset="0"/>
-              </a:rPr>
-            </a:br>
-            <a:r>
-              <a:rPr lang="en-US" sz="1100" dirty="0">
-                <a:solidFill>
-                  <a:srgbClr val="CE9178"/>
-                </a:solidFill>
-                <a:latin typeface="Consolas" panose="020B0609020204030204" pitchFamily="49" charset="0"/>
-              </a:rPr>
-              <a:t>Make each item one or two words long. </a:t>
-            </a:r>
-            <a:endParaRPr lang="en-US" sz="1100" dirty="0">
-              <a:solidFill>
-                <a:srgbClr val="CCCCCC"/>
-              </a:solidFill>
-              <a:latin typeface="Consolas" panose="020B0609020204030204" pitchFamily="49" charset="0"/>
-            </a:endParaRPr>
-          </a:p>
-          <a:p>
-            <a:br>
-              <a:rPr lang="en-US" sz="1100" dirty="0">
-                <a:solidFill>
-                  <a:srgbClr val="CCCCCC"/>
-                </a:solidFill>
-                <a:latin typeface="Consolas" panose="020B0609020204030204" pitchFamily="49" charset="0"/>
-              </a:rPr>
-            </a:br>
-            <a:r>
-              <a:rPr lang="en-US" sz="1100" dirty="0">
-                <a:solidFill>
-                  <a:srgbClr val="CE9178"/>
-                </a:solidFill>
-                <a:latin typeface="Consolas" panose="020B0609020204030204" pitchFamily="49" charset="0"/>
-              </a:rPr>
-              <a:t>Format your response as a list of items separated by commas.</a:t>
-            </a:r>
-            <a:endParaRPr lang="en-US" sz="1100" dirty="0">
-              <a:solidFill>
-                <a:srgbClr val="CCCCCC"/>
-              </a:solidFill>
-              <a:latin typeface="Consolas" panose="020B0609020204030204" pitchFamily="49" charset="0"/>
-            </a:endParaRPr>
-          </a:p>
-          <a:p>
-            <a:br>
-              <a:rPr lang="en-US" sz="1100" dirty="0">
-                <a:solidFill>
-                  <a:srgbClr val="CCCCCC"/>
-                </a:solidFill>
-                <a:latin typeface="Consolas" panose="020B0609020204030204" pitchFamily="49" charset="0"/>
-              </a:rPr>
-            </a:br>
-            <a:r>
-              <a:rPr lang="en-US" sz="1100" dirty="0">
-                <a:solidFill>
-                  <a:srgbClr val="CE9178"/>
-                </a:solidFill>
-                <a:latin typeface="Consolas" panose="020B0609020204030204" pitchFamily="49" charset="0"/>
-              </a:rPr>
-              <a:t>Text sample: ```</a:t>
-            </a:r>
-            <a:r>
-              <a:rPr lang="en-US" sz="1100" dirty="0">
-                <a:solidFill>
-                  <a:srgbClr val="569CD6"/>
-                </a:solidFill>
-                <a:latin typeface="Consolas" panose="020B0609020204030204" pitchFamily="49" charset="0"/>
-              </a:rPr>
-              <a:t>{</a:t>
-            </a:r>
-            <a:r>
-              <a:rPr lang="en-US" sz="1100" dirty="0">
-                <a:solidFill>
-                  <a:srgbClr val="9CDCFE"/>
-                </a:solidFill>
-                <a:latin typeface="Consolas" panose="020B0609020204030204" pitchFamily="49" charset="0"/>
-              </a:rPr>
-              <a:t>story</a:t>
-            </a:r>
-            <a:r>
-              <a:rPr lang="en-US" sz="1100" dirty="0">
-                <a:solidFill>
-                  <a:srgbClr val="569CD6"/>
-                </a:solidFill>
-                <a:latin typeface="Consolas" panose="020B0609020204030204" pitchFamily="49" charset="0"/>
-              </a:rPr>
-              <a:t>}</a:t>
-            </a:r>
-            <a:r>
-              <a:rPr lang="en-US" sz="1100" dirty="0">
-                <a:solidFill>
-                  <a:srgbClr val="CE9178"/>
-                </a:solidFill>
-                <a:latin typeface="Consolas" panose="020B0609020204030204" pitchFamily="49" charset="0"/>
-              </a:rPr>
-              <a:t>```</a:t>
-            </a:r>
-          </a:p>
-          <a:p>
-            <a:r>
-              <a:rPr lang="de-DE" sz="1100" dirty="0">
-                <a:solidFill>
-                  <a:srgbClr val="CE9178"/>
-                </a:solidFill>
-                <a:latin typeface="Consolas" panose="020B0609020204030204" pitchFamily="49" charset="0"/>
-              </a:rPr>
-              <a:t>-</a:t>
-            </a:r>
-            <a:r>
-              <a:rPr lang="en-US" sz="1100" dirty="0">
-                <a:solidFill>
-                  <a:srgbClr val="CE9178"/>
-                </a:solidFill>
-                <a:latin typeface="Consolas" panose="020B0609020204030204" pitchFamily="49" charset="0"/>
-              </a:rPr>
-              <a:t>-----------------------------------------------------------------------------</a:t>
-            </a:r>
-            <a:endParaRPr lang="en-US" sz="1100" dirty="0">
-              <a:solidFill>
-                <a:srgbClr val="CCCCCC"/>
-              </a:solidFill>
-              <a:latin typeface="Consolas" panose="020B0609020204030204" pitchFamily="49" charset="0"/>
-            </a:endParaRPr>
-          </a:p>
-          <a:p>
-            <a:r>
-              <a:rPr lang="en-US" sz="1100" dirty="0">
-                <a:solidFill>
-                  <a:srgbClr val="CE9178"/>
-                </a:solidFill>
-                <a:latin typeface="Consolas" panose="020B0609020204030204" pitchFamily="49" charset="0"/>
-              </a:rPr>
-              <a:t>Determine whether each item in the following list of topics is a topic in the text below, which</a:t>
-            </a:r>
-            <a:r>
-              <a:rPr lang="en-US" sz="1100" dirty="0">
-                <a:solidFill>
-                  <a:srgbClr val="CCCCCC"/>
-                </a:solidFill>
-                <a:latin typeface="Consolas" panose="020B0609020204030204" pitchFamily="49" charset="0"/>
-              </a:rPr>
-              <a:t> </a:t>
-            </a:r>
-            <a:r>
-              <a:rPr lang="en-US" sz="1100" dirty="0">
-                <a:solidFill>
-                  <a:srgbClr val="CE9178"/>
-                </a:solidFill>
-                <a:latin typeface="Consolas" panose="020B0609020204030204" pitchFamily="49" charset="0"/>
-              </a:rPr>
-              <a:t>is delimited with triple backticks.</a:t>
-            </a:r>
-            <a:endParaRPr lang="en-US" sz="1100" dirty="0">
-              <a:solidFill>
-                <a:srgbClr val="CCCCCC"/>
-              </a:solidFill>
-              <a:latin typeface="Consolas" panose="020B0609020204030204" pitchFamily="49" charset="0"/>
-            </a:endParaRPr>
-          </a:p>
-          <a:p>
-            <a:br>
-              <a:rPr lang="en-US" sz="1100" dirty="0">
-                <a:solidFill>
-                  <a:srgbClr val="CCCCCC"/>
-                </a:solidFill>
-                <a:latin typeface="Consolas" panose="020B0609020204030204" pitchFamily="49" charset="0"/>
-              </a:rPr>
-            </a:br>
-            <a:r>
-              <a:rPr lang="en-US" sz="1100" dirty="0">
-                <a:solidFill>
-                  <a:srgbClr val="CE9178"/>
-                </a:solidFill>
-                <a:latin typeface="Consolas" panose="020B0609020204030204" pitchFamily="49" charset="0"/>
-              </a:rPr>
-              <a:t>Give your answer as list with 0 or 1 for each topic.</a:t>
-            </a:r>
-            <a:endParaRPr lang="en-US" sz="1100" dirty="0">
-              <a:solidFill>
-                <a:srgbClr val="CCCCCC"/>
-              </a:solidFill>
-              <a:latin typeface="Consolas" panose="020B0609020204030204" pitchFamily="49" charset="0"/>
-            </a:endParaRPr>
-          </a:p>
-          <a:p>
-            <a:br>
-              <a:rPr lang="en-US" sz="1100" dirty="0">
-                <a:solidFill>
-                  <a:srgbClr val="CCCCCC"/>
-                </a:solidFill>
-                <a:latin typeface="Consolas" panose="020B0609020204030204" pitchFamily="49" charset="0"/>
-              </a:rPr>
-            </a:br>
-            <a:r>
-              <a:rPr lang="en-US" sz="1100" dirty="0">
-                <a:solidFill>
-                  <a:srgbClr val="CE9178"/>
-                </a:solidFill>
-                <a:latin typeface="Consolas" panose="020B0609020204030204" pitchFamily="49" charset="0"/>
-              </a:rPr>
-              <a:t>List of topics: </a:t>
-            </a:r>
-            <a:r>
-              <a:rPr lang="en-US" sz="1100" dirty="0">
-                <a:solidFill>
-                  <a:srgbClr val="569CD6"/>
-                </a:solidFill>
-                <a:latin typeface="Consolas" panose="020B0609020204030204" pitchFamily="49" charset="0"/>
-              </a:rPr>
-              <a:t>{</a:t>
-            </a:r>
-            <a:r>
-              <a:rPr lang="en-US" sz="1100" dirty="0">
-                <a:solidFill>
-                  <a:srgbClr val="CE9178"/>
-                </a:solidFill>
-                <a:latin typeface="Consolas" panose="020B0609020204030204" pitchFamily="49" charset="0"/>
-              </a:rPr>
-              <a:t>", "</a:t>
-            </a:r>
-            <a:r>
-              <a:rPr lang="en-US" sz="1100" dirty="0">
-                <a:solidFill>
-                  <a:srgbClr val="CCCCCC"/>
-                </a:solidFill>
-                <a:latin typeface="Consolas" panose="020B0609020204030204" pitchFamily="49" charset="0"/>
-              </a:rPr>
-              <a:t>.</a:t>
-            </a:r>
-            <a:r>
-              <a:rPr lang="en-US" sz="1100" dirty="0">
-                <a:solidFill>
-                  <a:srgbClr val="DCDCAA"/>
-                </a:solidFill>
-                <a:latin typeface="Consolas" panose="020B0609020204030204" pitchFamily="49" charset="0"/>
-              </a:rPr>
-              <a:t>join</a:t>
-            </a:r>
-            <a:r>
-              <a:rPr lang="en-US" sz="1100" dirty="0">
-                <a:solidFill>
-                  <a:srgbClr val="CCCCCC"/>
-                </a:solidFill>
-                <a:latin typeface="Consolas" panose="020B0609020204030204" pitchFamily="49" charset="0"/>
-              </a:rPr>
-              <a:t>(</a:t>
-            </a:r>
-            <a:r>
-              <a:rPr lang="en-US" sz="1100" dirty="0">
-                <a:solidFill>
-                  <a:srgbClr val="9CDCFE"/>
-                </a:solidFill>
-                <a:latin typeface="Consolas" panose="020B0609020204030204" pitchFamily="49" charset="0"/>
-              </a:rPr>
-              <a:t>topic_list</a:t>
-            </a:r>
-            <a:r>
-              <a:rPr lang="en-US" sz="1100" dirty="0">
-                <a:solidFill>
-                  <a:srgbClr val="CCCCCC"/>
-                </a:solidFill>
-                <a:latin typeface="Consolas" panose="020B0609020204030204" pitchFamily="49" charset="0"/>
-              </a:rPr>
-              <a:t>)</a:t>
-            </a:r>
-            <a:r>
-              <a:rPr lang="en-US" sz="1100" dirty="0">
-                <a:solidFill>
-                  <a:srgbClr val="569CD6"/>
-                </a:solidFill>
-                <a:latin typeface="Consolas" panose="020B0609020204030204" pitchFamily="49" charset="0"/>
-              </a:rPr>
-              <a:t>}</a:t>
-            </a:r>
-            <a:endParaRPr lang="en-US" sz="1100" dirty="0">
-              <a:solidFill>
-                <a:srgbClr val="CCCCCC"/>
-              </a:solidFill>
-              <a:latin typeface="Consolas" panose="020B0609020204030204" pitchFamily="49" charset="0"/>
-            </a:endParaRPr>
-          </a:p>
-          <a:p>
-            <a:br>
-              <a:rPr lang="en-US" sz="1100" dirty="0">
-                <a:solidFill>
-                  <a:srgbClr val="CCCCCC"/>
-                </a:solidFill>
-                <a:latin typeface="Consolas" panose="020B0609020204030204" pitchFamily="49" charset="0"/>
-              </a:rPr>
-            </a:br>
-            <a:r>
-              <a:rPr lang="en-US" sz="1100" dirty="0">
-                <a:solidFill>
-                  <a:srgbClr val="CE9178"/>
-                </a:solidFill>
-                <a:latin typeface="Consolas" panose="020B0609020204030204" pitchFamily="49" charset="0"/>
-              </a:rPr>
-              <a:t>Text sample: ```</a:t>
-            </a:r>
-            <a:r>
-              <a:rPr lang="en-US" sz="1100" dirty="0">
-                <a:solidFill>
-                  <a:srgbClr val="569CD6"/>
-                </a:solidFill>
-                <a:latin typeface="Consolas" panose="020B0609020204030204" pitchFamily="49" charset="0"/>
-              </a:rPr>
-              <a:t>{</a:t>
-            </a:r>
-            <a:r>
-              <a:rPr lang="en-US" sz="1100" dirty="0">
-                <a:solidFill>
-                  <a:srgbClr val="9CDCFE"/>
-                </a:solidFill>
-                <a:latin typeface="Consolas" panose="020B0609020204030204" pitchFamily="49" charset="0"/>
-              </a:rPr>
-              <a:t>story</a:t>
-            </a:r>
-            <a:r>
-              <a:rPr lang="en-US" sz="1100" dirty="0">
-                <a:solidFill>
-                  <a:srgbClr val="569CD6"/>
-                </a:solidFill>
-                <a:latin typeface="Consolas" panose="020B0609020204030204" pitchFamily="49" charset="0"/>
-              </a:rPr>
-              <a:t>}</a:t>
-            </a:r>
-            <a:r>
-              <a:rPr lang="en-US" sz="1100" dirty="0">
-                <a:solidFill>
-                  <a:srgbClr val="CE9178"/>
-                </a:solidFill>
-                <a:latin typeface="Consolas" panose="020B0609020204030204" pitchFamily="49" charset="0"/>
-              </a:rPr>
-              <a:t>```</a:t>
-            </a:r>
-          </a:p>
-        </p:txBody>
-      </p:sp>
-      <p:sp>
-        <p:nvSpPr>
-          <p:cNvPr id="15" name="TextBox 14">
-            <a:extLst>
-              <a:ext uri="{FF2B5EF4-FFF2-40B4-BE49-F238E27FC236}">
-                <a16:creationId xmlns:a16="http://schemas.microsoft.com/office/drawing/2014/main" id="{6FD26691-7299-42F0-994F-B949ABC3F7BE}"/>
-              </a:ext>
-            </a:extLst>
-          </p:cNvPr>
-          <p:cNvSpPr txBox="1"/>
-          <p:nvPr/>
-        </p:nvSpPr>
-        <p:spPr>
-          <a:xfrm>
-            <a:off x="12744205" y="272611"/>
-            <a:ext cx="6577259" cy="1046440"/>
-          </a:xfrm>
-          <a:prstGeom prst="rect">
-            <a:avLst/>
-          </a:prstGeom>
-          <a:noFill/>
-        </p:spPr>
-        <p:txBody>
-          <a:bodyPr wrap="square" rtlCol="0">
-            <a:spAutoFit/>
-          </a:bodyPr>
-          <a:lstStyle/>
-          <a:p>
-            <a:r>
-              <a:rPr lang="de-DE" b="1" dirty="0"/>
-              <a:t>Temperature:</a:t>
-            </a:r>
-          </a:p>
-          <a:p>
-            <a:pPr marL="171455" indent="-171455">
-              <a:buFontTx/>
-              <a:buChar char="-"/>
-            </a:pPr>
-            <a:r>
-              <a:rPr lang="de-DE" sz="1100" dirty="0"/>
-              <a:t>Governs the randomness/creativity of the responses</a:t>
-            </a:r>
-            <a:r>
-              <a:rPr lang="en-US" sz="1100" dirty="0"/>
-              <a:t>.</a:t>
-            </a:r>
-          </a:p>
-          <a:p>
-            <a:pPr marL="171455" indent="-171455">
-              <a:buFontTx/>
-              <a:buChar char="-"/>
-            </a:pPr>
-            <a:r>
-              <a:rPr lang="de-DE" sz="1100" dirty="0"/>
-              <a:t>Set </a:t>
-            </a:r>
-            <a:r>
-              <a:rPr lang="de-DE" sz="1100" dirty="0">
-                <a:latin typeface="Consolas" panose="020B0609020204030204" pitchFamily="49" charset="0"/>
-              </a:rPr>
-              <a:t>temperature</a:t>
-            </a:r>
-            <a:r>
-              <a:rPr lang="de-DE" sz="1100" dirty="0"/>
-              <a:t> to </a:t>
-            </a:r>
-            <a:r>
-              <a:rPr lang="de-DE" sz="1100" dirty="0">
-                <a:latin typeface="Consolas" panose="020B0609020204030204" pitchFamily="49" charset="0"/>
-              </a:rPr>
-              <a:t>0</a:t>
-            </a:r>
-            <a:r>
-              <a:rPr lang="de-DE" sz="1100" dirty="0"/>
-              <a:t> for building reliable and predictable systems.</a:t>
-            </a:r>
-          </a:p>
-          <a:p>
-            <a:pPr marL="171455" indent="-171455">
-              <a:buFontTx/>
-              <a:buChar char="-"/>
-            </a:pPr>
-            <a:r>
-              <a:rPr lang="de-DE" sz="1100" dirty="0"/>
-              <a:t>Set </a:t>
-            </a:r>
-            <a:r>
-              <a:rPr lang="de-DE" sz="1100" dirty="0">
-                <a:latin typeface="Consolas" panose="020B0609020204030204" pitchFamily="49" charset="0"/>
-              </a:rPr>
-              <a:t>temperature</a:t>
-            </a:r>
-            <a:r>
-              <a:rPr lang="de-DE" sz="1100" dirty="0"/>
-              <a:t> to </a:t>
-            </a:r>
-            <a:r>
-              <a:rPr lang="de-DE" sz="1100" dirty="0">
-                <a:latin typeface="Consolas" panose="020B0609020204030204" pitchFamily="49" charset="0"/>
-              </a:rPr>
-              <a:t>0 – 0.3 </a:t>
-            </a:r>
-            <a:r>
-              <a:rPr lang="de-DE" sz="1100" dirty="0"/>
-              <a:t>for extraction, standardization, format conversion, and grammar fixes tasks.</a:t>
-            </a:r>
-          </a:p>
-          <a:p>
-            <a:pPr marL="171455" indent="-171455">
-              <a:buFontTx/>
-              <a:buChar char="-"/>
-            </a:pPr>
-            <a:r>
-              <a:rPr lang="de-DE" sz="1100" dirty="0"/>
-              <a:t>Set </a:t>
-            </a:r>
-            <a:r>
-              <a:rPr lang="de-DE" sz="1100" dirty="0">
-                <a:latin typeface="Consolas" panose="020B0609020204030204" pitchFamily="49" charset="0"/>
-              </a:rPr>
-              <a:t>temperature</a:t>
-            </a:r>
-            <a:r>
-              <a:rPr lang="de-DE" sz="1100" dirty="0"/>
-              <a:t> to </a:t>
-            </a:r>
-            <a:r>
-              <a:rPr lang="de-DE" sz="1100" dirty="0">
-                <a:latin typeface="Consolas" panose="020B0609020204030204" pitchFamily="49" charset="0"/>
-              </a:rPr>
-              <a:t>0.5</a:t>
-            </a:r>
-            <a:r>
-              <a:rPr lang="de-DE" sz="1100" dirty="0"/>
-              <a:t>  for writing tasks. </a:t>
-            </a:r>
-          </a:p>
-        </p:txBody>
-      </p:sp>
-      <p:pic>
-        <p:nvPicPr>
-          <p:cNvPr id="16" name="Picture 15">
-            <a:extLst>
-              <a:ext uri="{FF2B5EF4-FFF2-40B4-BE49-F238E27FC236}">
-                <a16:creationId xmlns:a16="http://schemas.microsoft.com/office/drawing/2014/main" id="{5ED0E53E-DE64-41B6-B464-1256B95F73E8}"/>
-              </a:ext>
-            </a:extLst>
-          </p:cNvPr>
-          <p:cNvPicPr>
-            <a:picLocks noChangeAspect="1"/>
-          </p:cNvPicPr>
-          <p:nvPr/>
-        </p:nvPicPr>
-        <p:blipFill>
-          <a:blip r:embed="rId3"/>
-          <a:stretch>
-            <a:fillRect/>
-          </a:stretch>
-        </p:blipFill>
-        <p:spPr>
-          <a:xfrm>
-            <a:off x="12896604" y="1550967"/>
-            <a:ext cx="3598882" cy="3555475"/>
-          </a:xfrm>
-          <a:prstGeom prst="rect">
-            <a:avLst/>
-          </a:prstGeom>
-        </p:spPr>
-      </p:pic>
-      <p:pic>
-        <p:nvPicPr>
-          <p:cNvPr id="18" name="Picture 17">
-            <a:extLst>
-              <a:ext uri="{FF2B5EF4-FFF2-40B4-BE49-F238E27FC236}">
-                <a16:creationId xmlns:a16="http://schemas.microsoft.com/office/drawing/2014/main" id="{E5C28E6C-D36D-4C65-9739-858E42AB41AD}"/>
-              </a:ext>
-            </a:extLst>
-          </p:cNvPr>
-          <p:cNvPicPr>
-            <a:picLocks noChangeAspect="1"/>
-          </p:cNvPicPr>
-          <p:nvPr/>
-        </p:nvPicPr>
-        <p:blipFill>
-          <a:blip r:embed="rId4">
-            <a:extLst>
-              <a:ext uri="{28A0092B-C50C-407E-A947-70E740481C1C}">
-                <a14:useLocalDpi xmlns:a14="http://schemas.microsoft.com/office/drawing/2010/main" val="0"/>
-              </a:ext>
-            </a:extLst>
-          </a:blip>
-          <a:stretch>
-            <a:fillRect/>
-          </a:stretch>
-        </p:blipFill>
-        <p:spPr>
-          <a:xfrm>
-            <a:off x="16647886" y="1550967"/>
-            <a:ext cx="4122598" cy="4348618"/>
-          </a:xfrm>
-          <a:prstGeom prst="rect">
-            <a:avLst/>
-          </a:prstGeom>
-        </p:spPr>
-      </p:pic>
-    </p:spTree>
-    <p:extLst>
-      <p:ext uri="{BB962C8B-B14F-4D97-AF65-F5344CB8AC3E}">
-        <p14:creationId xmlns:p14="http://schemas.microsoft.com/office/powerpoint/2010/main" val="2712444348"/>
-      </p:ext>
-    </p:extLst>
-  </p:cSld>
-  <p:clrMapOvr>
-    <a:masterClrMapping/>
-  </p:clrMapOvr>
-</p:sld>
-</file>
-
 <file path=ppt/theme/theme1.xml><?xml version="1.0" encoding="utf-8"?>
-<a:theme xmlns:a="http://schemas.openxmlformats.org/drawingml/2006/main" name="Retrospect">
+<a:theme xmlns:a="http://schemas.openxmlformats.org/drawingml/2006/main" name="Office Theme">
   <a:themeElements>
-    <a:clrScheme name="Retrospect">
+    <a:clrScheme name="Office Theme">
       <a:dk1>
-        <a:srgbClr val="000000"/>
+        <a:sysClr val="windowText" lastClr="000000"/>
       </a:dk1>
       <a:lt1>
         <a:sysClr val="window" lastClr="FFFFFF"/>
       </a:lt1>
       <a:dk2>
-        <a:srgbClr val="637052"/>
+        <a:srgbClr val="44546A"/>
       </a:dk2>
       <a:lt2>
-        <a:srgbClr val="CCDDEA"/>
+        <a:srgbClr val="E7E6E6"/>
       </a:lt2>
       <a:accent1>
-        <a:srgbClr val="E48312"/>
+        <a:srgbClr val="4472C4"/>
       </a:accent1>
       <a:accent2>
-        <a:srgbClr val="BD582C"/>
+        <a:srgbClr val="ED7D31"/>
       </a:accent2>
       <a:accent3>
-        <a:srgbClr val="865640"/>
+        <a:srgbClr val="A5A5A5"/>
       </a:accent3>
       <a:accent4>
-        <a:srgbClr val="9B8357"/>
+        <a:srgbClr val="FFC000"/>
       </a:accent4>
       <a:accent5>
-        <a:srgbClr val="C2BC80"/>
+        <a:srgbClr val="5B9BD5"/>
       </a:accent5>
       <a:accent6>
-        <a:srgbClr val="94A088"/>
+        <a:srgbClr val="70AD47"/>
       </a:accent6>
       <a:hlink>
-        <a:srgbClr val="2998E3"/>
+        <a:srgbClr val="0563C1"/>
       </a:hlink>
       <a:folHlink>
-        <a:srgbClr val="8C8C8C"/>
+        <a:srgbClr val="954F72"/>
       </a:folHlink>
     </a:clrScheme>
-    <a:fontScheme name="Retrospect">
+    <a:fontScheme name="Office Theme">
       <a:majorFont>
         <a:latin typeface="Calibri Light" panose="020F0302020204030204"/>
         <a:ea typeface=""/>
         <a:cs typeface=""/>
-        <a:font script="Jpan" typeface="ＭＳ Ｐゴシック"/>
+        <a:font script="Jpan" typeface="游ゴシック Light"/>
         <a:font script="Hang" typeface="맑은 고딕"/>
-        <a:font script="Hans" typeface="宋体"/>
+        <a:font script="Hans" typeface="等线 Light"/>
         <a:font script="Hant" typeface="新細明體"/>
         <a:font script="Arab" typeface="Times New Roman"/>
         <a:font script="Hebr" typeface="Times New Roman"/>
@@ -11999,9 +7102,9 @@
         <a:latin typeface="Calibri" panose="020F0502020204030204"/>
         <a:ea typeface=""/>
         <a:cs typeface=""/>
-        <a:font script="Jpan" typeface="ＭＳ Ｐゴシック"/>
+        <a:font script="Jpan" typeface="游ゴシック"/>
         <a:font script="Hang" typeface="맑은 고딕"/>
-        <a:font script="Hans" typeface="宋体"/>
+        <a:font script="Hans" typeface="等线"/>
         <a:font script="Hant" typeface="新細明體"/>
         <a:font script="Arab" typeface="Arial"/>
         <a:font script="Hebr" typeface="Arial"/>
@@ -12031,7 +7134,7 @@
         <a:font script="Geor" typeface="Sylfaen"/>
       </a:minorFont>
     </a:fontScheme>
-    <a:fmtScheme name="Retrospect">
+    <a:fmtScheme name="Office Theme">
       <a:fillStyleLst>
         <a:solidFill>
           <a:schemeClr val="phClr"/>
@@ -12040,81 +7143,76 @@
           <a:gsLst>
             <a:gs pos="0">
               <a:schemeClr val="phClr">
-                <a:tint val="65000"/>
-                <a:shade val="92000"/>
-                <a:satMod val="130000"/>
+                <a:lumMod val="110000"/>
+                <a:satMod val="105000"/>
+                <a:tint val="67000"/>
               </a:schemeClr>
             </a:gs>
-            <a:gs pos="45000">
+            <a:gs pos="50000">
               <a:schemeClr val="phClr">
-                <a:tint val="60000"/>
-                <a:shade val="99000"/>
-                <a:satMod val="120000"/>
+                <a:lumMod val="105000"/>
+                <a:satMod val="103000"/>
+                <a:tint val="73000"/>
               </a:schemeClr>
             </a:gs>
             <a:gs pos="100000">
               <a:schemeClr val="phClr">
-                <a:tint val="55000"/>
-                <a:satMod val="140000"/>
+                <a:lumMod val="105000"/>
+                <a:satMod val="109000"/>
+                <a:tint val="81000"/>
               </a:schemeClr>
             </a:gs>
           </a:gsLst>
-          <a:path path="circle">
-            <a:fillToRect l="100000" t="100000" r="100000" b="100000"/>
-          </a:path>
+          <a:lin ang="5400000" scaled="0"/>
         </a:gradFill>
         <a:gradFill rotWithShape="1">
           <a:gsLst>
             <a:gs pos="0">
               <a:schemeClr val="phClr">
-                <a:shade val="85000"/>
-                <a:satMod val="130000"/>
+                <a:satMod val="103000"/>
+                <a:lumMod val="102000"/>
+                <a:tint val="94000"/>
               </a:schemeClr>
             </a:gs>
-            <a:gs pos="34000">
+            <a:gs pos="50000">
               <a:schemeClr val="phClr">
-                <a:shade val="87000"/>
-                <a:satMod val="125000"/>
-              </a:schemeClr>
-            </a:gs>
-            <a:gs pos="70000">
-              <a:schemeClr val="phClr">
-                <a:tint val="100000"/>
-                <a:shade val="90000"/>
-                <a:satMod val="130000"/>
+                <a:satMod val="110000"/>
+                <a:lumMod val="100000"/>
+                <a:shade val="100000"/>
               </a:schemeClr>
             </a:gs>
             <a:gs pos="100000">
               <a:schemeClr val="phClr">
-                <a:tint val="100000"/>
-                <a:shade val="100000"/>
-                <a:satMod val="110000"/>
+                <a:lumMod val="99000"/>
+                <a:satMod val="120000"/>
+                <a:shade val="78000"/>
               </a:schemeClr>
             </a:gs>
           </a:gsLst>
-          <a:path path="circle">
-            <a:fillToRect l="100000" t="100000" r="100000" b="100000"/>
-          </a:path>
+          <a:lin ang="5400000" scaled="0"/>
         </a:gradFill>
       </a:fillStyleLst>
       <a:lnStyleLst>
+        <a:ln w="6350" cap="flat" cmpd="sng" algn="ctr">
+          <a:solidFill>
+            <a:schemeClr val="phClr"/>
+          </a:solidFill>
+          <a:prstDash val="solid"/>
+          <a:miter lim="800000"/>
+        </a:ln>
         <a:ln w="12700" cap="flat" cmpd="sng" algn="ctr">
           <a:solidFill>
             <a:schemeClr val="phClr"/>
           </a:solidFill>
           <a:prstDash val="solid"/>
+          <a:miter lim="800000"/>
         </a:ln>
-        <a:ln w="15875" cap="flat" cmpd="sng" algn="ctr">
+        <a:ln w="19050" cap="flat" cmpd="sng" algn="ctr">
           <a:solidFill>
             <a:schemeClr val="phClr"/>
           </a:solidFill>
           <a:prstDash val="solid"/>
-        </a:ln>
-        <a:ln w="25400" cap="flat" cmpd="sng" algn="ctr">
-          <a:solidFill>
-            <a:schemeClr val="phClr"/>
-          </a:solidFill>
-          <a:prstDash val="solid"/>
+          <a:miter lim="800000"/>
         </a:ln>
       </a:lnStyleLst>
       <a:effectStyleLst>
@@ -12122,33 +7220,16 @@
           <a:effectLst/>
         </a:effectStyle>
         <a:effectStyle>
+          <a:effectLst/>
+        </a:effectStyle>
+        <a:effectStyle>
           <a:effectLst>
-            <a:outerShdw blurRad="38100" dist="25400" dir="2700000" algn="br" rotWithShape="0">
+            <a:outerShdw blurRad="57150" dist="19050" dir="5400000" algn="ctr" rotWithShape="0">
               <a:srgbClr val="000000">
-                <a:alpha val="60000"/>
+                <a:alpha val="63000"/>
               </a:srgbClr>
             </a:outerShdw>
           </a:effectLst>
-        </a:effectStyle>
-        <a:effectStyle>
-          <a:effectLst>
-            <a:outerShdw blurRad="44450" dist="25400" dir="2700000" algn="br" rotWithShape="0">
-              <a:srgbClr val="000000">
-                <a:alpha val="60000"/>
-              </a:srgbClr>
-            </a:outerShdw>
-          </a:effectLst>
-          <a:scene3d>
-            <a:camera prst="orthographicFront">
-              <a:rot lat="0" lon="0" rev="0"/>
-            </a:camera>
-            <a:lightRig rig="threePt" dir="t">
-              <a:rot lat="0" lon="0" rev="19800000"/>
-            </a:lightRig>
-          </a:scene3d>
-          <a:sp3d prstMaterial="flat">
-            <a:bevelT w="25400" h="31750"/>
-          </a:sp3d>
         </a:effectStyle>
       </a:effectStyleLst>
       <a:bgFillStyleLst>
@@ -12157,36 +7238,36 @@
         </a:solidFill>
         <a:solidFill>
           <a:schemeClr val="phClr">
-            <a:tint val="90000"/>
-            <a:shade val="97000"/>
-            <a:satMod val="130000"/>
+            <a:tint val="95000"/>
+            <a:satMod val="170000"/>
           </a:schemeClr>
         </a:solidFill>
         <a:gradFill rotWithShape="1">
           <a:gsLst>
             <a:gs pos="0">
               <a:schemeClr val="phClr">
-                <a:tint val="96000"/>
-                <a:shade val="99000"/>
-                <a:satMod val="140000"/>
+                <a:tint val="93000"/>
+                <a:satMod val="150000"/>
+                <a:shade val="98000"/>
+                <a:lumMod val="102000"/>
               </a:schemeClr>
             </a:gs>
-            <a:gs pos="65000">
+            <a:gs pos="50000">
               <a:schemeClr val="phClr">
-                <a:tint val="100000"/>
-                <a:shade val="80000"/>
+                <a:tint val="98000"/>
                 <a:satMod val="130000"/>
+                <a:shade val="90000"/>
+                <a:lumMod val="103000"/>
               </a:schemeClr>
             </a:gs>
             <a:gs pos="100000">
               <a:schemeClr val="phClr">
-                <a:tint val="100000"/>
-                <a:shade val="48000"/>
+                <a:shade val="63000"/>
                 <a:satMod val="120000"/>
               </a:schemeClr>
             </a:gs>
           </a:gsLst>
-          <a:lin ang="16200000" scaled="0"/>
+          <a:lin ang="5400000" scaled="0"/>
         </a:gradFill>
       </a:bgFillStyleLst>
     </a:fmtScheme>
@@ -12195,7 +7276,7 @@
   <a:extraClrSchemeLst/>
   <a:extLst>
     <a:ext uri="{05A4C25C-085E-4340-85A3-A5531E510DB2}">
-      <thm15:themeFamily xmlns:thm15="http://schemas.microsoft.com/office/thememl/2012/main" name="Retrospect" id="{5F128B03-DCCA-4EEB-AB3B-CF2899314A46}" vid="{3F1AAB62-24C6-49D2-8E01-B56FAC9A3DCD}"/>
+      <thm15:themeFamily xmlns:thm15="http://schemas.microsoft.com/office/thememl/2012/main" name="Office Theme" id="{62F939B6-93AF-4DB8-9C6B-D6C7DFDC589F}" vid="{4A3C46E8-61CC-4603-A589-7422A47A8E4A}"/>
     </a:ext>
   </a:extLst>
 </a:theme>
